--- a/SIAB-DevOps.pptx
+++ b/SIAB-DevOps.pptx
@@ -2,10 +2,10 @@
 <file path=ppt/presentation.xml><?xml version="1.0" encoding="utf-8"?>
 <p:presentation xmlns:a="http://schemas.openxmlformats.org/drawingml/2006/main" xmlns:r="http://schemas.openxmlformats.org/officeDocument/2006/relationships" xmlns:p="http://schemas.openxmlformats.org/presentationml/2006/main" saveSubsetFonts="1">
   <p:sldMasterIdLst>
-    <p:sldMasterId id="2147483660" r:id="rId1"/>
+    <p:sldMasterId id="2147483686" r:id="rId1"/>
   </p:sldMasterIdLst>
   <p:notesMasterIdLst>
-    <p:notesMasterId r:id="rId19"/>
+    <p:notesMasterId r:id="rId20"/>
   </p:notesMasterIdLst>
   <p:sldIdLst>
     <p:sldId id="256" r:id="rId2"/>
@@ -24,7 +24,8 @@
     <p:sldId id="275" r:id="rId15"/>
     <p:sldId id="274" r:id="rId16"/>
     <p:sldId id="257" r:id="rId17"/>
-    <p:sldId id="258" r:id="rId18"/>
+    <p:sldId id="276" r:id="rId18"/>
+    <p:sldId id="258" r:id="rId19"/>
   </p:sldIdLst>
   <p:sldSz cx="12192000" cy="6858000"/>
   <p:notesSz cx="6858000" cy="9144000"/>
@@ -4322,6 +4323,925 @@
 </file>
 
 <file path=ppt/diagrams/colors6.xml><?xml version="1.0" encoding="utf-8"?>
+<dgm:colorsDef xmlns:dgm="http://schemas.openxmlformats.org/drawingml/2006/diagram" xmlns:a="http://schemas.openxmlformats.org/drawingml/2006/main" uniqueId="urn:microsoft.com/office/officeart/2005/8/colors/colorful1">
+  <dgm:title val=""/>
+  <dgm:desc val=""/>
+  <dgm:catLst>
+    <dgm:cat type="colorful" pri="10100"/>
+  </dgm:catLst>
+  <dgm:styleLbl name="node0">
+    <dgm:fillClrLst meth="repeat">
+      <a:schemeClr val="accent1"/>
+    </dgm:fillClrLst>
+    <dgm:linClrLst meth="repeat">
+      <a:schemeClr val="lt1"/>
+    </dgm:linClrLst>
+    <dgm:effectClrLst/>
+    <dgm:txLinClrLst/>
+    <dgm:txFillClrLst/>
+    <dgm:txEffectClrLst/>
+  </dgm:styleLbl>
+  <dgm:styleLbl name="node1">
+    <dgm:fillClrLst meth="repeat">
+      <a:schemeClr val="accent2"/>
+      <a:schemeClr val="accent3"/>
+      <a:schemeClr val="accent4"/>
+      <a:schemeClr val="accent5"/>
+      <a:schemeClr val="accent6"/>
+    </dgm:fillClrLst>
+    <dgm:linClrLst meth="repeat">
+      <a:schemeClr val="lt1"/>
+    </dgm:linClrLst>
+    <dgm:effectClrLst/>
+    <dgm:txLinClrLst/>
+    <dgm:txFillClrLst/>
+    <dgm:txEffectClrLst/>
+  </dgm:styleLbl>
+  <dgm:styleLbl name="alignNode1">
+    <dgm:fillClrLst meth="repeat">
+      <a:schemeClr val="accent2"/>
+      <a:schemeClr val="accent3"/>
+      <a:schemeClr val="accent4"/>
+      <a:schemeClr val="accent5"/>
+      <a:schemeClr val="accent6"/>
+    </dgm:fillClrLst>
+    <dgm:linClrLst meth="repeat">
+      <a:schemeClr val="accent2"/>
+      <a:schemeClr val="accent3"/>
+      <a:schemeClr val="accent4"/>
+      <a:schemeClr val="accent5"/>
+      <a:schemeClr val="accent6"/>
+    </dgm:linClrLst>
+    <dgm:effectClrLst/>
+    <dgm:txLinClrLst/>
+    <dgm:txFillClrLst/>
+    <dgm:txEffectClrLst/>
+  </dgm:styleLbl>
+  <dgm:styleLbl name="lnNode1">
+    <dgm:fillClrLst meth="repeat">
+      <a:schemeClr val="accent2"/>
+      <a:schemeClr val="accent3"/>
+      <a:schemeClr val="accent4"/>
+      <a:schemeClr val="accent5"/>
+      <a:schemeClr val="accent6"/>
+    </dgm:fillClrLst>
+    <dgm:linClrLst meth="repeat">
+      <a:schemeClr val="lt1"/>
+    </dgm:linClrLst>
+    <dgm:effectClrLst/>
+    <dgm:txLinClrLst/>
+    <dgm:txFillClrLst/>
+    <dgm:txEffectClrLst/>
+  </dgm:styleLbl>
+  <dgm:styleLbl name="vennNode1">
+    <dgm:fillClrLst meth="repeat">
+      <a:schemeClr val="accent2">
+        <a:alpha val="50000"/>
+      </a:schemeClr>
+      <a:schemeClr val="accent3">
+        <a:alpha val="50000"/>
+      </a:schemeClr>
+      <a:schemeClr val="accent4">
+        <a:alpha val="50000"/>
+      </a:schemeClr>
+      <a:schemeClr val="accent5">
+        <a:alpha val="50000"/>
+      </a:schemeClr>
+      <a:schemeClr val="accent6">
+        <a:alpha val="50000"/>
+      </a:schemeClr>
+    </dgm:fillClrLst>
+    <dgm:linClrLst meth="repeat">
+      <a:schemeClr val="lt1"/>
+    </dgm:linClrLst>
+    <dgm:effectClrLst/>
+    <dgm:txLinClrLst/>
+    <dgm:txFillClrLst/>
+    <dgm:txEffectClrLst/>
+  </dgm:styleLbl>
+  <dgm:styleLbl name="node2">
+    <dgm:fillClrLst>
+      <a:schemeClr val="accent2"/>
+    </dgm:fillClrLst>
+    <dgm:linClrLst meth="repeat">
+      <a:schemeClr val="lt1"/>
+    </dgm:linClrLst>
+    <dgm:effectClrLst/>
+    <dgm:txLinClrLst/>
+    <dgm:txFillClrLst/>
+    <dgm:txEffectClrLst/>
+  </dgm:styleLbl>
+  <dgm:styleLbl name="node3">
+    <dgm:fillClrLst>
+      <a:schemeClr val="accent3"/>
+    </dgm:fillClrLst>
+    <dgm:linClrLst meth="repeat">
+      <a:schemeClr val="lt1"/>
+    </dgm:linClrLst>
+    <dgm:effectClrLst/>
+    <dgm:txLinClrLst/>
+    <dgm:txFillClrLst/>
+    <dgm:txEffectClrLst/>
+  </dgm:styleLbl>
+  <dgm:styleLbl name="node4">
+    <dgm:fillClrLst>
+      <a:schemeClr val="accent4"/>
+    </dgm:fillClrLst>
+    <dgm:linClrLst meth="repeat">
+      <a:schemeClr val="lt1"/>
+    </dgm:linClrLst>
+    <dgm:effectClrLst/>
+    <dgm:txLinClrLst/>
+    <dgm:txFillClrLst/>
+    <dgm:txEffectClrLst/>
+  </dgm:styleLbl>
+  <dgm:styleLbl name="fgImgPlace1">
+    <dgm:fillClrLst meth="repeat">
+      <a:schemeClr val="accent2">
+        <a:tint val="50000"/>
+      </a:schemeClr>
+      <a:schemeClr val="accent3">
+        <a:tint val="50000"/>
+      </a:schemeClr>
+      <a:schemeClr val="accent4">
+        <a:tint val="50000"/>
+      </a:schemeClr>
+      <a:schemeClr val="accent5">
+        <a:tint val="50000"/>
+      </a:schemeClr>
+      <a:schemeClr val="accent6">
+        <a:tint val="50000"/>
+      </a:schemeClr>
+    </dgm:fillClrLst>
+    <dgm:linClrLst meth="repeat">
+      <a:schemeClr val="lt1"/>
+    </dgm:linClrLst>
+    <dgm:effectClrLst/>
+    <dgm:txLinClrLst/>
+    <dgm:txFillClrLst meth="repeat">
+      <a:schemeClr val="lt1"/>
+    </dgm:txFillClrLst>
+    <dgm:txEffectClrLst/>
+  </dgm:styleLbl>
+  <dgm:styleLbl name="alignImgPlace1">
+    <dgm:fillClrLst>
+      <a:schemeClr val="accent1">
+        <a:tint val="50000"/>
+      </a:schemeClr>
+      <a:schemeClr val="accent2">
+        <a:tint val="20000"/>
+      </a:schemeClr>
+    </dgm:fillClrLst>
+    <dgm:linClrLst meth="repeat">
+      <a:schemeClr val="lt1"/>
+    </dgm:linClrLst>
+    <dgm:effectClrLst/>
+    <dgm:txLinClrLst/>
+    <dgm:txFillClrLst meth="repeat">
+      <a:schemeClr val="lt1"/>
+    </dgm:txFillClrLst>
+    <dgm:txEffectClrLst/>
+  </dgm:styleLbl>
+  <dgm:styleLbl name="bgImgPlace1">
+    <dgm:fillClrLst>
+      <a:schemeClr val="accent1">
+        <a:tint val="50000"/>
+      </a:schemeClr>
+      <a:schemeClr val="accent2">
+        <a:tint val="20000"/>
+      </a:schemeClr>
+    </dgm:fillClrLst>
+    <dgm:linClrLst meth="repeat">
+      <a:schemeClr val="lt1"/>
+    </dgm:linClrLst>
+    <dgm:effectClrLst/>
+    <dgm:txLinClrLst/>
+    <dgm:txFillClrLst meth="repeat">
+      <a:schemeClr val="lt1"/>
+    </dgm:txFillClrLst>
+    <dgm:txEffectClrLst/>
+  </dgm:styleLbl>
+  <dgm:styleLbl name="sibTrans2D1">
+    <dgm:fillClrLst meth="repeat">
+      <a:schemeClr val="accent2"/>
+      <a:schemeClr val="accent3"/>
+      <a:schemeClr val="accent4"/>
+      <a:schemeClr val="accent5"/>
+      <a:schemeClr val="accent6"/>
+    </dgm:fillClrLst>
+    <dgm:linClrLst meth="cycle">
+      <a:schemeClr val="lt1"/>
+    </dgm:linClrLst>
+    <dgm:effectClrLst/>
+    <dgm:txLinClrLst/>
+    <dgm:txFillClrLst/>
+    <dgm:txEffectClrLst/>
+  </dgm:styleLbl>
+  <dgm:styleLbl name="fgSibTrans2D1">
+    <dgm:fillClrLst meth="repeat">
+      <a:schemeClr val="accent2"/>
+      <a:schemeClr val="accent3"/>
+      <a:schemeClr val="accent4"/>
+      <a:schemeClr val="accent5"/>
+      <a:schemeClr val="accent6"/>
+    </dgm:fillClrLst>
+    <dgm:linClrLst meth="cycle">
+      <a:schemeClr val="lt1"/>
+    </dgm:linClrLst>
+    <dgm:effectClrLst/>
+    <dgm:txLinClrLst/>
+    <dgm:txFillClrLst meth="repeat">
+      <a:schemeClr val="lt1"/>
+    </dgm:txFillClrLst>
+    <dgm:txEffectClrLst/>
+  </dgm:styleLbl>
+  <dgm:styleLbl name="bgSibTrans2D1">
+    <dgm:fillClrLst meth="repeat">
+      <a:schemeClr val="accent2"/>
+      <a:schemeClr val="accent3"/>
+      <a:schemeClr val="accent4"/>
+      <a:schemeClr val="accent5"/>
+      <a:schemeClr val="accent6"/>
+    </dgm:fillClrLst>
+    <dgm:linClrLst meth="cycle">
+      <a:schemeClr val="lt1"/>
+    </dgm:linClrLst>
+    <dgm:effectClrLst/>
+    <dgm:txLinClrLst/>
+    <dgm:txFillClrLst meth="repeat">
+      <a:schemeClr val="lt1"/>
+    </dgm:txFillClrLst>
+    <dgm:txEffectClrLst/>
+  </dgm:styleLbl>
+  <dgm:styleLbl name="sibTrans1D1">
+    <dgm:fillClrLst meth="repeat">
+      <a:schemeClr val="accent2"/>
+      <a:schemeClr val="accent3"/>
+      <a:schemeClr val="accent4"/>
+      <a:schemeClr val="accent5"/>
+      <a:schemeClr val="accent6"/>
+    </dgm:fillClrLst>
+    <dgm:linClrLst meth="repeat">
+      <a:schemeClr val="accent2"/>
+      <a:schemeClr val="accent3"/>
+      <a:schemeClr val="accent4"/>
+      <a:schemeClr val="accent5"/>
+      <a:schemeClr val="accent6"/>
+    </dgm:linClrLst>
+    <dgm:effectClrLst/>
+    <dgm:txLinClrLst/>
+    <dgm:txFillClrLst meth="repeat">
+      <a:schemeClr val="tx1"/>
+    </dgm:txFillClrLst>
+    <dgm:txEffectClrLst/>
+  </dgm:styleLbl>
+  <dgm:styleLbl name="callout">
+    <dgm:fillClrLst meth="repeat">
+      <a:schemeClr val="accent2"/>
+    </dgm:fillClrLst>
+    <dgm:linClrLst meth="repeat">
+      <a:schemeClr val="accent2">
+        <a:tint val="50000"/>
+      </a:schemeClr>
+    </dgm:linClrLst>
+    <dgm:effectClrLst/>
+    <dgm:txLinClrLst/>
+    <dgm:txFillClrLst meth="repeat">
+      <a:schemeClr val="tx1"/>
+    </dgm:txFillClrLst>
+    <dgm:txEffectClrLst/>
+  </dgm:styleLbl>
+  <dgm:styleLbl name="asst0">
+    <dgm:fillClrLst meth="repeat">
+      <a:schemeClr val="accent1"/>
+    </dgm:fillClrLst>
+    <dgm:linClrLst meth="repeat">
+      <a:schemeClr val="lt1"/>
+    </dgm:linClrLst>
+    <dgm:effectClrLst/>
+    <dgm:txLinClrLst/>
+    <dgm:txFillClrLst/>
+    <dgm:txEffectClrLst/>
+  </dgm:styleLbl>
+  <dgm:styleLbl name="asst1">
+    <dgm:fillClrLst meth="repeat">
+      <a:schemeClr val="accent2"/>
+    </dgm:fillClrLst>
+    <dgm:linClrLst meth="repeat">
+      <a:schemeClr val="lt1"/>
+    </dgm:linClrLst>
+    <dgm:effectClrLst/>
+    <dgm:txLinClrLst/>
+    <dgm:txFillClrLst/>
+    <dgm:txEffectClrLst/>
+  </dgm:styleLbl>
+  <dgm:styleLbl name="asst2">
+    <dgm:fillClrLst>
+      <a:schemeClr val="accent3"/>
+    </dgm:fillClrLst>
+    <dgm:linClrLst meth="repeat">
+      <a:schemeClr val="lt1"/>
+    </dgm:linClrLst>
+    <dgm:effectClrLst/>
+    <dgm:txLinClrLst/>
+    <dgm:txFillClrLst/>
+    <dgm:txEffectClrLst/>
+  </dgm:styleLbl>
+  <dgm:styleLbl name="asst3">
+    <dgm:fillClrLst>
+      <a:schemeClr val="accent4"/>
+    </dgm:fillClrLst>
+    <dgm:linClrLst meth="repeat">
+      <a:schemeClr val="lt1"/>
+    </dgm:linClrLst>
+    <dgm:effectClrLst/>
+    <dgm:txLinClrLst/>
+    <dgm:txFillClrLst/>
+    <dgm:txEffectClrLst/>
+  </dgm:styleLbl>
+  <dgm:styleLbl name="asst4">
+    <dgm:fillClrLst>
+      <a:schemeClr val="accent5"/>
+    </dgm:fillClrLst>
+    <dgm:linClrLst meth="repeat">
+      <a:schemeClr val="lt1"/>
+    </dgm:linClrLst>
+    <dgm:effectClrLst/>
+    <dgm:txLinClrLst/>
+    <dgm:txFillClrLst/>
+    <dgm:txEffectClrLst/>
+  </dgm:styleLbl>
+  <dgm:styleLbl name="parChTrans2D1">
+    <dgm:fillClrLst meth="repeat">
+      <a:schemeClr val="accent2"/>
+    </dgm:fillClrLst>
+    <dgm:linClrLst meth="repeat">
+      <a:schemeClr val="lt1"/>
+    </dgm:linClrLst>
+    <dgm:effectClrLst/>
+    <dgm:txLinClrLst/>
+    <dgm:txFillClrLst meth="repeat">
+      <a:schemeClr val="lt1"/>
+    </dgm:txFillClrLst>
+    <dgm:txEffectClrLst/>
+  </dgm:styleLbl>
+  <dgm:styleLbl name="parChTrans2D2">
+    <dgm:fillClrLst meth="repeat">
+      <a:schemeClr val="accent3"/>
+    </dgm:fillClrLst>
+    <dgm:linClrLst meth="repeat">
+      <a:schemeClr val="lt1"/>
+    </dgm:linClrLst>
+    <dgm:effectClrLst/>
+    <dgm:txLinClrLst/>
+    <dgm:txFillClrLst/>
+    <dgm:txEffectClrLst/>
+  </dgm:styleLbl>
+  <dgm:styleLbl name="parChTrans2D3">
+    <dgm:fillClrLst meth="repeat">
+      <a:schemeClr val="accent4"/>
+    </dgm:fillClrLst>
+    <dgm:linClrLst meth="repeat">
+      <a:schemeClr val="lt1"/>
+    </dgm:linClrLst>
+    <dgm:effectClrLst/>
+    <dgm:txLinClrLst/>
+    <dgm:txFillClrLst/>
+    <dgm:txEffectClrLst/>
+  </dgm:styleLbl>
+  <dgm:styleLbl name="parChTrans2D4">
+    <dgm:fillClrLst meth="repeat">
+      <a:schemeClr val="accent5"/>
+    </dgm:fillClrLst>
+    <dgm:linClrLst meth="repeat">
+      <a:schemeClr val="lt1"/>
+    </dgm:linClrLst>
+    <dgm:effectClrLst/>
+    <dgm:txLinClrLst/>
+    <dgm:txFillClrLst meth="repeat">
+      <a:schemeClr val="lt1"/>
+    </dgm:txFillClrLst>
+    <dgm:txEffectClrLst/>
+  </dgm:styleLbl>
+  <dgm:styleLbl name="parChTrans1D1">
+    <dgm:fillClrLst meth="repeat">
+      <a:schemeClr val="accent2"/>
+    </dgm:fillClrLst>
+    <dgm:linClrLst meth="repeat">
+      <a:schemeClr val="accent1"/>
+    </dgm:linClrLst>
+    <dgm:effectClrLst/>
+    <dgm:txLinClrLst/>
+    <dgm:txFillClrLst meth="repeat">
+      <a:schemeClr val="tx1"/>
+    </dgm:txFillClrLst>
+    <dgm:txEffectClrLst/>
+  </dgm:styleLbl>
+  <dgm:styleLbl name="parChTrans1D2">
+    <dgm:fillClrLst meth="repeat">
+      <a:schemeClr val="accent3">
+        <a:tint val="90000"/>
+      </a:schemeClr>
+    </dgm:fillClrLst>
+    <dgm:linClrLst meth="repeat">
+      <a:schemeClr val="accent2"/>
+    </dgm:linClrLst>
+    <dgm:effectClrLst/>
+    <dgm:txLinClrLst/>
+    <dgm:txFillClrLst meth="repeat">
+      <a:schemeClr val="tx1"/>
+    </dgm:txFillClrLst>
+    <dgm:txEffectClrLst/>
+  </dgm:styleLbl>
+  <dgm:styleLbl name="parChTrans1D3">
+    <dgm:fillClrLst meth="repeat">
+      <a:schemeClr val="accent4">
+        <a:tint val="70000"/>
+      </a:schemeClr>
+    </dgm:fillClrLst>
+    <dgm:linClrLst meth="repeat">
+      <a:schemeClr val="accent3"/>
+    </dgm:linClrLst>
+    <dgm:effectClrLst/>
+    <dgm:txLinClrLst/>
+    <dgm:txFillClrLst meth="repeat">
+      <a:schemeClr val="tx1"/>
+    </dgm:txFillClrLst>
+    <dgm:txEffectClrLst/>
+  </dgm:styleLbl>
+  <dgm:styleLbl name="parChTrans1D4">
+    <dgm:fillClrLst meth="repeat">
+      <a:schemeClr val="accent5">
+        <a:tint val="50000"/>
+      </a:schemeClr>
+    </dgm:fillClrLst>
+    <dgm:linClrLst meth="repeat">
+      <a:schemeClr val="accent4"/>
+    </dgm:linClrLst>
+    <dgm:effectClrLst/>
+    <dgm:txLinClrLst/>
+    <dgm:txFillClrLst meth="repeat">
+      <a:schemeClr val="tx1"/>
+    </dgm:txFillClrLst>
+    <dgm:txEffectClrLst/>
+  </dgm:styleLbl>
+  <dgm:styleLbl name="fgAcc1">
+    <dgm:fillClrLst meth="repeat">
+      <a:schemeClr val="lt1">
+        <a:alpha val="90000"/>
+      </a:schemeClr>
+    </dgm:fillClrLst>
+    <dgm:linClrLst meth="repeat">
+      <a:schemeClr val="accent2"/>
+      <a:schemeClr val="accent3"/>
+      <a:schemeClr val="accent4"/>
+      <a:schemeClr val="accent5"/>
+      <a:schemeClr val="accent6"/>
+    </dgm:linClrLst>
+    <dgm:effectClrLst/>
+    <dgm:txLinClrLst/>
+    <dgm:txFillClrLst meth="repeat">
+      <a:schemeClr val="dk1"/>
+    </dgm:txFillClrLst>
+    <dgm:txEffectClrLst/>
+  </dgm:styleLbl>
+  <dgm:styleLbl name="conFgAcc1">
+    <dgm:fillClrLst meth="repeat">
+      <a:schemeClr val="lt1">
+        <a:alpha val="90000"/>
+      </a:schemeClr>
+    </dgm:fillClrLst>
+    <dgm:linClrLst meth="repeat">
+      <a:schemeClr val="accent2"/>
+      <a:schemeClr val="accent3"/>
+      <a:schemeClr val="accent4"/>
+      <a:schemeClr val="accent5"/>
+      <a:schemeClr val="accent6"/>
+    </dgm:linClrLst>
+    <dgm:effectClrLst/>
+    <dgm:txLinClrLst/>
+    <dgm:txFillClrLst meth="repeat">
+      <a:schemeClr val="dk1"/>
+    </dgm:txFillClrLst>
+    <dgm:txEffectClrLst/>
+  </dgm:styleLbl>
+  <dgm:styleLbl name="alignAcc1">
+    <dgm:fillClrLst meth="repeat">
+      <a:schemeClr val="lt1">
+        <a:alpha val="90000"/>
+      </a:schemeClr>
+    </dgm:fillClrLst>
+    <dgm:linClrLst meth="repeat">
+      <a:schemeClr val="accent2"/>
+      <a:schemeClr val="accent3"/>
+      <a:schemeClr val="accent4"/>
+      <a:schemeClr val="accent5"/>
+      <a:schemeClr val="accent6"/>
+    </dgm:linClrLst>
+    <dgm:effectClrLst/>
+    <dgm:txLinClrLst/>
+    <dgm:txFillClrLst meth="repeat">
+      <a:schemeClr val="dk1"/>
+    </dgm:txFillClrLst>
+    <dgm:txEffectClrLst/>
+  </dgm:styleLbl>
+  <dgm:styleLbl name="trAlignAcc1">
+    <dgm:fillClrLst meth="repeat">
+      <a:schemeClr val="lt1">
+        <a:alpha val="40000"/>
+      </a:schemeClr>
+    </dgm:fillClrLst>
+    <dgm:linClrLst meth="repeat">
+      <a:schemeClr val="accent1"/>
+    </dgm:linClrLst>
+    <dgm:effectClrLst/>
+    <dgm:txLinClrLst/>
+    <dgm:txFillClrLst meth="repeat">
+      <a:schemeClr val="dk1"/>
+    </dgm:txFillClrLst>
+    <dgm:txEffectClrLst/>
+  </dgm:styleLbl>
+  <dgm:styleLbl name="bgAcc1">
+    <dgm:fillClrLst meth="repeat">
+      <a:schemeClr val="lt1">
+        <a:alpha val="90000"/>
+      </a:schemeClr>
+    </dgm:fillClrLst>
+    <dgm:linClrLst meth="repeat">
+      <a:schemeClr val="accent2"/>
+      <a:schemeClr val="accent3"/>
+      <a:schemeClr val="accent4"/>
+      <a:schemeClr val="accent5"/>
+      <a:schemeClr val="accent6"/>
+    </dgm:linClrLst>
+    <dgm:effectClrLst/>
+    <dgm:txLinClrLst/>
+    <dgm:txFillClrLst meth="repeat">
+      <a:schemeClr val="dk1"/>
+    </dgm:txFillClrLst>
+    <dgm:txEffectClrLst/>
+  </dgm:styleLbl>
+  <dgm:styleLbl name="solidFgAcc1">
+    <dgm:fillClrLst meth="repeat">
+      <a:schemeClr val="lt1"/>
+    </dgm:fillClrLst>
+    <dgm:linClrLst meth="repeat">
+      <a:schemeClr val="accent2"/>
+      <a:schemeClr val="accent3"/>
+      <a:schemeClr val="accent4"/>
+      <a:schemeClr val="accent5"/>
+      <a:schemeClr val="accent6"/>
+    </dgm:linClrLst>
+    <dgm:effectClrLst/>
+    <dgm:txLinClrLst/>
+    <dgm:txFillClrLst meth="repeat">
+      <a:schemeClr val="dk1"/>
+    </dgm:txFillClrLst>
+    <dgm:txEffectClrLst/>
+  </dgm:styleLbl>
+  <dgm:styleLbl name="solidAlignAcc1">
+    <dgm:fillClrLst meth="repeat">
+      <a:schemeClr val="lt1"/>
+    </dgm:fillClrLst>
+    <dgm:linClrLst meth="repeat">
+      <a:schemeClr val="accent2"/>
+      <a:schemeClr val="accent3"/>
+      <a:schemeClr val="accent4"/>
+      <a:schemeClr val="accent5"/>
+      <a:schemeClr val="accent6"/>
+    </dgm:linClrLst>
+    <dgm:effectClrLst/>
+    <dgm:txLinClrLst/>
+    <dgm:txFillClrLst meth="repeat">
+      <a:schemeClr val="dk1"/>
+    </dgm:txFillClrLst>
+    <dgm:txEffectClrLst/>
+  </dgm:styleLbl>
+  <dgm:styleLbl name="solidBgAcc1">
+    <dgm:fillClrLst meth="repeat">
+      <a:schemeClr val="lt1"/>
+    </dgm:fillClrLst>
+    <dgm:linClrLst meth="repeat">
+      <a:schemeClr val="accent2"/>
+      <a:schemeClr val="accent3"/>
+      <a:schemeClr val="accent4"/>
+      <a:schemeClr val="accent5"/>
+      <a:schemeClr val="accent6"/>
+    </dgm:linClrLst>
+    <dgm:effectClrLst/>
+    <dgm:txLinClrLst/>
+    <dgm:txFillClrLst meth="repeat">
+      <a:schemeClr val="dk1"/>
+    </dgm:txFillClrLst>
+    <dgm:txEffectClrLst/>
+  </dgm:styleLbl>
+  <dgm:styleLbl name="fgAccFollowNode1">
+    <dgm:fillClrLst meth="repeat">
+      <a:schemeClr val="accent2">
+        <a:tint val="40000"/>
+        <a:alpha val="90000"/>
+      </a:schemeClr>
+      <a:schemeClr val="accent3">
+        <a:tint val="40000"/>
+        <a:alpha val="90000"/>
+      </a:schemeClr>
+      <a:schemeClr val="accent4">
+        <a:tint val="40000"/>
+        <a:alpha val="90000"/>
+      </a:schemeClr>
+      <a:schemeClr val="accent5">
+        <a:tint val="40000"/>
+        <a:alpha val="90000"/>
+      </a:schemeClr>
+      <a:schemeClr val="accent6">
+        <a:tint val="40000"/>
+        <a:alpha val="90000"/>
+      </a:schemeClr>
+    </dgm:fillClrLst>
+    <dgm:linClrLst meth="repeat">
+      <a:schemeClr val="accent2">
+        <a:tint val="40000"/>
+        <a:alpha val="90000"/>
+      </a:schemeClr>
+      <a:schemeClr val="accent3">
+        <a:tint val="40000"/>
+        <a:alpha val="90000"/>
+      </a:schemeClr>
+      <a:schemeClr val="accent4">
+        <a:tint val="40000"/>
+        <a:alpha val="90000"/>
+      </a:schemeClr>
+      <a:schemeClr val="accent5">
+        <a:tint val="40000"/>
+        <a:alpha val="90000"/>
+      </a:schemeClr>
+      <a:schemeClr val="accent6">
+        <a:tint val="40000"/>
+        <a:alpha val="90000"/>
+      </a:schemeClr>
+    </dgm:linClrLst>
+    <dgm:effectClrLst/>
+    <dgm:txLinClrLst/>
+    <dgm:txFillClrLst meth="repeat">
+      <a:schemeClr val="dk1"/>
+    </dgm:txFillClrLst>
+    <dgm:txEffectClrLst/>
+  </dgm:styleLbl>
+  <dgm:styleLbl name="alignAccFollowNode1">
+    <dgm:fillClrLst meth="repeat">
+      <a:schemeClr val="accent2">
+        <a:tint val="40000"/>
+        <a:alpha val="90000"/>
+      </a:schemeClr>
+      <a:schemeClr val="accent3">
+        <a:tint val="40000"/>
+        <a:alpha val="90000"/>
+      </a:schemeClr>
+      <a:schemeClr val="accent4">
+        <a:tint val="40000"/>
+        <a:alpha val="90000"/>
+      </a:schemeClr>
+      <a:schemeClr val="accent5">
+        <a:tint val="40000"/>
+        <a:alpha val="90000"/>
+      </a:schemeClr>
+      <a:schemeClr val="accent6">
+        <a:tint val="40000"/>
+        <a:alpha val="90000"/>
+      </a:schemeClr>
+    </dgm:fillClrLst>
+    <dgm:linClrLst meth="repeat">
+      <a:schemeClr val="accent2">
+        <a:tint val="40000"/>
+        <a:alpha val="90000"/>
+      </a:schemeClr>
+      <a:schemeClr val="accent3">
+        <a:tint val="40000"/>
+        <a:alpha val="90000"/>
+      </a:schemeClr>
+      <a:schemeClr val="accent4">
+        <a:tint val="40000"/>
+        <a:alpha val="90000"/>
+      </a:schemeClr>
+      <a:schemeClr val="accent5">
+        <a:tint val="40000"/>
+        <a:alpha val="90000"/>
+      </a:schemeClr>
+      <a:schemeClr val="accent6">
+        <a:tint val="40000"/>
+        <a:alpha val="90000"/>
+      </a:schemeClr>
+    </dgm:linClrLst>
+    <dgm:effectClrLst/>
+    <dgm:txLinClrLst/>
+    <dgm:txFillClrLst meth="repeat">
+      <a:schemeClr val="dk1"/>
+    </dgm:txFillClrLst>
+    <dgm:txEffectClrLst/>
+  </dgm:styleLbl>
+  <dgm:styleLbl name="bgAccFollowNode1">
+    <dgm:fillClrLst meth="repeat">
+      <a:schemeClr val="accent2">
+        <a:tint val="40000"/>
+        <a:alpha val="90000"/>
+      </a:schemeClr>
+      <a:schemeClr val="accent3">
+        <a:tint val="40000"/>
+        <a:alpha val="90000"/>
+      </a:schemeClr>
+      <a:schemeClr val="accent4">
+        <a:tint val="40000"/>
+        <a:alpha val="90000"/>
+      </a:schemeClr>
+      <a:schemeClr val="accent5">
+        <a:tint val="40000"/>
+        <a:alpha val="90000"/>
+      </a:schemeClr>
+      <a:schemeClr val="accent6">
+        <a:tint val="40000"/>
+        <a:alpha val="90000"/>
+      </a:schemeClr>
+    </dgm:fillClrLst>
+    <dgm:linClrLst meth="repeat">
+      <a:schemeClr val="accent2">
+        <a:tint val="40000"/>
+        <a:alpha val="90000"/>
+      </a:schemeClr>
+      <a:schemeClr val="accent3">
+        <a:tint val="40000"/>
+        <a:alpha val="90000"/>
+      </a:schemeClr>
+      <a:schemeClr val="accent4">
+        <a:tint val="40000"/>
+        <a:alpha val="90000"/>
+      </a:schemeClr>
+      <a:schemeClr val="accent5">
+        <a:tint val="40000"/>
+        <a:alpha val="90000"/>
+      </a:schemeClr>
+      <a:schemeClr val="accent6">
+        <a:tint val="40000"/>
+        <a:alpha val="90000"/>
+      </a:schemeClr>
+    </dgm:linClrLst>
+    <dgm:effectClrLst/>
+    <dgm:txLinClrLst/>
+    <dgm:txFillClrLst meth="repeat">
+      <a:schemeClr val="dk1"/>
+    </dgm:txFillClrLst>
+    <dgm:txEffectClrLst/>
+  </dgm:styleLbl>
+  <dgm:styleLbl name="fgAcc0">
+    <dgm:fillClrLst meth="repeat">
+      <a:schemeClr val="lt1">
+        <a:alpha val="90000"/>
+      </a:schemeClr>
+    </dgm:fillClrLst>
+    <dgm:linClrLst>
+      <a:schemeClr val="accent1"/>
+    </dgm:linClrLst>
+    <dgm:effectClrLst/>
+    <dgm:txLinClrLst/>
+    <dgm:txFillClrLst meth="repeat">
+      <a:schemeClr val="dk1"/>
+    </dgm:txFillClrLst>
+    <dgm:txEffectClrLst/>
+  </dgm:styleLbl>
+  <dgm:styleLbl name="fgAcc2">
+    <dgm:fillClrLst meth="repeat">
+      <a:schemeClr val="lt1">
+        <a:alpha val="90000"/>
+      </a:schemeClr>
+    </dgm:fillClrLst>
+    <dgm:linClrLst>
+      <a:schemeClr val="accent2"/>
+    </dgm:linClrLst>
+    <dgm:effectClrLst/>
+    <dgm:txLinClrLst/>
+    <dgm:txFillClrLst meth="repeat">
+      <a:schemeClr val="dk1"/>
+    </dgm:txFillClrLst>
+    <dgm:txEffectClrLst/>
+  </dgm:styleLbl>
+  <dgm:styleLbl name="fgAcc3">
+    <dgm:fillClrLst meth="repeat">
+      <a:schemeClr val="lt1">
+        <a:alpha val="90000"/>
+      </a:schemeClr>
+    </dgm:fillClrLst>
+    <dgm:linClrLst>
+      <a:schemeClr val="accent3"/>
+    </dgm:linClrLst>
+    <dgm:effectClrLst/>
+    <dgm:txLinClrLst/>
+    <dgm:txFillClrLst meth="repeat">
+      <a:schemeClr val="dk1"/>
+    </dgm:txFillClrLst>
+    <dgm:txEffectClrLst/>
+  </dgm:styleLbl>
+  <dgm:styleLbl name="fgAcc4">
+    <dgm:fillClrLst meth="repeat">
+      <a:schemeClr val="lt1">
+        <a:alpha val="90000"/>
+      </a:schemeClr>
+    </dgm:fillClrLst>
+    <dgm:linClrLst>
+      <a:schemeClr val="accent4"/>
+    </dgm:linClrLst>
+    <dgm:effectClrLst/>
+    <dgm:txLinClrLst/>
+    <dgm:txFillClrLst meth="repeat">
+      <a:schemeClr val="dk1"/>
+    </dgm:txFillClrLst>
+    <dgm:txEffectClrLst/>
+  </dgm:styleLbl>
+  <dgm:styleLbl name="bgShp">
+    <dgm:fillClrLst meth="repeat">
+      <a:schemeClr val="accent2">
+        <a:tint val="40000"/>
+      </a:schemeClr>
+    </dgm:fillClrLst>
+    <dgm:linClrLst meth="repeat">
+      <a:schemeClr val="dk1"/>
+    </dgm:linClrLst>
+    <dgm:effectClrLst/>
+    <dgm:txLinClrLst/>
+    <dgm:txFillClrLst meth="repeat">
+      <a:schemeClr val="dk1"/>
+    </dgm:txFillClrLst>
+    <dgm:txEffectClrLst/>
+  </dgm:styleLbl>
+  <dgm:styleLbl name="dkBgShp">
+    <dgm:fillClrLst meth="repeat">
+      <a:schemeClr val="accent2">
+        <a:shade val="90000"/>
+      </a:schemeClr>
+    </dgm:fillClrLst>
+    <dgm:linClrLst meth="repeat">
+      <a:schemeClr val="dk1"/>
+    </dgm:linClrLst>
+    <dgm:effectClrLst/>
+    <dgm:txLinClrLst/>
+    <dgm:txFillClrLst meth="repeat">
+      <a:schemeClr val="lt1"/>
+    </dgm:txFillClrLst>
+    <dgm:txEffectClrLst/>
+  </dgm:styleLbl>
+  <dgm:styleLbl name="trBgShp">
+    <dgm:fillClrLst meth="repeat">
+      <a:schemeClr val="accent1">
+        <a:tint val="50000"/>
+        <a:alpha val="40000"/>
+      </a:schemeClr>
+    </dgm:fillClrLst>
+    <dgm:linClrLst meth="repeat">
+      <a:schemeClr val="accent2"/>
+    </dgm:linClrLst>
+    <dgm:effectClrLst/>
+    <dgm:txLinClrLst/>
+    <dgm:txFillClrLst meth="repeat">
+      <a:schemeClr val="lt1"/>
+    </dgm:txFillClrLst>
+    <dgm:txEffectClrLst/>
+  </dgm:styleLbl>
+  <dgm:styleLbl name="fgShp">
+    <dgm:fillClrLst meth="repeat">
+      <a:schemeClr val="accent2">
+        <a:tint val="40000"/>
+      </a:schemeClr>
+    </dgm:fillClrLst>
+    <dgm:linClrLst meth="repeat">
+      <a:schemeClr val="lt1"/>
+    </dgm:linClrLst>
+    <dgm:effectClrLst/>
+    <dgm:txLinClrLst/>
+    <dgm:txFillClrLst meth="repeat">
+      <a:schemeClr val="dk1"/>
+    </dgm:txFillClrLst>
+    <dgm:txEffectClrLst/>
+  </dgm:styleLbl>
+  <dgm:styleLbl name="revTx">
+    <dgm:fillClrLst meth="repeat">
+      <a:schemeClr val="lt1">
+        <a:alpha val="0"/>
+      </a:schemeClr>
+    </dgm:fillClrLst>
+    <dgm:linClrLst meth="repeat">
+      <a:schemeClr val="dk1">
+        <a:alpha val="0"/>
+      </a:schemeClr>
+    </dgm:linClrLst>
+    <dgm:effectClrLst/>
+    <dgm:txLinClrLst/>
+    <dgm:txFillClrLst meth="repeat">
+      <a:schemeClr val="tx1"/>
+    </dgm:txFillClrLst>
+    <dgm:txEffectClrLst/>
+  </dgm:styleLbl>
+</dgm:colorsDef>
+</file>
+
+<file path=ppt/diagrams/colors7.xml><?xml version="1.0" encoding="utf-8"?>
 <dgm:colorsDef xmlns:dgm="http://schemas.openxmlformats.org/drawingml/2006/diagram" xmlns:a="http://schemas.openxmlformats.org/drawingml/2006/main" uniqueId="urn:microsoft.com/office/officeart/2005/8/colors/colorful1">
   <dgm:title val=""/>
   <dgm:desc val=""/>
@@ -7921,6 +8841,513 @@
 </file>
 
 <file path=ppt/diagrams/data6.xml><?xml version="1.0" encoding="utf-8"?>
+<dgm:dataModel xmlns:dgm="http://schemas.openxmlformats.org/drawingml/2006/diagram" xmlns:a="http://schemas.openxmlformats.org/drawingml/2006/main">
+  <dgm:ptLst>
+    <dgm:pt modelId="{09C18210-2F9D-4B80-9451-6447851ED6B8}" type="doc">
+      <dgm:prSet loTypeId="urn:microsoft.com/office/officeart/2005/8/layout/hProcess9" loCatId="process" qsTypeId="urn:microsoft.com/office/officeart/2005/8/quickstyle/simple1" qsCatId="simple" csTypeId="urn:microsoft.com/office/officeart/2005/8/colors/colorful1" csCatId="colorful" phldr="1"/>
+      <dgm:spPr/>
+    </dgm:pt>
+    <dgm:pt modelId="{3D6720E5-64FB-493A-914D-E356306B886E}">
+      <dgm:prSet phldrT="[Text]"/>
+      <dgm:spPr/>
+      <dgm:t>
+        <a:bodyPr/>
+        <a:lstStyle/>
+        <a:p>
+          <a:r>
+            <a:rPr lang="en-GB"/>
+            <a:t>Checkout</a:t>
+          </a:r>
+        </a:p>
+      </dgm:t>
+    </dgm:pt>
+    <dgm:pt modelId="{C43323AD-F5D9-4F78-833F-BC882FE61EF8}" type="parTrans" cxnId="{28753D3B-EB45-4B27-8D5C-1C31A2499884}">
+      <dgm:prSet/>
+      <dgm:spPr/>
+      <dgm:t>
+        <a:bodyPr/>
+        <a:lstStyle/>
+        <a:p>
+          <a:endParaRPr lang="en-GB"/>
+        </a:p>
+      </dgm:t>
+    </dgm:pt>
+    <dgm:pt modelId="{0CC20E08-A534-495F-A72C-646D5BC94872}" type="sibTrans" cxnId="{28753D3B-EB45-4B27-8D5C-1C31A2499884}">
+      <dgm:prSet/>
+      <dgm:spPr/>
+      <dgm:t>
+        <a:bodyPr/>
+        <a:lstStyle/>
+        <a:p>
+          <a:endParaRPr lang="en-GB"/>
+        </a:p>
+      </dgm:t>
+    </dgm:pt>
+    <dgm:pt modelId="{D8735113-B240-4829-A9A7-F77C14DA030E}">
+      <dgm:prSet phldrT="[Text]"/>
+      <dgm:spPr/>
+      <dgm:t>
+        <a:bodyPr/>
+        <a:lstStyle/>
+        <a:p>
+          <a:r>
+            <a:rPr lang="en-GB" dirty="0"/>
+            <a:t>Run automated tests</a:t>
+          </a:r>
+        </a:p>
+      </dgm:t>
+    </dgm:pt>
+    <dgm:pt modelId="{D804E423-3AA0-4FB7-95F1-7298C1029EEE}" type="parTrans" cxnId="{D323E154-40DB-4294-924E-ACD2B9907548}">
+      <dgm:prSet/>
+      <dgm:spPr/>
+      <dgm:t>
+        <a:bodyPr/>
+        <a:lstStyle/>
+        <a:p>
+          <a:endParaRPr lang="en-GB"/>
+        </a:p>
+      </dgm:t>
+    </dgm:pt>
+    <dgm:pt modelId="{36988A0D-FBDD-4FFF-965A-C7CD67D65346}" type="sibTrans" cxnId="{D323E154-40DB-4294-924E-ACD2B9907548}">
+      <dgm:prSet/>
+      <dgm:spPr/>
+      <dgm:t>
+        <a:bodyPr/>
+        <a:lstStyle/>
+        <a:p>
+          <a:endParaRPr lang="en-GB"/>
+        </a:p>
+      </dgm:t>
+    </dgm:pt>
+    <dgm:pt modelId="{30EDD3A1-A453-4608-822F-8E455FF889EA}">
+      <dgm:prSet phldrT="[Text]"/>
+      <dgm:spPr/>
+      <dgm:t>
+        <a:bodyPr/>
+        <a:lstStyle/>
+        <a:p>
+          <a:r>
+            <a:rPr lang="en-GB" dirty="0" err="1"/>
+            <a:t>Sonarqube</a:t>
+          </a:r>
+          <a:r>
+            <a:rPr lang="en-GB" dirty="0"/>
+            <a:t> analysis</a:t>
+          </a:r>
+        </a:p>
+      </dgm:t>
+    </dgm:pt>
+    <dgm:pt modelId="{ACEA4D4F-12AB-4EBD-BAE9-58E6C28A25E7}" type="parTrans" cxnId="{BA731331-2DDC-4486-A064-62BF2F64FB60}">
+      <dgm:prSet/>
+      <dgm:spPr/>
+      <dgm:t>
+        <a:bodyPr/>
+        <a:lstStyle/>
+        <a:p>
+          <a:endParaRPr lang="en-GB"/>
+        </a:p>
+      </dgm:t>
+    </dgm:pt>
+    <dgm:pt modelId="{782ECB2A-A0A4-48BC-B2EE-552CE36A6CBD}" type="sibTrans" cxnId="{BA731331-2DDC-4486-A064-62BF2F64FB60}">
+      <dgm:prSet/>
+      <dgm:spPr/>
+      <dgm:t>
+        <a:bodyPr/>
+        <a:lstStyle/>
+        <a:p>
+          <a:endParaRPr lang="en-GB"/>
+        </a:p>
+      </dgm:t>
+    </dgm:pt>
+    <dgm:pt modelId="{EDF02947-13A9-4357-A7ED-78D5006D2825}">
+      <dgm:prSet phldrT="[Text]"/>
+      <dgm:spPr/>
+      <dgm:t>
+        <a:bodyPr/>
+        <a:lstStyle/>
+        <a:p>
+          <a:r>
+            <a:rPr lang="en-GB"/>
+            <a:t>Compile</a:t>
+          </a:r>
+        </a:p>
+      </dgm:t>
+    </dgm:pt>
+    <dgm:pt modelId="{C6F0A908-D5B8-4AA9-A4ED-9547A907584D}" type="parTrans" cxnId="{4D99B1F2-DD84-43E6-84E8-5C7FF594B777}">
+      <dgm:prSet/>
+      <dgm:spPr/>
+      <dgm:t>
+        <a:bodyPr/>
+        <a:lstStyle/>
+        <a:p>
+          <a:endParaRPr lang="en-GB"/>
+        </a:p>
+      </dgm:t>
+    </dgm:pt>
+    <dgm:pt modelId="{66031CC3-AE5B-4E24-9154-FA1DAEB183E8}" type="sibTrans" cxnId="{4D99B1F2-DD84-43E6-84E8-5C7FF594B777}">
+      <dgm:prSet/>
+      <dgm:spPr/>
+      <dgm:t>
+        <a:bodyPr/>
+        <a:lstStyle/>
+        <a:p>
+          <a:endParaRPr lang="en-GB"/>
+        </a:p>
+      </dgm:t>
+    </dgm:pt>
+    <dgm:pt modelId="{1363C6F0-4C81-413E-A50B-C9CBBFF7F187}">
+      <dgm:prSet phldrT="[Text]"/>
+      <dgm:spPr/>
+      <dgm:t>
+        <a:bodyPr/>
+        <a:lstStyle/>
+        <a:p>
+          <a:r>
+            <a:rPr lang="en-GB"/>
+            <a:t>Create build config</a:t>
+          </a:r>
+        </a:p>
+      </dgm:t>
+    </dgm:pt>
+    <dgm:pt modelId="{8BAB5C94-704E-4992-AA6B-33D89EC8355A}" type="parTrans" cxnId="{1F35A13B-AFA8-4DAF-A68D-E74BB77A4E27}">
+      <dgm:prSet/>
+      <dgm:spPr/>
+      <dgm:t>
+        <a:bodyPr/>
+        <a:lstStyle/>
+        <a:p>
+          <a:endParaRPr lang="en-GB"/>
+        </a:p>
+      </dgm:t>
+    </dgm:pt>
+    <dgm:pt modelId="{C288855F-BE45-4852-BCBF-B0C04E60457B}" type="sibTrans" cxnId="{1F35A13B-AFA8-4DAF-A68D-E74BB77A4E27}">
+      <dgm:prSet/>
+      <dgm:spPr/>
+      <dgm:t>
+        <a:bodyPr/>
+        <a:lstStyle/>
+        <a:p>
+          <a:endParaRPr lang="en-GB"/>
+        </a:p>
+      </dgm:t>
+    </dgm:pt>
+    <dgm:pt modelId="{B676A5AD-FA76-41EC-B105-63D2F8C64CEA}">
+      <dgm:prSet phldrT="[Text]"/>
+      <dgm:spPr/>
+      <dgm:t>
+        <a:bodyPr/>
+        <a:lstStyle/>
+        <a:p>
+          <a:r>
+            <a:rPr lang="en-GB"/>
+            <a:t>Build s2i</a:t>
+          </a:r>
+        </a:p>
+      </dgm:t>
+    </dgm:pt>
+    <dgm:pt modelId="{21490A1E-C69C-4002-B903-EF8AF393A203}" type="parTrans" cxnId="{AED4E4DD-1F4C-4454-BBAF-707476B9E7C0}">
+      <dgm:prSet/>
+      <dgm:spPr/>
+      <dgm:t>
+        <a:bodyPr/>
+        <a:lstStyle/>
+        <a:p>
+          <a:endParaRPr lang="en-GB"/>
+        </a:p>
+      </dgm:t>
+    </dgm:pt>
+    <dgm:pt modelId="{E7B820E8-D867-4623-8D47-9FBAB1E538C7}" type="sibTrans" cxnId="{AED4E4DD-1F4C-4454-BBAF-707476B9E7C0}">
+      <dgm:prSet/>
+      <dgm:spPr/>
+      <dgm:t>
+        <a:bodyPr/>
+        <a:lstStyle/>
+        <a:p>
+          <a:endParaRPr lang="en-GB"/>
+        </a:p>
+      </dgm:t>
+    </dgm:pt>
+    <dgm:pt modelId="{772CA062-94BF-4F54-B87A-08CC98B87A30}">
+      <dgm:prSet phldrT="[Text]"/>
+      <dgm:spPr/>
+      <dgm:t>
+        <a:bodyPr/>
+        <a:lstStyle/>
+        <a:p>
+          <a:r>
+            <a:rPr lang="en-GB"/>
+            <a:t>Create deployment config</a:t>
+          </a:r>
+        </a:p>
+      </dgm:t>
+    </dgm:pt>
+    <dgm:pt modelId="{EC0E0DB1-1FD4-424E-85B2-9EEAFB5814A9}" type="parTrans" cxnId="{9A1349E1-AA37-4598-8F38-149266B12CA5}">
+      <dgm:prSet/>
+      <dgm:spPr/>
+      <dgm:t>
+        <a:bodyPr/>
+        <a:lstStyle/>
+        <a:p>
+          <a:endParaRPr lang="en-GB"/>
+        </a:p>
+      </dgm:t>
+    </dgm:pt>
+    <dgm:pt modelId="{EE0D9226-383D-47CE-ADE9-23CBF73277E7}" type="sibTrans" cxnId="{9A1349E1-AA37-4598-8F38-149266B12CA5}">
+      <dgm:prSet/>
+      <dgm:spPr/>
+      <dgm:t>
+        <a:bodyPr/>
+        <a:lstStyle/>
+        <a:p>
+          <a:endParaRPr lang="en-GB"/>
+        </a:p>
+      </dgm:t>
+    </dgm:pt>
+    <dgm:pt modelId="{0E228B87-7192-4CE3-84A7-3EACAD71239E}">
+      <dgm:prSet phldrT="[Text]"/>
+      <dgm:spPr/>
+      <dgm:t>
+        <a:bodyPr/>
+        <a:lstStyle/>
+        <a:p>
+          <a:r>
+            <a:rPr lang="en-GB"/>
+            <a:t>Tag new image</a:t>
+          </a:r>
+        </a:p>
+      </dgm:t>
+    </dgm:pt>
+    <dgm:pt modelId="{CC387BA9-2FDA-46E9-BF5B-BD3C01C6E6F1}" type="parTrans" cxnId="{C8EF701E-4872-432E-8303-C9D29F4773AA}">
+      <dgm:prSet/>
+      <dgm:spPr/>
+      <dgm:t>
+        <a:bodyPr/>
+        <a:lstStyle/>
+        <a:p>
+          <a:endParaRPr lang="en-GB"/>
+        </a:p>
+      </dgm:t>
+    </dgm:pt>
+    <dgm:pt modelId="{20E52076-3BFF-4A85-B1E3-E4FC26455B5C}" type="sibTrans" cxnId="{C8EF701E-4872-432E-8303-C9D29F4773AA}">
+      <dgm:prSet/>
+      <dgm:spPr/>
+      <dgm:t>
+        <a:bodyPr/>
+        <a:lstStyle/>
+        <a:p>
+          <a:endParaRPr lang="en-GB"/>
+        </a:p>
+      </dgm:t>
+    </dgm:pt>
+    <dgm:pt modelId="{82C02747-4446-4D1F-991D-EF277007BE33}">
+      <dgm:prSet phldrT="[Text]"/>
+      <dgm:spPr/>
+      <dgm:t>
+        <a:bodyPr/>
+        <a:lstStyle/>
+        <a:p>
+          <a:r>
+            <a:rPr lang="en-GB"/>
+            <a:t>Rollout deployment</a:t>
+          </a:r>
+        </a:p>
+      </dgm:t>
+    </dgm:pt>
+    <dgm:pt modelId="{92AE232C-2A28-436F-93EE-03A5471AA0E7}" type="parTrans" cxnId="{C3BB09E8-EFC3-4629-8719-39787C102C0D}">
+      <dgm:prSet/>
+      <dgm:spPr/>
+      <dgm:t>
+        <a:bodyPr/>
+        <a:lstStyle/>
+        <a:p>
+          <a:endParaRPr lang="en-GB"/>
+        </a:p>
+      </dgm:t>
+    </dgm:pt>
+    <dgm:pt modelId="{6EF3347B-4632-419E-B1F5-D207F4CDDFE1}" type="sibTrans" cxnId="{C3BB09E8-EFC3-4629-8719-39787C102C0D}">
+      <dgm:prSet/>
+      <dgm:spPr/>
+      <dgm:t>
+        <a:bodyPr/>
+        <a:lstStyle/>
+        <a:p>
+          <a:endParaRPr lang="en-GB"/>
+        </a:p>
+      </dgm:t>
+    </dgm:pt>
+    <dgm:pt modelId="{FF82C578-993A-4B53-BF1A-D5932E6AA8AC}" type="pres">
+      <dgm:prSet presAssocID="{09C18210-2F9D-4B80-9451-6447851ED6B8}" presName="CompostProcess" presStyleCnt="0">
+        <dgm:presLayoutVars>
+          <dgm:dir/>
+          <dgm:resizeHandles val="exact"/>
+        </dgm:presLayoutVars>
+      </dgm:prSet>
+      <dgm:spPr/>
+    </dgm:pt>
+    <dgm:pt modelId="{6401AE6A-1EA0-45B2-9267-345BBCEE283A}" type="pres">
+      <dgm:prSet presAssocID="{09C18210-2F9D-4B80-9451-6447851ED6B8}" presName="arrow" presStyleLbl="bgShp" presStyleIdx="0" presStyleCnt="1"/>
+      <dgm:spPr/>
+    </dgm:pt>
+    <dgm:pt modelId="{BD0A3B03-F555-40BA-AF10-72AF1500C7CD}" type="pres">
+      <dgm:prSet presAssocID="{09C18210-2F9D-4B80-9451-6447851ED6B8}" presName="linearProcess" presStyleCnt="0"/>
+      <dgm:spPr/>
+    </dgm:pt>
+    <dgm:pt modelId="{5954DD35-9A45-4C00-8D9C-B7A8E5B62E39}" type="pres">
+      <dgm:prSet presAssocID="{3D6720E5-64FB-493A-914D-E356306B886E}" presName="textNode" presStyleLbl="node1" presStyleIdx="0" presStyleCnt="9">
+        <dgm:presLayoutVars>
+          <dgm:bulletEnabled val="1"/>
+        </dgm:presLayoutVars>
+      </dgm:prSet>
+      <dgm:spPr/>
+    </dgm:pt>
+    <dgm:pt modelId="{60287332-91D4-43D1-BC5C-1307D9D80651}" type="pres">
+      <dgm:prSet presAssocID="{0CC20E08-A534-495F-A72C-646D5BC94872}" presName="sibTrans" presStyleCnt="0"/>
+      <dgm:spPr/>
+    </dgm:pt>
+    <dgm:pt modelId="{2B9335E1-58A9-40C7-84CB-DA06A81180B4}" type="pres">
+      <dgm:prSet presAssocID="{D8735113-B240-4829-A9A7-F77C14DA030E}" presName="textNode" presStyleLbl="node1" presStyleIdx="1" presStyleCnt="9">
+        <dgm:presLayoutVars>
+          <dgm:bulletEnabled val="1"/>
+        </dgm:presLayoutVars>
+      </dgm:prSet>
+      <dgm:spPr/>
+    </dgm:pt>
+    <dgm:pt modelId="{6BE27F98-1B53-48B7-994B-376E185FF49E}" type="pres">
+      <dgm:prSet presAssocID="{36988A0D-FBDD-4FFF-965A-C7CD67D65346}" presName="sibTrans" presStyleCnt="0"/>
+      <dgm:spPr/>
+    </dgm:pt>
+    <dgm:pt modelId="{561B78C5-5552-4210-B1D8-F425D9A5BECA}" type="pres">
+      <dgm:prSet presAssocID="{30EDD3A1-A453-4608-822F-8E455FF889EA}" presName="textNode" presStyleLbl="node1" presStyleIdx="2" presStyleCnt="9">
+        <dgm:presLayoutVars>
+          <dgm:bulletEnabled val="1"/>
+        </dgm:presLayoutVars>
+      </dgm:prSet>
+      <dgm:spPr/>
+    </dgm:pt>
+    <dgm:pt modelId="{D0BDAEAF-D5A6-481E-AE29-97080374321E}" type="pres">
+      <dgm:prSet presAssocID="{782ECB2A-A0A4-48BC-B2EE-552CE36A6CBD}" presName="sibTrans" presStyleCnt="0"/>
+      <dgm:spPr/>
+    </dgm:pt>
+    <dgm:pt modelId="{86D9F1EC-2C4D-4657-B734-DC0BC386E5A6}" type="pres">
+      <dgm:prSet presAssocID="{EDF02947-13A9-4357-A7ED-78D5006D2825}" presName="textNode" presStyleLbl="node1" presStyleIdx="3" presStyleCnt="9" custLinFactX="135161" custLinFactNeighborX="200000" custLinFactNeighborY="-13564">
+        <dgm:presLayoutVars>
+          <dgm:bulletEnabled val="1"/>
+        </dgm:presLayoutVars>
+      </dgm:prSet>
+      <dgm:spPr/>
+    </dgm:pt>
+    <dgm:pt modelId="{E17008AB-C238-4839-86A6-09B777890662}" type="pres">
+      <dgm:prSet presAssocID="{66031CC3-AE5B-4E24-9154-FA1DAEB183E8}" presName="sibTrans" presStyleCnt="0"/>
+      <dgm:spPr/>
+    </dgm:pt>
+    <dgm:pt modelId="{56C30415-2D16-4330-B4F1-50D8DE0BF2DD}" type="pres">
+      <dgm:prSet presAssocID="{1363C6F0-4C81-413E-A50B-C9CBBFF7F187}" presName="textNode" presStyleLbl="node1" presStyleIdx="4" presStyleCnt="9">
+        <dgm:presLayoutVars>
+          <dgm:bulletEnabled val="1"/>
+        </dgm:presLayoutVars>
+      </dgm:prSet>
+      <dgm:spPr/>
+    </dgm:pt>
+    <dgm:pt modelId="{DE56E132-4370-4811-9312-F8FDD846894D}" type="pres">
+      <dgm:prSet presAssocID="{C288855F-BE45-4852-BCBF-B0C04E60457B}" presName="sibTrans" presStyleCnt="0"/>
+      <dgm:spPr/>
+    </dgm:pt>
+    <dgm:pt modelId="{17257AD1-79A4-4D45-96DD-CDA906D0BC0C}" type="pres">
+      <dgm:prSet presAssocID="{B676A5AD-FA76-41EC-B105-63D2F8C64CEA}" presName="textNode" presStyleLbl="node1" presStyleIdx="5" presStyleCnt="9">
+        <dgm:presLayoutVars>
+          <dgm:bulletEnabled val="1"/>
+        </dgm:presLayoutVars>
+      </dgm:prSet>
+      <dgm:spPr/>
+    </dgm:pt>
+    <dgm:pt modelId="{2CBECB81-1020-4219-A8ED-CB8941767834}" type="pres">
+      <dgm:prSet presAssocID="{E7B820E8-D867-4623-8D47-9FBAB1E538C7}" presName="sibTrans" presStyleCnt="0"/>
+      <dgm:spPr/>
+    </dgm:pt>
+    <dgm:pt modelId="{A116F563-A14C-4334-A9E6-A19FA95D3E51}" type="pres">
+      <dgm:prSet presAssocID="{772CA062-94BF-4F54-B87A-08CC98B87A30}" presName="textNode" presStyleLbl="node1" presStyleIdx="6" presStyleCnt="9">
+        <dgm:presLayoutVars>
+          <dgm:bulletEnabled val="1"/>
+        </dgm:presLayoutVars>
+      </dgm:prSet>
+      <dgm:spPr/>
+    </dgm:pt>
+    <dgm:pt modelId="{1B7C859B-5D15-4EDA-84D2-9C50811C45E9}" type="pres">
+      <dgm:prSet presAssocID="{EE0D9226-383D-47CE-ADE9-23CBF73277E7}" presName="sibTrans" presStyleCnt="0"/>
+      <dgm:spPr/>
+    </dgm:pt>
+    <dgm:pt modelId="{675A797A-926E-4530-94D8-D0924817769B}" type="pres">
+      <dgm:prSet presAssocID="{0E228B87-7192-4CE3-84A7-3EACAD71239E}" presName="textNode" presStyleLbl="node1" presStyleIdx="7" presStyleCnt="9">
+        <dgm:presLayoutVars>
+          <dgm:bulletEnabled val="1"/>
+        </dgm:presLayoutVars>
+      </dgm:prSet>
+      <dgm:spPr/>
+    </dgm:pt>
+    <dgm:pt modelId="{19988434-F7A8-48EA-8E73-469C0F142CD8}" type="pres">
+      <dgm:prSet presAssocID="{20E52076-3BFF-4A85-B1E3-E4FC26455B5C}" presName="sibTrans" presStyleCnt="0"/>
+      <dgm:spPr/>
+    </dgm:pt>
+    <dgm:pt modelId="{EF5B8515-5253-4C4C-B2B5-A87F61FB5BDB}" type="pres">
+      <dgm:prSet presAssocID="{82C02747-4446-4D1F-991D-EF277007BE33}" presName="textNode" presStyleLbl="node1" presStyleIdx="8" presStyleCnt="9">
+        <dgm:presLayoutVars>
+          <dgm:bulletEnabled val="1"/>
+        </dgm:presLayoutVars>
+      </dgm:prSet>
+      <dgm:spPr/>
+    </dgm:pt>
+  </dgm:ptLst>
+  <dgm:cxnLst>
+    <dgm:cxn modelId="{CA7E6204-639A-4FFE-9434-1CA6AB5A7CA2}" type="presOf" srcId="{82C02747-4446-4D1F-991D-EF277007BE33}" destId="{EF5B8515-5253-4C4C-B2B5-A87F61FB5BDB}" srcOrd="0" destOrd="0" presId="urn:microsoft.com/office/officeart/2005/8/layout/hProcess9"/>
+    <dgm:cxn modelId="{C1159A1A-8B5C-4558-8F54-65D99EE01A95}" type="presOf" srcId="{EDF02947-13A9-4357-A7ED-78D5006D2825}" destId="{86D9F1EC-2C4D-4657-B734-DC0BC386E5A6}" srcOrd="0" destOrd="0" presId="urn:microsoft.com/office/officeart/2005/8/layout/hProcess9"/>
+    <dgm:cxn modelId="{C8EF701E-4872-432E-8303-C9D29F4773AA}" srcId="{09C18210-2F9D-4B80-9451-6447851ED6B8}" destId="{0E228B87-7192-4CE3-84A7-3EACAD71239E}" srcOrd="7" destOrd="0" parTransId="{CC387BA9-2FDA-46E9-BF5B-BD3C01C6E6F1}" sibTransId="{20E52076-3BFF-4A85-B1E3-E4FC26455B5C}"/>
+    <dgm:cxn modelId="{BA731331-2DDC-4486-A064-62BF2F64FB60}" srcId="{09C18210-2F9D-4B80-9451-6447851ED6B8}" destId="{30EDD3A1-A453-4608-822F-8E455FF889EA}" srcOrd="2" destOrd="0" parTransId="{ACEA4D4F-12AB-4EBD-BAE9-58E6C28A25E7}" sibTransId="{782ECB2A-A0A4-48BC-B2EE-552CE36A6CBD}"/>
+    <dgm:cxn modelId="{28753D3B-EB45-4B27-8D5C-1C31A2499884}" srcId="{09C18210-2F9D-4B80-9451-6447851ED6B8}" destId="{3D6720E5-64FB-493A-914D-E356306B886E}" srcOrd="0" destOrd="0" parTransId="{C43323AD-F5D9-4F78-833F-BC882FE61EF8}" sibTransId="{0CC20E08-A534-495F-A72C-646D5BC94872}"/>
+    <dgm:cxn modelId="{1F35A13B-AFA8-4DAF-A68D-E74BB77A4E27}" srcId="{09C18210-2F9D-4B80-9451-6447851ED6B8}" destId="{1363C6F0-4C81-413E-A50B-C9CBBFF7F187}" srcOrd="4" destOrd="0" parTransId="{8BAB5C94-704E-4992-AA6B-33D89EC8355A}" sibTransId="{C288855F-BE45-4852-BCBF-B0C04E60457B}"/>
+    <dgm:cxn modelId="{76E3223E-6F3B-49E6-86E9-127A2CA06BBB}" type="presOf" srcId="{3D6720E5-64FB-493A-914D-E356306B886E}" destId="{5954DD35-9A45-4C00-8D9C-B7A8E5B62E39}" srcOrd="0" destOrd="0" presId="urn:microsoft.com/office/officeart/2005/8/layout/hProcess9"/>
+    <dgm:cxn modelId="{0791515D-9E29-4AB5-AB9D-42E8384ED2FA}" type="presOf" srcId="{772CA062-94BF-4F54-B87A-08CC98B87A30}" destId="{A116F563-A14C-4334-A9E6-A19FA95D3E51}" srcOrd="0" destOrd="0" presId="urn:microsoft.com/office/officeart/2005/8/layout/hProcess9"/>
+    <dgm:cxn modelId="{D323E154-40DB-4294-924E-ACD2B9907548}" srcId="{09C18210-2F9D-4B80-9451-6447851ED6B8}" destId="{D8735113-B240-4829-A9A7-F77C14DA030E}" srcOrd="1" destOrd="0" parTransId="{D804E423-3AA0-4FB7-95F1-7298C1029EEE}" sibTransId="{36988A0D-FBDD-4FFF-965A-C7CD67D65346}"/>
+    <dgm:cxn modelId="{AB53048E-9A34-4EAA-AF89-7B282CB9AB55}" type="presOf" srcId="{B676A5AD-FA76-41EC-B105-63D2F8C64CEA}" destId="{17257AD1-79A4-4D45-96DD-CDA906D0BC0C}" srcOrd="0" destOrd="0" presId="urn:microsoft.com/office/officeart/2005/8/layout/hProcess9"/>
+    <dgm:cxn modelId="{6E3E32B6-32B1-4DE3-9857-CA74C5F4D0C2}" type="presOf" srcId="{1363C6F0-4C81-413E-A50B-C9CBBFF7F187}" destId="{56C30415-2D16-4330-B4F1-50D8DE0BF2DD}" srcOrd="0" destOrd="0" presId="urn:microsoft.com/office/officeart/2005/8/layout/hProcess9"/>
+    <dgm:cxn modelId="{3BDDFCCA-2F27-4BB4-890B-B24AD7481131}" type="presOf" srcId="{30EDD3A1-A453-4608-822F-8E455FF889EA}" destId="{561B78C5-5552-4210-B1D8-F425D9A5BECA}" srcOrd="0" destOrd="0" presId="urn:microsoft.com/office/officeart/2005/8/layout/hProcess9"/>
+    <dgm:cxn modelId="{AED4E4DD-1F4C-4454-BBAF-707476B9E7C0}" srcId="{09C18210-2F9D-4B80-9451-6447851ED6B8}" destId="{B676A5AD-FA76-41EC-B105-63D2F8C64CEA}" srcOrd="5" destOrd="0" parTransId="{21490A1E-C69C-4002-B903-EF8AF393A203}" sibTransId="{E7B820E8-D867-4623-8D47-9FBAB1E538C7}"/>
+    <dgm:cxn modelId="{9A1349E1-AA37-4598-8F38-149266B12CA5}" srcId="{09C18210-2F9D-4B80-9451-6447851ED6B8}" destId="{772CA062-94BF-4F54-B87A-08CC98B87A30}" srcOrd="6" destOrd="0" parTransId="{EC0E0DB1-1FD4-424E-85B2-9EEAFB5814A9}" sibTransId="{EE0D9226-383D-47CE-ADE9-23CBF73277E7}"/>
+    <dgm:cxn modelId="{990C5FE6-8334-4B9A-82E8-061CB7539894}" type="presOf" srcId="{D8735113-B240-4829-A9A7-F77C14DA030E}" destId="{2B9335E1-58A9-40C7-84CB-DA06A81180B4}" srcOrd="0" destOrd="0" presId="urn:microsoft.com/office/officeart/2005/8/layout/hProcess9"/>
+    <dgm:cxn modelId="{C3BB09E8-EFC3-4629-8719-39787C102C0D}" srcId="{09C18210-2F9D-4B80-9451-6447851ED6B8}" destId="{82C02747-4446-4D1F-991D-EF277007BE33}" srcOrd="8" destOrd="0" parTransId="{92AE232C-2A28-436F-93EE-03A5471AA0E7}" sibTransId="{6EF3347B-4632-419E-B1F5-D207F4CDDFE1}"/>
+    <dgm:cxn modelId="{105E5BF1-B416-468F-AFA5-E1169EF0C37D}" type="presOf" srcId="{09C18210-2F9D-4B80-9451-6447851ED6B8}" destId="{FF82C578-993A-4B53-BF1A-D5932E6AA8AC}" srcOrd="0" destOrd="0" presId="urn:microsoft.com/office/officeart/2005/8/layout/hProcess9"/>
+    <dgm:cxn modelId="{4D99B1F2-DD84-43E6-84E8-5C7FF594B777}" srcId="{09C18210-2F9D-4B80-9451-6447851ED6B8}" destId="{EDF02947-13A9-4357-A7ED-78D5006D2825}" srcOrd="3" destOrd="0" parTransId="{C6F0A908-D5B8-4AA9-A4ED-9547A907584D}" sibTransId="{66031CC3-AE5B-4E24-9154-FA1DAEB183E8}"/>
+    <dgm:cxn modelId="{BC519DF4-8C66-44C0-AA7F-D217ABFDEE4C}" type="presOf" srcId="{0E228B87-7192-4CE3-84A7-3EACAD71239E}" destId="{675A797A-926E-4530-94D8-D0924817769B}" srcOrd="0" destOrd="0" presId="urn:microsoft.com/office/officeart/2005/8/layout/hProcess9"/>
+    <dgm:cxn modelId="{119B2BF2-3E1E-42F2-91C3-6E47AD274D2F}" type="presParOf" srcId="{FF82C578-993A-4B53-BF1A-D5932E6AA8AC}" destId="{6401AE6A-1EA0-45B2-9267-345BBCEE283A}" srcOrd="0" destOrd="0" presId="urn:microsoft.com/office/officeart/2005/8/layout/hProcess9"/>
+    <dgm:cxn modelId="{A76EB939-3346-481D-A3A1-9AE672E8BEE8}" type="presParOf" srcId="{FF82C578-993A-4B53-BF1A-D5932E6AA8AC}" destId="{BD0A3B03-F555-40BA-AF10-72AF1500C7CD}" srcOrd="1" destOrd="0" presId="urn:microsoft.com/office/officeart/2005/8/layout/hProcess9"/>
+    <dgm:cxn modelId="{BAA21FF7-214D-4C6D-B193-BE802E906E53}" type="presParOf" srcId="{BD0A3B03-F555-40BA-AF10-72AF1500C7CD}" destId="{5954DD35-9A45-4C00-8D9C-B7A8E5B62E39}" srcOrd="0" destOrd="0" presId="urn:microsoft.com/office/officeart/2005/8/layout/hProcess9"/>
+    <dgm:cxn modelId="{255F2123-18E8-40CD-88CD-217B4B67BD72}" type="presParOf" srcId="{BD0A3B03-F555-40BA-AF10-72AF1500C7CD}" destId="{60287332-91D4-43D1-BC5C-1307D9D80651}" srcOrd="1" destOrd="0" presId="urn:microsoft.com/office/officeart/2005/8/layout/hProcess9"/>
+    <dgm:cxn modelId="{CCFB52B8-CE8C-4169-ACBD-BCA10A110A3F}" type="presParOf" srcId="{BD0A3B03-F555-40BA-AF10-72AF1500C7CD}" destId="{2B9335E1-58A9-40C7-84CB-DA06A81180B4}" srcOrd="2" destOrd="0" presId="urn:microsoft.com/office/officeart/2005/8/layout/hProcess9"/>
+    <dgm:cxn modelId="{A687739A-2C9A-4DE1-9571-80615EF305EA}" type="presParOf" srcId="{BD0A3B03-F555-40BA-AF10-72AF1500C7CD}" destId="{6BE27F98-1B53-48B7-994B-376E185FF49E}" srcOrd="3" destOrd="0" presId="urn:microsoft.com/office/officeart/2005/8/layout/hProcess9"/>
+    <dgm:cxn modelId="{4103587F-3AC2-461D-BD07-55A721063724}" type="presParOf" srcId="{BD0A3B03-F555-40BA-AF10-72AF1500C7CD}" destId="{561B78C5-5552-4210-B1D8-F425D9A5BECA}" srcOrd="4" destOrd="0" presId="urn:microsoft.com/office/officeart/2005/8/layout/hProcess9"/>
+    <dgm:cxn modelId="{791C31B5-3599-4DAF-88A4-4EDADFAFA980}" type="presParOf" srcId="{BD0A3B03-F555-40BA-AF10-72AF1500C7CD}" destId="{D0BDAEAF-D5A6-481E-AE29-97080374321E}" srcOrd="5" destOrd="0" presId="urn:microsoft.com/office/officeart/2005/8/layout/hProcess9"/>
+    <dgm:cxn modelId="{8A206323-ECA3-4EA5-A45A-06E26244705A}" type="presParOf" srcId="{BD0A3B03-F555-40BA-AF10-72AF1500C7CD}" destId="{86D9F1EC-2C4D-4657-B734-DC0BC386E5A6}" srcOrd="6" destOrd="0" presId="urn:microsoft.com/office/officeart/2005/8/layout/hProcess9"/>
+    <dgm:cxn modelId="{2B5716DB-CB9F-4A9C-B0DB-035954B90D84}" type="presParOf" srcId="{BD0A3B03-F555-40BA-AF10-72AF1500C7CD}" destId="{E17008AB-C238-4839-86A6-09B777890662}" srcOrd="7" destOrd="0" presId="urn:microsoft.com/office/officeart/2005/8/layout/hProcess9"/>
+    <dgm:cxn modelId="{38F561B2-D115-42D5-A0AC-B7A89D53EC53}" type="presParOf" srcId="{BD0A3B03-F555-40BA-AF10-72AF1500C7CD}" destId="{56C30415-2D16-4330-B4F1-50D8DE0BF2DD}" srcOrd="8" destOrd="0" presId="urn:microsoft.com/office/officeart/2005/8/layout/hProcess9"/>
+    <dgm:cxn modelId="{D4F7410C-EECA-429C-A645-D5C28AADFD92}" type="presParOf" srcId="{BD0A3B03-F555-40BA-AF10-72AF1500C7CD}" destId="{DE56E132-4370-4811-9312-F8FDD846894D}" srcOrd="9" destOrd="0" presId="urn:microsoft.com/office/officeart/2005/8/layout/hProcess9"/>
+    <dgm:cxn modelId="{A0E5C052-47AD-45E8-A842-89EF8104C74C}" type="presParOf" srcId="{BD0A3B03-F555-40BA-AF10-72AF1500C7CD}" destId="{17257AD1-79A4-4D45-96DD-CDA906D0BC0C}" srcOrd="10" destOrd="0" presId="urn:microsoft.com/office/officeart/2005/8/layout/hProcess9"/>
+    <dgm:cxn modelId="{703E815D-10B5-468B-9886-002B4E8E5E6B}" type="presParOf" srcId="{BD0A3B03-F555-40BA-AF10-72AF1500C7CD}" destId="{2CBECB81-1020-4219-A8ED-CB8941767834}" srcOrd="11" destOrd="0" presId="urn:microsoft.com/office/officeart/2005/8/layout/hProcess9"/>
+    <dgm:cxn modelId="{FCFB18BC-1ECC-45C5-B7F6-D39E042EDD01}" type="presParOf" srcId="{BD0A3B03-F555-40BA-AF10-72AF1500C7CD}" destId="{A116F563-A14C-4334-A9E6-A19FA95D3E51}" srcOrd="12" destOrd="0" presId="urn:microsoft.com/office/officeart/2005/8/layout/hProcess9"/>
+    <dgm:cxn modelId="{4913FA99-BEF2-41D7-9CE2-1C7C70E9D972}" type="presParOf" srcId="{BD0A3B03-F555-40BA-AF10-72AF1500C7CD}" destId="{1B7C859B-5D15-4EDA-84D2-9C50811C45E9}" srcOrd="13" destOrd="0" presId="urn:microsoft.com/office/officeart/2005/8/layout/hProcess9"/>
+    <dgm:cxn modelId="{CFE66347-71ED-4757-B305-EECC6E3E32C5}" type="presParOf" srcId="{BD0A3B03-F555-40BA-AF10-72AF1500C7CD}" destId="{675A797A-926E-4530-94D8-D0924817769B}" srcOrd="14" destOrd="0" presId="urn:microsoft.com/office/officeart/2005/8/layout/hProcess9"/>
+    <dgm:cxn modelId="{27DC88F8-2C20-40C9-85EC-9A45241B71A6}" type="presParOf" srcId="{BD0A3B03-F555-40BA-AF10-72AF1500C7CD}" destId="{19988434-F7A8-48EA-8E73-469C0F142CD8}" srcOrd="15" destOrd="0" presId="urn:microsoft.com/office/officeart/2005/8/layout/hProcess9"/>
+    <dgm:cxn modelId="{D67B46E7-0F81-4272-A462-54E8431D7FA8}" type="presParOf" srcId="{BD0A3B03-F555-40BA-AF10-72AF1500C7CD}" destId="{EF5B8515-5253-4C4C-B2B5-A87F61FB5BDB}" srcOrd="16" destOrd="0" presId="urn:microsoft.com/office/officeart/2005/8/layout/hProcess9"/>
+  </dgm:cxnLst>
+  <dgm:bg/>
+  <dgm:whole/>
+  <dgm:extLst>
+    <a:ext uri="http://schemas.microsoft.com/office/drawing/2008/diagram">
+      <dsp:dataModelExt xmlns:dsp="http://schemas.microsoft.com/office/drawing/2008/diagram" relId="rId7" minVer="http://schemas.openxmlformats.org/drawingml/2006/diagram"/>
+    </a:ext>
+  </dgm:extLst>
+</dgm:dataModel>
+</file>
+
+<file path=ppt/diagrams/data7.xml><?xml version="1.0" encoding="utf-8"?>
 <dgm:dataModel xmlns:dgm="http://schemas.openxmlformats.org/drawingml/2006/diagram" xmlns:a="http://schemas.openxmlformats.org/drawingml/2006/main">
   <dgm:ptLst>
     <dgm:pt modelId="{09C18210-2F9D-4B80-9451-6447851ED6B8}" type="doc">
@@ -10987,6 +12414,755 @@
       </dsp:nvSpPr>
       <dsp:spPr>
         <a:xfrm>
+          <a:off x="157091" y="0"/>
+          <a:ext cx="1780375" cy="666717"/>
+        </a:xfrm>
+        <a:prstGeom prst="rightArrow">
+          <a:avLst/>
+        </a:prstGeom>
+        <a:solidFill>
+          <a:schemeClr val="accent2">
+            <a:tint val="40000"/>
+            <a:hueOff val="0"/>
+            <a:satOff val="0"/>
+            <a:lumOff val="0"/>
+            <a:alphaOff val="0"/>
+          </a:schemeClr>
+        </a:solidFill>
+        <a:ln>
+          <a:noFill/>
+        </a:ln>
+        <a:effectLst/>
+      </dsp:spPr>
+      <dsp:style>
+        <a:lnRef idx="0">
+          <a:scrgbClr r="0" g="0" b="0"/>
+        </a:lnRef>
+        <a:fillRef idx="1">
+          <a:scrgbClr r="0" g="0" b="0"/>
+        </a:fillRef>
+        <a:effectRef idx="0">
+          <a:scrgbClr r="0" g="0" b="0"/>
+        </a:effectRef>
+        <a:fontRef idx="minor"/>
+      </dsp:style>
+    </dsp:sp>
+    <dsp:sp modelId="{5954DD35-9A45-4C00-8D9C-B7A8E5B62E39}">
+      <dsp:nvSpPr>
+        <dsp:cNvPr id="0" name=""/>
+        <dsp:cNvSpPr/>
+      </dsp:nvSpPr>
+      <dsp:spPr>
+        <a:xfrm>
+          <a:off x="588" y="200015"/>
+          <a:ext cx="222700" cy="266686"/>
+        </a:xfrm>
+        <a:prstGeom prst="roundRect">
+          <a:avLst/>
+        </a:prstGeom>
+        <a:solidFill>
+          <a:schemeClr val="accent2">
+            <a:hueOff val="0"/>
+            <a:satOff val="0"/>
+            <a:lumOff val="0"/>
+            <a:alphaOff val="0"/>
+          </a:schemeClr>
+        </a:solidFill>
+        <a:ln w="15875" cap="flat" cmpd="sng" algn="ctr">
+          <a:solidFill>
+            <a:schemeClr val="lt1">
+              <a:hueOff val="0"/>
+              <a:satOff val="0"/>
+              <a:lumOff val="0"/>
+              <a:alphaOff val="0"/>
+            </a:schemeClr>
+          </a:solidFill>
+          <a:prstDash val="solid"/>
+        </a:ln>
+        <a:effectLst/>
+      </dsp:spPr>
+      <dsp:style>
+        <a:lnRef idx="2">
+          <a:scrgbClr r="0" g="0" b="0"/>
+        </a:lnRef>
+        <a:fillRef idx="1">
+          <a:scrgbClr r="0" g="0" b="0"/>
+        </a:fillRef>
+        <a:effectRef idx="0">
+          <a:scrgbClr r="0" g="0" b="0"/>
+        </a:effectRef>
+        <a:fontRef idx="minor">
+          <a:schemeClr val="lt1"/>
+        </a:fontRef>
+      </dsp:style>
+      <dsp:txBody>
+        <a:bodyPr spcFirstLastPara="0" vert="horz" wrap="square" lIns="19050" tIns="19050" rIns="19050" bIns="19050" numCol="1" spcCol="1270" anchor="ctr" anchorCtr="0">
+          <a:noAutofit/>
+        </a:bodyPr>
+        <a:lstStyle/>
+        <a:p>
+          <a:pPr marL="0" lvl="0" indent="0" algn="ctr" defTabSz="222250">
+            <a:lnSpc>
+              <a:spcPct val="90000"/>
+            </a:lnSpc>
+            <a:spcBef>
+              <a:spcPct val="0"/>
+            </a:spcBef>
+            <a:spcAft>
+              <a:spcPct val="35000"/>
+            </a:spcAft>
+            <a:buNone/>
+          </a:pPr>
+          <a:r>
+            <a:rPr lang="en-GB" sz="500" kern="1200"/>
+            <a:t>Checkout</a:t>
+          </a:r>
+        </a:p>
+      </dsp:txBody>
+      <dsp:txXfrm>
+        <a:off x="11459" y="210886"/>
+        <a:ext cx="200958" cy="244944"/>
+      </dsp:txXfrm>
+    </dsp:sp>
+    <dsp:sp modelId="{2B9335E1-58A9-40C7-84CB-DA06A81180B4}">
+      <dsp:nvSpPr>
+        <dsp:cNvPr id="0" name=""/>
+        <dsp:cNvSpPr/>
+      </dsp:nvSpPr>
+      <dsp:spPr>
+        <a:xfrm>
+          <a:off x="234423" y="200015"/>
+          <a:ext cx="222700" cy="266686"/>
+        </a:xfrm>
+        <a:prstGeom prst="roundRect">
+          <a:avLst/>
+        </a:prstGeom>
+        <a:solidFill>
+          <a:schemeClr val="accent3">
+            <a:hueOff val="0"/>
+            <a:satOff val="0"/>
+            <a:lumOff val="0"/>
+            <a:alphaOff val="0"/>
+          </a:schemeClr>
+        </a:solidFill>
+        <a:ln w="15875" cap="flat" cmpd="sng" algn="ctr">
+          <a:solidFill>
+            <a:schemeClr val="lt1">
+              <a:hueOff val="0"/>
+              <a:satOff val="0"/>
+              <a:lumOff val="0"/>
+              <a:alphaOff val="0"/>
+            </a:schemeClr>
+          </a:solidFill>
+          <a:prstDash val="solid"/>
+        </a:ln>
+        <a:effectLst/>
+      </dsp:spPr>
+      <dsp:style>
+        <a:lnRef idx="2">
+          <a:scrgbClr r="0" g="0" b="0"/>
+        </a:lnRef>
+        <a:fillRef idx="1">
+          <a:scrgbClr r="0" g="0" b="0"/>
+        </a:fillRef>
+        <a:effectRef idx="0">
+          <a:scrgbClr r="0" g="0" b="0"/>
+        </a:effectRef>
+        <a:fontRef idx="minor">
+          <a:schemeClr val="lt1"/>
+        </a:fontRef>
+      </dsp:style>
+      <dsp:txBody>
+        <a:bodyPr spcFirstLastPara="0" vert="horz" wrap="square" lIns="19050" tIns="19050" rIns="19050" bIns="19050" numCol="1" spcCol="1270" anchor="ctr" anchorCtr="0">
+          <a:noAutofit/>
+        </a:bodyPr>
+        <a:lstStyle/>
+        <a:p>
+          <a:pPr marL="0" lvl="0" indent="0" algn="ctr" defTabSz="222250">
+            <a:lnSpc>
+              <a:spcPct val="90000"/>
+            </a:lnSpc>
+            <a:spcBef>
+              <a:spcPct val="0"/>
+            </a:spcBef>
+            <a:spcAft>
+              <a:spcPct val="35000"/>
+            </a:spcAft>
+            <a:buNone/>
+          </a:pPr>
+          <a:r>
+            <a:rPr lang="en-GB" sz="500" kern="1200" dirty="0"/>
+            <a:t>Run automated tests</a:t>
+          </a:r>
+        </a:p>
+      </dsp:txBody>
+      <dsp:txXfrm>
+        <a:off x="245294" y="210886"/>
+        <a:ext cx="200958" cy="244944"/>
+      </dsp:txXfrm>
+    </dsp:sp>
+    <dsp:sp modelId="{561B78C5-5552-4210-B1D8-F425D9A5BECA}">
+      <dsp:nvSpPr>
+        <dsp:cNvPr id="0" name=""/>
+        <dsp:cNvSpPr/>
+      </dsp:nvSpPr>
+      <dsp:spPr>
+        <a:xfrm>
+          <a:off x="468258" y="200015"/>
+          <a:ext cx="222700" cy="266686"/>
+        </a:xfrm>
+        <a:prstGeom prst="roundRect">
+          <a:avLst/>
+        </a:prstGeom>
+        <a:solidFill>
+          <a:schemeClr val="accent4">
+            <a:hueOff val="0"/>
+            <a:satOff val="0"/>
+            <a:lumOff val="0"/>
+            <a:alphaOff val="0"/>
+          </a:schemeClr>
+        </a:solidFill>
+        <a:ln w="15875" cap="flat" cmpd="sng" algn="ctr">
+          <a:solidFill>
+            <a:schemeClr val="lt1">
+              <a:hueOff val="0"/>
+              <a:satOff val="0"/>
+              <a:lumOff val="0"/>
+              <a:alphaOff val="0"/>
+            </a:schemeClr>
+          </a:solidFill>
+          <a:prstDash val="solid"/>
+        </a:ln>
+        <a:effectLst/>
+      </dsp:spPr>
+      <dsp:style>
+        <a:lnRef idx="2">
+          <a:scrgbClr r="0" g="0" b="0"/>
+        </a:lnRef>
+        <a:fillRef idx="1">
+          <a:scrgbClr r="0" g="0" b="0"/>
+        </a:fillRef>
+        <a:effectRef idx="0">
+          <a:scrgbClr r="0" g="0" b="0"/>
+        </a:effectRef>
+        <a:fontRef idx="minor">
+          <a:schemeClr val="lt1"/>
+        </a:fontRef>
+      </dsp:style>
+      <dsp:txBody>
+        <a:bodyPr spcFirstLastPara="0" vert="horz" wrap="square" lIns="19050" tIns="19050" rIns="19050" bIns="19050" numCol="1" spcCol="1270" anchor="ctr" anchorCtr="0">
+          <a:noAutofit/>
+        </a:bodyPr>
+        <a:lstStyle/>
+        <a:p>
+          <a:pPr marL="0" lvl="0" indent="0" algn="ctr" defTabSz="222250">
+            <a:lnSpc>
+              <a:spcPct val="90000"/>
+            </a:lnSpc>
+            <a:spcBef>
+              <a:spcPct val="0"/>
+            </a:spcBef>
+            <a:spcAft>
+              <a:spcPct val="35000"/>
+            </a:spcAft>
+            <a:buNone/>
+          </a:pPr>
+          <a:r>
+            <a:rPr lang="en-GB" sz="500" kern="1200" dirty="0" err="1"/>
+            <a:t>Sonarqube</a:t>
+          </a:r>
+          <a:r>
+            <a:rPr lang="en-GB" sz="500" kern="1200" dirty="0"/>
+            <a:t> analysis</a:t>
+          </a:r>
+        </a:p>
+      </dsp:txBody>
+      <dsp:txXfrm>
+        <a:off x="479129" y="210886"/>
+        <a:ext cx="200958" cy="244944"/>
+      </dsp:txXfrm>
+    </dsp:sp>
+    <dsp:sp modelId="{86D9F1EC-2C4D-4657-B734-DC0BC386E5A6}">
+      <dsp:nvSpPr>
+        <dsp:cNvPr id="0" name=""/>
+        <dsp:cNvSpPr/>
+      </dsp:nvSpPr>
+      <dsp:spPr>
+        <a:xfrm>
+          <a:off x="1025368" y="163841"/>
+          <a:ext cx="222700" cy="266686"/>
+        </a:xfrm>
+        <a:prstGeom prst="roundRect">
+          <a:avLst/>
+        </a:prstGeom>
+        <a:solidFill>
+          <a:schemeClr val="accent5">
+            <a:hueOff val="0"/>
+            <a:satOff val="0"/>
+            <a:lumOff val="0"/>
+            <a:alphaOff val="0"/>
+          </a:schemeClr>
+        </a:solidFill>
+        <a:ln w="15875" cap="flat" cmpd="sng" algn="ctr">
+          <a:solidFill>
+            <a:schemeClr val="lt1">
+              <a:hueOff val="0"/>
+              <a:satOff val="0"/>
+              <a:lumOff val="0"/>
+              <a:alphaOff val="0"/>
+            </a:schemeClr>
+          </a:solidFill>
+          <a:prstDash val="solid"/>
+        </a:ln>
+        <a:effectLst/>
+      </dsp:spPr>
+      <dsp:style>
+        <a:lnRef idx="2">
+          <a:scrgbClr r="0" g="0" b="0"/>
+        </a:lnRef>
+        <a:fillRef idx="1">
+          <a:scrgbClr r="0" g="0" b="0"/>
+        </a:fillRef>
+        <a:effectRef idx="0">
+          <a:scrgbClr r="0" g="0" b="0"/>
+        </a:effectRef>
+        <a:fontRef idx="minor">
+          <a:schemeClr val="lt1"/>
+        </a:fontRef>
+      </dsp:style>
+      <dsp:txBody>
+        <a:bodyPr spcFirstLastPara="0" vert="horz" wrap="square" lIns="19050" tIns="19050" rIns="19050" bIns="19050" numCol="1" spcCol="1270" anchor="ctr" anchorCtr="0">
+          <a:noAutofit/>
+        </a:bodyPr>
+        <a:lstStyle/>
+        <a:p>
+          <a:pPr marL="0" lvl="0" indent="0" algn="ctr" defTabSz="222250">
+            <a:lnSpc>
+              <a:spcPct val="90000"/>
+            </a:lnSpc>
+            <a:spcBef>
+              <a:spcPct val="0"/>
+            </a:spcBef>
+            <a:spcAft>
+              <a:spcPct val="35000"/>
+            </a:spcAft>
+            <a:buNone/>
+          </a:pPr>
+          <a:r>
+            <a:rPr lang="en-GB" sz="500" kern="1200"/>
+            <a:t>Compile</a:t>
+          </a:r>
+        </a:p>
+      </dsp:txBody>
+      <dsp:txXfrm>
+        <a:off x="1036239" y="174712"/>
+        <a:ext cx="200958" cy="244944"/>
+      </dsp:txXfrm>
+    </dsp:sp>
+    <dsp:sp modelId="{56C30415-2D16-4330-B4F1-50D8DE0BF2DD}">
+      <dsp:nvSpPr>
+        <dsp:cNvPr id="0" name=""/>
+        <dsp:cNvSpPr/>
+      </dsp:nvSpPr>
+      <dsp:spPr>
+        <a:xfrm>
+          <a:off x="935929" y="200015"/>
+          <a:ext cx="222700" cy="266686"/>
+        </a:xfrm>
+        <a:prstGeom prst="roundRect">
+          <a:avLst/>
+        </a:prstGeom>
+        <a:solidFill>
+          <a:schemeClr val="accent6">
+            <a:hueOff val="0"/>
+            <a:satOff val="0"/>
+            <a:lumOff val="0"/>
+            <a:alphaOff val="0"/>
+          </a:schemeClr>
+        </a:solidFill>
+        <a:ln w="15875" cap="flat" cmpd="sng" algn="ctr">
+          <a:solidFill>
+            <a:schemeClr val="lt1">
+              <a:hueOff val="0"/>
+              <a:satOff val="0"/>
+              <a:lumOff val="0"/>
+              <a:alphaOff val="0"/>
+            </a:schemeClr>
+          </a:solidFill>
+          <a:prstDash val="solid"/>
+        </a:ln>
+        <a:effectLst/>
+      </dsp:spPr>
+      <dsp:style>
+        <a:lnRef idx="2">
+          <a:scrgbClr r="0" g="0" b="0"/>
+        </a:lnRef>
+        <a:fillRef idx="1">
+          <a:scrgbClr r="0" g="0" b="0"/>
+        </a:fillRef>
+        <a:effectRef idx="0">
+          <a:scrgbClr r="0" g="0" b="0"/>
+        </a:effectRef>
+        <a:fontRef idx="minor">
+          <a:schemeClr val="lt1"/>
+        </a:fontRef>
+      </dsp:style>
+      <dsp:txBody>
+        <a:bodyPr spcFirstLastPara="0" vert="horz" wrap="square" lIns="19050" tIns="19050" rIns="19050" bIns="19050" numCol="1" spcCol="1270" anchor="ctr" anchorCtr="0">
+          <a:noAutofit/>
+        </a:bodyPr>
+        <a:lstStyle/>
+        <a:p>
+          <a:pPr marL="0" lvl="0" indent="0" algn="ctr" defTabSz="222250">
+            <a:lnSpc>
+              <a:spcPct val="90000"/>
+            </a:lnSpc>
+            <a:spcBef>
+              <a:spcPct val="0"/>
+            </a:spcBef>
+            <a:spcAft>
+              <a:spcPct val="35000"/>
+            </a:spcAft>
+            <a:buNone/>
+          </a:pPr>
+          <a:r>
+            <a:rPr lang="en-GB" sz="500" kern="1200"/>
+            <a:t>Create build config</a:t>
+          </a:r>
+        </a:p>
+      </dsp:txBody>
+      <dsp:txXfrm>
+        <a:off x="946800" y="210886"/>
+        <a:ext cx="200958" cy="244944"/>
+      </dsp:txXfrm>
+    </dsp:sp>
+    <dsp:sp modelId="{17257AD1-79A4-4D45-96DD-CDA906D0BC0C}">
+      <dsp:nvSpPr>
+        <dsp:cNvPr id="0" name=""/>
+        <dsp:cNvSpPr/>
+      </dsp:nvSpPr>
+      <dsp:spPr>
+        <a:xfrm>
+          <a:off x="1169764" y="200015"/>
+          <a:ext cx="222700" cy="266686"/>
+        </a:xfrm>
+        <a:prstGeom prst="roundRect">
+          <a:avLst/>
+        </a:prstGeom>
+        <a:solidFill>
+          <a:schemeClr val="accent2">
+            <a:hueOff val="0"/>
+            <a:satOff val="0"/>
+            <a:lumOff val="0"/>
+            <a:alphaOff val="0"/>
+          </a:schemeClr>
+        </a:solidFill>
+        <a:ln w="15875" cap="flat" cmpd="sng" algn="ctr">
+          <a:solidFill>
+            <a:schemeClr val="lt1">
+              <a:hueOff val="0"/>
+              <a:satOff val="0"/>
+              <a:lumOff val="0"/>
+              <a:alphaOff val="0"/>
+            </a:schemeClr>
+          </a:solidFill>
+          <a:prstDash val="solid"/>
+        </a:ln>
+        <a:effectLst/>
+      </dsp:spPr>
+      <dsp:style>
+        <a:lnRef idx="2">
+          <a:scrgbClr r="0" g="0" b="0"/>
+        </a:lnRef>
+        <a:fillRef idx="1">
+          <a:scrgbClr r="0" g="0" b="0"/>
+        </a:fillRef>
+        <a:effectRef idx="0">
+          <a:scrgbClr r="0" g="0" b="0"/>
+        </a:effectRef>
+        <a:fontRef idx="minor">
+          <a:schemeClr val="lt1"/>
+        </a:fontRef>
+      </dsp:style>
+      <dsp:txBody>
+        <a:bodyPr spcFirstLastPara="0" vert="horz" wrap="square" lIns="19050" tIns="19050" rIns="19050" bIns="19050" numCol="1" spcCol="1270" anchor="ctr" anchorCtr="0">
+          <a:noAutofit/>
+        </a:bodyPr>
+        <a:lstStyle/>
+        <a:p>
+          <a:pPr marL="0" lvl="0" indent="0" algn="ctr" defTabSz="222250">
+            <a:lnSpc>
+              <a:spcPct val="90000"/>
+            </a:lnSpc>
+            <a:spcBef>
+              <a:spcPct val="0"/>
+            </a:spcBef>
+            <a:spcAft>
+              <a:spcPct val="35000"/>
+            </a:spcAft>
+            <a:buNone/>
+          </a:pPr>
+          <a:r>
+            <a:rPr lang="en-GB" sz="500" kern="1200"/>
+            <a:t>Build s2i</a:t>
+          </a:r>
+        </a:p>
+      </dsp:txBody>
+      <dsp:txXfrm>
+        <a:off x="1180635" y="210886"/>
+        <a:ext cx="200958" cy="244944"/>
+      </dsp:txXfrm>
+    </dsp:sp>
+    <dsp:sp modelId="{A116F563-A14C-4334-A9E6-A19FA95D3E51}">
+      <dsp:nvSpPr>
+        <dsp:cNvPr id="0" name=""/>
+        <dsp:cNvSpPr/>
+      </dsp:nvSpPr>
+      <dsp:spPr>
+        <a:xfrm>
+          <a:off x="1403599" y="200015"/>
+          <a:ext cx="222700" cy="266686"/>
+        </a:xfrm>
+        <a:prstGeom prst="roundRect">
+          <a:avLst/>
+        </a:prstGeom>
+        <a:solidFill>
+          <a:schemeClr val="accent3">
+            <a:hueOff val="0"/>
+            <a:satOff val="0"/>
+            <a:lumOff val="0"/>
+            <a:alphaOff val="0"/>
+          </a:schemeClr>
+        </a:solidFill>
+        <a:ln w="15875" cap="flat" cmpd="sng" algn="ctr">
+          <a:solidFill>
+            <a:schemeClr val="lt1">
+              <a:hueOff val="0"/>
+              <a:satOff val="0"/>
+              <a:lumOff val="0"/>
+              <a:alphaOff val="0"/>
+            </a:schemeClr>
+          </a:solidFill>
+          <a:prstDash val="solid"/>
+        </a:ln>
+        <a:effectLst/>
+      </dsp:spPr>
+      <dsp:style>
+        <a:lnRef idx="2">
+          <a:scrgbClr r="0" g="0" b="0"/>
+        </a:lnRef>
+        <a:fillRef idx="1">
+          <a:scrgbClr r="0" g="0" b="0"/>
+        </a:fillRef>
+        <a:effectRef idx="0">
+          <a:scrgbClr r="0" g="0" b="0"/>
+        </a:effectRef>
+        <a:fontRef idx="minor">
+          <a:schemeClr val="lt1"/>
+        </a:fontRef>
+      </dsp:style>
+      <dsp:txBody>
+        <a:bodyPr spcFirstLastPara="0" vert="horz" wrap="square" lIns="19050" tIns="19050" rIns="19050" bIns="19050" numCol="1" spcCol="1270" anchor="ctr" anchorCtr="0">
+          <a:noAutofit/>
+        </a:bodyPr>
+        <a:lstStyle/>
+        <a:p>
+          <a:pPr marL="0" lvl="0" indent="0" algn="ctr" defTabSz="222250">
+            <a:lnSpc>
+              <a:spcPct val="90000"/>
+            </a:lnSpc>
+            <a:spcBef>
+              <a:spcPct val="0"/>
+            </a:spcBef>
+            <a:spcAft>
+              <a:spcPct val="35000"/>
+            </a:spcAft>
+            <a:buNone/>
+          </a:pPr>
+          <a:r>
+            <a:rPr lang="en-GB" sz="500" kern="1200"/>
+            <a:t>Create deployment config</a:t>
+          </a:r>
+        </a:p>
+      </dsp:txBody>
+      <dsp:txXfrm>
+        <a:off x="1414470" y="210886"/>
+        <a:ext cx="200958" cy="244944"/>
+      </dsp:txXfrm>
+    </dsp:sp>
+    <dsp:sp modelId="{675A797A-926E-4530-94D8-D0924817769B}">
+      <dsp:nvSpPr>
+        <dsp:cNvPr id="0" name=""/>
+        <dsp:cNvSpPr/>
+      </dsp:nvSpPr>
+      <dsp:spPr>
+        <a:xfrm>
+          <a:off x="1637435" y="200015"/>
+          <a:ext cx="222700" cy="266686"/>
+        </a:xfrm>
+        <a:prstGeom prst="roundRect">
+          <a:avLst/>
+        </a:prstGeom>
+        <a:solidFill>
+          <a:schemeClr val="accent4">
+            <a:hueOff val="0"/>
+            <a:satOff val="0"/>
+            <a:lumOff val="0"/>
+            <a:alphaOff val="0"/>
+          </a:schemeClr>
+        </a:solidFill>
+        <a:ln w="15875" cap="flat" cmpd="sng" algn="ctr">
+          <a:solidFill>
+            <a:schemeClr val="lt1">
+              <a:hueOff val="0"/>
+              <a:satOff val="0"/>
+              <a:lumOff val="0"/>
+              <a:alphaOff val="0"/>
+            </a:schemeClr>
+          </a:solidFill>
+          <a:prstDash val="solid"/>
+        </a:ln>
+        <a:effectLst/>
+      </dsp:spPr>
+      <dsp:style>
+        <a:lnRef idx="2">
+          <a:scrgbClr r="0" g="0" b="0"/>
+        </a:lnRef>
+        <a:fillRef idx="1">
+          <a:scrgbClr r="0" g="0" b="0"/>
+        </a:fillRef>
+        <a:effectRef idx="0">
+          <a:scrgbClr r="0" g="0" b="0"/>
+        </a:effectRef>
+        <a:fontRef idx="minor">
+          <a:schemeClr val="lt1"/>
+        </a:fontRef>
+      </dsp:style>
+      <dsp:txBody>
+        <a:bodyPr spcFirstLastPara="0" vert="horz" wrap="square" lIns="19050" tIns="19050" rIns="19050" bIns="19050" numCol="1" spcCol="1270" anchor="ctr" anchorCtr="0">
+          <a:noAutofit/>
+        </a:bodyPr>
+        <a:lstStyle/>
+        <a:p>
+          <a:pPr marL="0" lvl="0" indent="0" algn="ctr" defTabSz="222250">
+            <a:lnSpc>
+              <a:spcPct val="90000"/>
+            </a:lnSpc>
+            <a:spcBef>
+              <a:spcPct val="0"/>
+            </a:spcBef>
+            <a:spcAft>
+              <a:spcPct val="35000"/>
+            </a:spcAft>
+            <a:buNone/>
+          </a:pPr>
+          <a:r>
+            <a:rPr lang="en-GB" sz="500" kern="1200"/>
+            <a:t>Tag new image</a:t>
+          </a:r>
+        </a:p>
+      </dsp:txBody>
+      <dsp:txXfrm>
+        <a:off x="1648306" y="210886"/>
+        <a:ext cx="200958" cy="244944"/>
+      </dsp:txXfrm>
+    </dsp:sp>
+    <dsp:sp modelId="{EF5B8515-5253-4C4C-B2B5-A87F61FB5BDB}">
+      <dsp:nvSpPr>
+        <dsp:cNvPr id="0" name=""/>
+        <dsp:cNvSpPr/>
+      </dsp:nvSpPr>
+      <dsp:spPr>
+        <a:xfrm>
+          <a:off x="1871270" y="200015"/>
+          <a:ext cx="222700" cy="266686"/>
+        </a:xfrm>
+        <a:prstGeom prst="roundRect">
+          <a:avLst/>
+        </a:prstGeom>
+        <a:solidFill>
+          <a:schemeClr val="accent5">
+            <a:hueOff val="0"/>
+            <a:satOff val="0"/>
+            <a:lumOff val="0"/>
+            <a:alphaOff val="0"/>
+          </a:schemeClr>
+        </a:solidFill>
+        <a:ln w="15875" cap="flat" cmpd="sng" algn="ctr">
+          <a:solidFill>
+            <a:schemeClr val="lt1">
+              <a:hueOff val="0"/>
+              <a:satOff val="0"/>
+              <a:lumOff val="0"/>
+              <a:alphaOff val="0"/>
+            </a:schemeClr>
+          </a:solidFill>
+          <a:prstDash val="solid"/>
+        </a:ln>
+        <a:effectLst/>
+      </dsp:spPr>
+      <dsp:style>
+        <a:lnRef idx="2">
+          <a:scrgbClr r="0" g="0" b="0"/>
+        </a:lnRef>
+        <a:fillRef idx="1">
+          <a:scrgbClr r="0" g="0" b="0"/>
+        </a:fillRef>
+        <a:effectRef idx="0">
+          <a:scrgbClr r="0" g="0" b="0"/>
+        </a:effectRef>
+        <a:fontRef idx="minor">
+          <a:schemeClr val="lt1"/>
+        </a:fontRef>
+      </dsp:style>
+      <dsp:txBody>
+        <a:bodyPr spcFirstLastPara="0" vert="horz" wrap="square" lIns="19050" tIns="19050" rIns="19050" bIns="19050" numCol="1" spcCol="1270" anchor="ctr" anchorCtr="0">
+          <a:noAutofit/>
+        </a:bodyPr>
+        <a:lstStyle/>
+        <a:p>
+          <a:pPr marL="0" lvl="0" indent="0" algn="ctr" defTabSz="222250">
+            <a:lnSpc>
+              <a:spcPct val="90000"/>
+            </a:lnSpc>
+            <a:spcBef>
+              <a:spcPct val="0"/>
+            </a:spcBef>
+            <a:spcAft>
+              <a:spcPct val="35000"/>
+            </a:spcAft>
+            <a:buNone/>
+          </a:pPr>
+          <a:r>
+            <a:rPr lang="en-GB" sz="500" kern="1200"/>
+            <a:t>Rollout deployment</a:t>
+          </a:r>
+        </a:p>
+      </dsp:txBody>
+      <dsp:txXfrm>
+        <a:off x="1882141" y="210886"/>
+        <a:ext cx="200958" cy="244944"/>
+      </dsp:txXfrm>
+    </dsp:sp>
+  </dsp:spTree>
+</dsp:drawing>
+</file>
+
+<file path=ppt/diagrams/drawing7.xml><?xml version="1.0" encoding="utf-8"?>
+<dsp:drawing xmlns:dgm="http://schemas.openxmlformats.org/drawingml/2006/diagram" xmlns:dsp="http://schemas.microsoft.com/office/drawing/2008/diagram" xmlns:a="http://schemas.openxmlformats.org/drawingml/2006/main">
+  <dsp:spTree>
+    <dsp:nvGrpSpPr>
+      <dsp:cNvPr id="0" name=""/>
+      <dsp:cNvGrpSpPr/>
+    </dsp:nvGrpSpPr>
+    <dsp:grpSpPr/>
+    <dsp:sp modelId="{6401AE6A-1EA0-45B2-9267-345BBCEE283A}">
+      <dsp:nvSpPr>
+        <dsp:cNvPr id="0" name=""/>
+        <dsp:cNvSpPr/>
+      </dsp:nvSpPr>
+      <dsp:spPr>
+        <a:xfrm>
           <a:off x="494264" y="0"/>
           <a:ext cx="5601662" cy="1554480"/>
         </a:xfrm>
@@ -13043,6 +15219,160 @@
 </dgm:layoutDef>
 </file>
 
+<file path=ppt/diagrams/layout7.xml><?xml version="1.0" encoding="utf-8"?>
+<dgm:layoutDef xmlns:dgm="http://schemas.openxmlformats.org/drawingml/2006/diagram" xmlns:a="http://schemas.openxmlformats.org/drawingml/2006/main" uniqueId="urn:microsoft.com/office/officeart/2005/8/layout/hProcess9">
+  <dgm:title val=""/>
+  <dgm:desc val=""/>
+  <dgm:catLst>
+    <dgm:cat type="process" pri="5000"/>
+    <dgm:cat type="convert" pri="13000"/>
+  </dgm:catLst>
+  <dgm:sampData useDef="1">
+    <dgm:dataModel>
+      <dgm:ptLst/>
+      <dgm:bg/>
+      <dgm:whole/>
+    </dgm:dataModel>
+  </dgm:sampData>
+  <dgm:styleData>
+    <dgm:dataModel>
+      <dgm:ptLst>
+        <dgm:pt modelId="0" type="doc"/>
+        <dgm:pt modelId="1"/>
+        <dgm:pt modelId="2"/>
+      </dgm:ptLst>
+      <dgm:cxnLst>
+        <dgm:cxn modelId="3" srcId="0" destId="1" srcOrd="0" destOrd="0"/>
+        <dgm:cxn modelId="4" srcId="0" destId="2" srcOrd="1" destOrd="0"/>
+      </dgm:cxnLst>
+      <dgm:bg/>
+      <dgm:whole/>
+    </dgm:dataModel>
+  </dgm:styleData>
+  <dgm:clrData>
+    <dgm:dataModel>
+      <dgm:ptLst>
+        <dgm:pt modelId="0" type="doc"/>
+        <dgm:pt modelId="1"/>
+        <dgm:pt modelId="2"/>
+        <dgm:pt modelId="3"/>
+        <dgm:pt modelId="4"/>
+      </dgm:ptLst>
+      <dgm:cxnLst>
+        <dgm:cxn modelId="5" srcId="0" destId="1" srcOrd="0" destOrd="0"/>
+        <dgm:cxn modelId="6" srcId="0" destId="2" srcOrd="1" destOrd="0"/>
+        <dgm:cxn modelId="7" srcId="0" destId="3" srcOrd="2" destOrd="0"/>
+        <dgm:cxn modelId="8" srcId="0" destId="4" srcOrd="3" destOrd="0"/>
+      </dgm:cxnLst>
+      <dgm:bg/>
+      <dgm:whole/>
+    </dgm:dataModel>
+  </dgm:clrData>
+  <dgm:layoutNode name="CompostProcess">
+    <dgm:varLst>
+      <dgm:dir/>
+      <dgm:resizeHandles val="exact"/>
+    </dgm:varLst>
+    <dgm:alg type="composite">
+      <dgm:param type="horzAlign" val="ctr"/>
+      <dgm:param type="vertAlign" val="mid"/>
+    </dgm:alg>
+    <dgm:shape xmlns:r="http://schemas.openxmlformats.org/officeDocument/2006/relationships" r:blip="">
+      <dgm:adjLst/>
+    </dgm:shape>
+    <dgm:presOf/>
+    <dgm:constrLst>
+      <dgm:constr type="w" for="ch" forName="arrow" refType="w" fact="0.85"/>
+      <dgm:constr type="h" for="ch" forName="arrow" refType="h"/>
+      <dgm:constr type="ctrX" for="ch" forName="arrow" refType="w" fact="0.5"/>
+      <dgm:constr type="ctrY" for="ch" forName="arrow" refType="h" fact="0.5"/>
+      <dgm:constr type="w" for="ch" forName="linearProcess" refType="w"/>
+      <dgm:constr type="h" for="ch" forName="linearProcess" refType="h" fact="0.4"/>
+      <dgm:constr type="ctrX" for="ch" forName="linearProcess" refType="w" fact="0.5"/>
+      <dgm:constr type="ctrY" for="ch" forName="linearProcess" refType="h" fact="0.5"/>
+    </dgm:constrLst>
+    <dgm:ruleLst/>
+    <dgm:layoutNode name="arrow" styleLbl="bgShp">
+      <dgm:alg type="sp"/>
+      <dgm:choose name="Name0">
+        <dgm:if name="Name1" func="var" arg="dir" op="equ" val="norm">
+          <dgm:shape xmlns:r="http://schemas.openxmlformats.org/officeDocument/2006/relationships" type="rightArrow" r:blip="">
+            <dgm:adjLst/>
+          </dgm:shape>
+        </dgm:if>
+        <dgm:else name="Name2">
+          <dgm:shape xmlns:r="http://schemas.openxmlformats.org/officeDocument/2006/relationships" type="leftArrow" r:blip="">
+            <dgm:adjLst/>
+          </dgm:shape>
+        </dgm:else>
+      </dgm:choose>
+      <dgm:presOf/>
+      <dgm:constrLst/>
+      <dgm:ruleLst/>
+    </dgm:layoutNode>
+    <dgm:layoutNode name="linearProcess">
+      <dgm:choose name="Name3">
+        <dgm:if name="Name4" func="var" arg="dir" op="equ" val="norm">
+          <dgm:alg type="lin"/>
+        </dgm:if>
+        <dgm:else name="Name5">
+          <dgm:alg type="lin">
+            <dgm:param type="linDir" val="fromR"/>
+          </dgm:alg>
+        </dgm:else>
+      </dgm:choose>
+      <dgm:shape xmlns:r="http://schemas.openxmlformats.org/officeDocument/2006/relationships" r:blip="">
+        <dgm:adjLst/>
+      </dgm:shape>
+      <dgm:presOf/>
+      <dgm:constrLst>
+        <dgm:constr type="userA" for="ch" ptType="node" refType="w"/>
+        <dgm:constr type="h" for="ch" ptType="node" refType="h"/>
+        <dgm:constr type="w" for="ch" ptType="node" op="equ"/>
+        <dgm:constr type="w" for="ch" forName="sibTrans" refType="w" fact="0.05"/>
+        <dgm:constr type="primFontSz" for="ch" ptType="node" op="equ" val="65"/>
+      </dgm:constrLst>
+      <dgm:ruleLst/>
+      <dgm:forEach name="Name6" axis="ch" ptType="node">
+        <dgm:layoutNode name="textNode" styleLbl="node1">
+          <dgm:varLst>
+            <dgm:bulletEnabled val="1"/>
+          </dgm:varLst>
+          <dgm:alg type="tx"/>
+          <dgm:shape xmlns:r="http://schemas.openxmlformats.org/officeDocument/2006/relationships" type="roundRect" r:blip="">
+            <dgm:adjLst/>
+          </dgm:shape>
+          <dgm:presOf axis="desOrSelf" ptType="node"/>
+          <dgm:constrLst>
+            <dgm:constr type="userA"/>
+            <dgm:constr type="w" refType="userA" fact="0.3"/>
+            <dgm:constr type="tMarg" refType="primFontSz" fact="0.3"/>
+            <dgm:constr type="bMarg" refType="primFontSz" fact="0.3"/>
+            <dgm:constr type="lMarg" refType="primFontSz" fact="0.3"/>
+            <dgm:constr type="rMarg" refType="primFontSz" fact="0.3"/>
+          </dgm:constrLst>
+          <dgm:ruleLst>
+            <dgm:rule type="w" val="NaN" fact="1" max="NaN"/>
+            <dgm:rule type="primFontSz" val="5" fact="NaN" max="NaN"/>
+          </dgm:ruleLst>
+        </dgm:layoutNode>
+        <dgm:forEach name="Name7" axis="followSib" ptType="sibTrans" cnt="1">
+          <dgm:layoutNode name="sibTrans">
+            <dgm:alg type="sp"/>
+            <dgm:shape xmlns:r="http://schemas.openxmlformats.org/officeDocument/2006/relationships" r:blip="">
+              <dgm:adjLst/>
+            </dgm:shape>
+            <dgm:presOf/>
+            <dgm:constrLst/>
+            <dgm:ruleLst/>
+          </dgm:layoutNode>
+        </dgm:forEach>
+      </dgm:forEach>
+    </dgm:layoutNode>
+  </dgm:layoutNode>
+</dgm:layoutDef>
+</file>
+
 <file path=ppt/diagrams/quickStyle1.xml><?xml version="1.0" encoding="utf-8"?>
 <dgm:styleDef xmlns:dgm="http://schemas.openxmlformats.org/drawingml/2006/diagram" xmlns:a="http://schemas.openxmlformats.org/drawingml/2006/main" uniqueId="urn:microsoft.com/office/officeart/2005/8/quickstyle/simple1">
   <dgm:title val=""/>
@@ -18214,6 +20544,1040 @@
 </file>
 
 <file path=ppt/diagrams/quickStyle6.xml><?xml version="1.0" encoding="utf-8"?>
+<dgm:styleDef xmlns:dgm="http://schemas.openxmlformats.org/drawingml/2006/diagram" xmlns:a="http://schemas.openxmlformats.org/drawingml/2006/main" uniqueId="urn:microsoft.com/office/officeart/2005/8/quickstyle/simple1">
+  <dgm:title val=""/>
+  <dgm:desc val=""/>
+  <dgm:catLst>
+    <dgm:cat type="simple" pri="10100"/>
+  </dgm:catLst>
+  <dgm:scene3d>
+    <a:camera prst="orthographicFront"/>
+    <a:lightRig rig="threePt" dir="t"/>
+  </dgm:scene3d>
+  <dgm:styleLbl name="node0">
+    <dgm:scene3d>
+      <a:camera prst="orthographicFront"/>
+      <a:lightRig rig="threePt" dir="t"/>
+    </dgm:scene3d>
+    <dgm:sp3d/>
+    <dgm:txPr/>
+    <dgm:style>
+      <a:lnRef idx="2">
+        <a:scrgbClr r="0" g="0" b="0"/>
+      </a:lnRef>
+      <a:fillRef idx="1">
+        <a:scrgbClr r="0" g="0" b="0"/>
+      </a:fillRef>
+      <a:effectRef idx="0">
+        <a:scrgbClr r="0" g="0" b="0"/>
+      </a:effectRef>
+      <a:fontRef idx="minor">
+        <a:schemeClr val="lt1"/>
+      </a:fontRef>
+    </dgm:style>
+  </dgm:styleLbl>
+  <dgm:styleLbl name="lnNode1">
+    <dgm:scene3d>
+      <a:camera prst="orthographicFront"/>
+      <a:lightRig rig="threePt" dir="t"/>
+    </dgm:scene3d>
+    <dgm:sp3d/>
+    <dgm:txPr/>
+    <dgm:style>
+      <a:lnRef idx="2">
+        <a:scrgbClr r="0" g="0" b="0"/>
+      </a:lnRef>
+      <a:fillRef idx="1">
+        <a:scrgbClr r="0" g="0" b="0"/>
+      </a:fillRef>
+      <a:effectRef idx="0">
+        <a:scrgbClr r="0" g="0" b="0"/>
+      </a:effectRef>
+      <a:fontRef idx="minor">
+        <a:schemeClr val="lt1"/>
+      </a:fontRef>
+    </dgm:style>
+  </dgm:styleLbl>
+  <dgm:styleLbl name="vennNode1">
+    <dgm:scene3d>
+      <a:camera prst="orthographicFront"/>
+      <a:lightRig rig="threePt" dir="t"/>
+    </dgm:scene3d>
+    <dgm:sp3d/>
+    <dgm:txPr/>
+    <dgm:style>
+      <a:lnRef idx="2">
+        <a:scrgbClr r="0" g="0" b="0"/>
+      </a:lnRef>
+      <a:fillRef idx="1">
+        <a:scrgbClr r="0" g="0" b="0"/>
+      </a:fillRef>
+      <a:effectRef idx="0">
+        <a:scrgbClr r="0" g="0" b="0"/>
+      </a:effectRef>
+      <a:fontRef idx="minor">
+        <a:schemeClr val="tx1"/>
+      </a:fontRef>
+    </dgm:style>
+  </dgm:styleLbl>
+  <dgm:styleLbl name="alignNode1">
+    <dgm:scene3d>
+      <a:camera prst="orthographicFront"/>
+      <a:lightRig rig="threePt" dir="t"/>
+    </dgm:scene3d>
+    <dgm:sp3d/>
+    <dgm:txPr/>
+    <dgm:style>
+      <a:lnRef idx="2">
+        <a:scrgbClr r="0" g="0" b="0"/>
+      </a:lnRef>
+      <a:fillRef idx="1">
+        <a:scrgbClr r="0" g="0" b="0"/>
+      </a:fillRef>
+      <a:effectRef idx="0">
+        <a:scrgbClr r="0" g="0" b="0"/>
+      </a:effectRef>
+      <a:fontRef idx="minor">
+        <a:schemeClr val="lt1"/>
+      </a:fontRef>
+    </dgm:style>
+  </dgm:styleLbl>
+  <dgm:styleLbl name="node1">
+    <dgm:scene3d>
+      <a:camera prst="orthographicFront"/>
+      <a:lightRig rig="threePt" dir="t"/>
+    </dgm:scene3d>
+    <dgm:sp3d/>
+    <dgm:txPr/>
+    <dgm:style>
+      <a:lnRef idx="2">
+        <a:scrgbClr r="0" g="0" b="0"/>
+      </a:lnRef>
+      <a:fillRef idx="1">
+        <a:scrgbClr r="0" g="0" b="0"/>
+      </a:fillRef>
+      <a:effectRef idx="0">
+        <a:scrgbClr r="0" g="0" b="0"/>
+      </a:effectRef>
+      <a:fontRef idx="minor">
+        <a:schemeClr val="lt1"/>
+      </a:fontRef>
+    </dgm:style>
+  </dgm:styleLbl>
+  <dgm:styleLbl name="node2">
+    <dgm:scene3d>
+      <a:camera prst="orthographicFront"/>
+      <a:lightRig rig="threePt" dir="t"/>
+    </dgm:scene3d>
+    <dgm:sp3d/>
+    <dgm:txPr/>
+    <dgm:style>
+      <a:lnRef idx="2">
+        <a:scrgbClr r="0" g="0" b="0"/>
+      </a:lnRef>
+      <a:fillRef idx="1">
+        <a:scrgbClr r="0" g="0" b="0"/>
+      </a:fillRef>
+      <a:effectRef idx="0">
+        <a:scrgbClr r="0" g="0" b="0"/>
+      </a:effectRef>
+      <a:fontRef idx="minor">
+        <a:schemeClr val="lt1"/>
+      </a:fontRef>
+    </dgm:style>
+  </dgm:styleLbl>
+  <dgm:styleLbl name="node3">
+    <dgm:scene3d>
+      <a:camera prst="orthographicFront"/>
+      <a:lightRig rig="threePt" dir="t"/>
+    </dgm:scene3d>
+    <dgm:sp3d/>
+    <dgm:txPr/>
+    <dgm:style>
+      <a:lnRef idx="2">
+        <a:scrgbClr r="0" g="0" b="0"/>
+      </a:lnRef>
+      <a:fillRef idx="1">
+        <a:scrgbClr r="0" g="0" b="0"/>
+      </a:fillRef>
+      <a:effectRef idx="0">
+        <a:scrgbClr r="0" g="0" b="0"/>
+      </a:effectRef>
+      <a:fontRef idx="minor">
+        <a:schemeClr val="lt1"/>
+      </a:fontRef>
+    </dgm:style>
+  </dgm:styleLbl>
+  <dgm:styleLbl name="node4">
+    <dgm:scene3d>
+      <a:camera prst="orthographicFront"/>
+      <a:lightRig rig="threePt" dir="t"/>
+    </dgm:scene3d>
+    <dgm:sp3d/>
+    <dgm:txPr/>
+    <dgm:style>
+      <a:lnRef idx="2">
+        <a:scrgbClr r="0" g="0" b="0"/>
+      </a:lnRef>
+      <a:fillRef idx="1">
+        <a:scrgbClr r="0" g="0" b="0"/>
+      </a:fillRef>
+      <a:effectRef idx="0">
+        <a:scrgbClr r="0" g="0" b="0"/>
+      </a:effectRef>
+      <a:fontRef idx="minor">
+        <a:schemeClr val="lt1"/>
+      </a:fontRef>
+    </dgm:style>
+  </dgm:styleLbl>
+  <dgm:styleLbl name="fgImgPlace1">
+    <dgm:scene3d>
+      <a:camera prst="orthographicFront"/>
+      <a:lightRig rig="threePt" dir="t"/>
+    </dgm:scene3d>
+    <dgm:sp3d/>
+    <dgm:txPr/>
+    <dgm:style>
+      <a:lnRef idx="2">
+        <a:scrgbClr r="0" g="0" b="0"/>
+      </a:lnRef>
+      <a:fillRef idx="1">
+        <a:scrgbClr r="0" g="0" b="0"/>
+      </a:fillRef>
+      <a:effectRef idx="0">
+        <a:scrgbClr r="0" g="0" b="0"/>
+      </a:effectRef>
+      <a:fontRef idx="minor"/>
+    </dgm:style>
+  </dgm:styleLbl>
+  <dgm:styleLbl name="alignImgPlace1">
+    <dgm:scene3d>
+      <a:camera prst="orthographicFront"/>
+      <a:lightRig rig="threePt" dir="t"/>
+    </dgm:scene3d>
+    <dgm:sp3d/>
+    <dgm:txPr/>
+    <dgm:style>
+      <a:lnRef idx="2">
+        <a:scrgbClr r="0" g="0" b="0"/>
+      </a:lnRef>
+      <a:fillRef idx="1">
+        <a:scrgbClr r="0" g="0" b="0"/>
+      </a:fillRef>
+      <a:effectRef idx="0">
+        <a:scrgbClr r="0" g="0" b="0"/>
+      </a:effectRef>
+      <a:fontRef idx="minor"/>
+    </dgm:style>
+  </dgm:styleLbl>
+  <dgm:styleLbl name="bgImgPlace1">
+    <dgm:scene3d>
+      <a:camera prst="orthographicFront"/>
+      <a:lightRig rig="threePt" dir="t"/>
+    </dgm:scene3d>
+    <dgm:sp3d/>
+    <dgm:txPr/>
+    <dgm:style>
+      <a:lnRef idx="2">
+        <a:scrgbClr r="0" g="0" b="0"/>
+      </a:lnRef>
+      <a:fillRef idx="1">
+        <a:scrgbClr r="0" g="0" b="0"/>
+      </a:fillRef>
+      <a:effectRef idx="0">
+        <a:scrgbClr r="0" g="0" b="0"/>
+      </a:effectRef>
+      <a:fontRef idx="minor"/>
+    </dgm:style>
+  </dgm:styleLbl>
+  <dgm:styleLbl name="sibTrans2D1">
+    <dgm:scene3d>
+      <a:camera prst="orthographicFront"/>
+      <a:lightRig rig="threePt" dir="t"/>
+    </dgm:scene3d>
+    <dgm:sp3d/>
+    <dgm:txPr/>
+    <dgm:style>
+      <a:lnRef idx="0">
+        <a:scrgbClr r="0" g="0" b="0"/>
+      </a:lnRef>
+      <a:fillRef idx="1">
+        <a:scrgbClr r="0" g="0" b="0"/>
+      </a:fillRef>
+      <a:effectRef idx="0">
+        <a:scrgbClr r="0" g="0" b="0"/>
+      </a:effectRef>
+      <a:fontRef idx="minor">
+        <a:schemeClr val="lt1"/>
+      </a:fontRef>
+    </dgm:style>
+  </dgm:styleLbl>
+  <dgm:styleLbl name="fgSibTrans2D1">
+    <dgm:scene3d>
+      <a:camera prst="orthographicFront"/>
+      <a:lightRig rig="threePt" dir="t"/>
+    </dgm:scene3d>
+    <dgm:sp3d/>
+    <dgm:txPr/>
+    <dgm:style>
+      <a:lnRef idx="0">
+        <a:scrgbClr r="0" g="0" b="0"/>
+      </a:lnRef>
+      <a:fillRef idx="1">
+        <a:scrgbClr r="0" g="0" b="0"/>
+      </a:fillRef>
+      <a:effectRef idx="0">
+        <a:scrgbClr r="0" g="0" b="0"/>
+      </a:effectRef>
+      <a:fontRef idx="minor">
+        <a:schemeClr val="lt1"/>
+      </a:fontRef>
+    </dgm:style>
+  </dgm:styleLbl>
+  <dgm:styleLbl name="bgSibTrans2D1">
+    <dgm:scene3d>
+      <a:camera prst="orthographicFront"/>
+      <a:lightRig rig="threePt" dir="t"/>
+    </dgm:scene3d>
+    <dgm:sp3d/>
+    <dgm:txPr/>
+    <dgm:style>
+      <a:lnRef idx="0">
+        <a:scrgbClr r="0" g="0" b="0"/>
+      </a:lnRef>
+      <a:fillRef idx="1">
+        <a:scrgbClr r="0" g="0" b="0"/>
+      </a:fillRef>
+      <a:effectRef idx="0">
+        <a:scrgbClr r="0" g="0" b="0"/>
+      </a:effectRef>
+      <a:fontRef idx="minor">
+        <a:schemeClr val="lt1"/>
+      </a:fontRef>
+    </dgm:style>
+  </dgm:styleLbl>
+  <dgm:styleLbl name="sibTrans1D1">
+    <dgm:scene3d>
+      <a:camera prst="orthographicFront"/>
+      <a:lightRig rig="threePt" dir="t"/>
+    </dgm:scene3d>
+    <dgm:sp3d/>
+    <dgm:txPr/>
+    <dgm:style>
+      <a:lnRef idx="1">
+        <a:scrgbClr r="0" g="0" b="0"/>
+      </a:lnRef>
+      <a:fillRef idx="0">
+        <a:scrgbClr r="0" g="0" b="0"/>
+      </a:fillRef>
+      <a:effectRef idx="0">
+        <a:scrgbClr r="0" g="0" b="0"/>
+      </a:effectRef>
+      <a:fontRef idx="minor"/>
+    </dgm:style>
+  </dgm:styleLbl>
+  <dgm:styleLbl name="callout">
+    <dgm:scene3d>
+      <a:camera prst="orthographicFront"/>
+      <a:lightRig rig="threePt" dir="t"/>
+    </dgm:scene3d>
+    <dgm:sp3d/>
+    <dgm:txPr/>
+    <dgm:style>
+      <a:lnRef idx="2">
+        <a:scrgbClr r="0" g="0" b="0"/>
+      </a:lnRef>
+      <a:fillRef idx="1">
+        <a:scrgbClr r="0" g="0" b="0"/>
+      </a:fillRef>
+      <a:effectRef idx="0">
+        <a:scrgbClr r="0" g="0" b="0"/>
+      </a:effectRef>
+      <a:fontRef idx="minor"/>
+    </dgm:style>
+  </dgm:styleLbl>
+  <dgm:styleLbl name="asst0">
+    <dgm:scene3d>
+      <a:camera prst="orthographicFront"/>
+      <a:lightRig rig="threePt" dir="t"/>
+    </dgm:scene3d>
+    <dgm:sp3d/>
+    <dgm:txPr/>
+    <dgm:style>
+      <a:lnRef idx="2">
+        <a:scrgbClr r="0" g="0" b="0"/>
+      </a:lnRef>
+      <a:fillRef idx="1">
+        <a:scrgbClr r="0" g="0" b="0"/>
+      </a:fillRef>
+      <a:effectRef idx="0">
+        <a:scrgbClr r="0" g="0" b="0"/>
+      </a:effectRef>
+      <a:fontRef idx="minor">
+        <a:schemeClr val="lt1"/>
+      </a:fontRef>
+    </dgm:style>
+  </dgm:styleLbl>
+  <dgm:styleLbl name="asst1">
+    <dgm:scene3d>
+      <a:camera prst="orthographicFront"/>
+      <a:lightRig rig="threePt" dir="t"/>
+    </dgm:scene3d>
+    <dgm:sp3d/>
+    <dgm:txPr/>
+    <dgm:style>
+      <a:lnRef idx="2">
+        <a:scrgbClr r="0" g="0" b="0"/>
+      </a:lnRef>
+      <a:fillRef idx="1">
+        <a:scrgbClr r="0" g="0" b="0"/>
+      </a:fillRef>
+      <a:effectRef idx="0">
+        <a:scrgbClr r="0" g="0" b="0"/>
+      </a:effectRef>
+      <a:fontRef idx="minor">
+        <a:schemeClr val="lt1"/>
+      </a:fontRef>
+    </dgm:style>
+  </dgm:styleLbl>
+  <dgm:styleLbl name="asst2">
+    <dgm:scene3d>
+      <a:camera prst="orthographicFront"/>
+      <a:lightRig rig="threePt" dir="t"/>
+    </dgm:scene3d>
+    <dgm:sp3d/>
+    <dgm:txPr/>
+    <dgm:style>
+      <a:lnRef idx="2">
+        <a:scrgbClr r="0" g="0" b="0"/>
+      </a:lnRef>
+      <a:fillRef idx="1">
+        <a:scrgbClr r="0" g="0" b="0"/>
+      </a:fillRef>
+      <a:effectRef idx="0">
+        <a:scrgbClr r="0" g="0" b="0"/>
+      </a:effectRef>
+      <a:fontRef idx="minor">
+        <a:schemeClr val="lt1"/>
+      </a:fontRef>
+    </dgm:style>
+  </dgm:styleLbl>
+  <dgm:styleLbl name="asst3">
+    <dgm:scene3d>
+      <a:camera prst="orthographicFront"/>
+      <a:lightRig rig="threePt" dir="t"/>
+    </dgm:scene3d>
+    <dgm:sp3d/>
+    <dgm:txPr/>
+    <dgm:style>
+      <a:lnRef idx="2">
+        <a:scrgbClr r="0" g="0" b="0"/>
+      </a:lnRef>
+      <a:fillRef idx="1">
+        <a:scrgbClr r="0" g="0" b="0"/>
+      </a:fillRef>
+      <a:effectRef idx="0">
+        <a:scrgbClr r="0" g="0" b="0"/>
+      </a:effectRef>
+      <a:fontRef idx="minor">
+        <a:schemeClr val="lt1"/>
+      </a:fontRef>
+    </dgm:style>
+  </dgm:styleLbl>
+  <dgm:styleLbl name="asst4">
+    <dgm:scene3d>
+      <a:camera prst="orthographicFront"/>
+      <a:lightRig rig="threePt" dir="t"/>
+    </dgm:scene3d>
+    <dgm:sp3d/>
+    <dgm:txPr/>
+    <dgm:style>
+      <a:lnRef idx="2">
+        <a:scrgbClr r="0" g="0" b="0"/>
+      </a:lnRef>
+      <a:fillRef idx="1">
+        <a:scrgbClr r="0" g="0" b="0"/>
+      </a:fillRef>
+      <a:effectRef idx="0">
+        <a:scrgbClr r="0" g="0" b="0"/>
+      </a:effectRef>
+      <a:fontRef idx="minor">
+        <a:schemeClr val="lt1"/>
+      </a:fontRef>
+    </dgm:style>
+  </dgm:styleLbl>
+  <dgm:styleLbl name="parChTrans2D1">
+    <dgm:scene3d>
+      <a:camera prst="orthographicFront"/>
+      <a:lightRig rig="threePt" dir="t"/>
+    </dgm:scene3d>
+    <dgm:sp3d/>
+    <dgm:txPr/>
+    <dgm:style>
+      <a:lnRef idx="2">
+        <a:scrgbClr r="0" g="0" b="0"/>
+      </a:lnRef>
+      <a:fillRef idx="1">
+        <a:scrgbClr r="0" g="0" b="0"/>
+      </a:fillRef>
+      <a:effectRef idx="0">
+        <a:scrgbClr r="0" g="0" b="0"/>
+      </a:effectRef>
+      <a:fontRef idx="minor">
+        <a:schemeClr val="lt1"/>
+      </a:fontRef>
+    </dgm:style>
+  </dgm:styleLbl>
+  <dgm:styleLbl name="parChTrans2D2">
+    <dgm:scene3d>
+      <a:camera prst="orthographicFront"/>
+      <a:lightRig rig="threePt" dir="t"/>
+    </dgm:scene3d>
+    <dgm:sp3d/>
+    <dgm:txPr/>
+    <dgm:style>
+      <a:lnRef idx="2">
+        <a:scrgbClr r="0" g="0" b="0"/>
+      </a:lnRef>
+      <a:fillRef idx="1">
+        <a:scrgbClr r="0" g="0" b="0"/>
+      </a:fillRef>
+      <a:effectRef idx="0">
+        <a:scrgbClr r="0" g="0" b="0"/>
+      </a:effectRef>
+      <a:fontRef idx="minor">
+        <a:schemeClr val="lt1"/>
+      </a:fontRef>
+    </dgm:style>
+  </dgm:styleLbl>
+  <dgm:styleLbl name="parChTrans2D3">
+    <dgm:scene3d>
+      <a:camera prst="orthographicFront"/>
+      <a:lightRig rig="threePt" dir="t"/>
+    </dgm:scene3d>
+    <dgm:sp3d/>
+    <dgm:txPr/>
+    <dgm:style>
+      <a:lnRef idx="2">
+        <a:scrgbClr r="0" g="0" b="0"/>
+      </a:lnRef>
+      <a:fillRef idx="1">
+        <a:scrgbClr r="0" g="0" b="0"/>
+      </a:fillRef>
+      <a:effectRef idx="0">
+        <a:scrgbClr r="0" g="0" b="0"/>
+      </a:effectRef>
+      <a:fontRef idx="minor">
+        <a:schemeClr val="lt1"/>
+      </a:fontRef>
+    </dgm:style>
+  </dgm:styleLbl>
+  <dgm:styleLbl name="parChTrans2D4">
+    <dgm:scene3d>
+      <a:camera prst="orthographicFront"/>
+      <a:lightRig rig="threePt" dir="t"/>
+    </dgm:scene3d>
+    <dgm:sp3d/>
+    <dgm:txPr/>
+    <dgm:style>
+      <a:lnRef idx="2">
+        <a:scrgbClr r="0" g="0" b="0"/>
+      </a:lnRef>
+      <a:fillRef idx="1">
+        <a:scrgbClr r="0" g="0" b="0"/>
+      </a:fillRef>
+      <a:effectRef idx="0">
+        <a:scrgbClr r="0" g="0" b="0"/>
+      </a:effectRef>
+      <a:fontRef idx="minor">
+        <a:schemeClr val="lt1"/>
+      </a:fontRef>
+    </dgm:style>
+  </dgm:styleLbl>
+  <dgm:styleLbl name="parChTrans1D1">
+    <dgm:scene3d>
+      <a:camera prst="orthographicFront"/>
+      <a:lightRig rig="threePt" dir="t"/>
+    </dgm:scene3d>
+    <dgm:sp3d/>
+    <dgm:txPr/>
+    <dgm:style>
+      <a:lnRef idx="2">
+        <a:scrgbClr r="0" g="0" b="0"/>
+      </a:lnRef>
+      <a:fillRef idx="0">
+        <a:scrgbClr r="0" g="0" b="0"/>
+      </a:fillRef>
+      <a:effectRef idx="0">
+        <a:scrgbClr r="0" g="0" b="0"/>
+      </a:effectRef>
+      <a:fontRef idx="minor"/>
+    </dgm:style>
+  </dgm:styleLbl>
+  <dgm:styleLbl name="parChTrans1D2">
+    <dgm:scene3d>
+      <a:camera prst="orthographicFront"/>
+      <a:lightRig rig="threePt" dir="t"/>
+    </dgm:scene3d>
+    <dgm:sp3d/>
+    <dgm:txPr/>
+    <dgm:style>
+      <a:lnRef idx="2">
+        <a:scrgbClr r="0" g="0" b="0"/>
+      </a:lnRef>
+      <a:fillRef idx="0">
+        <a:scrgbClr r="0" g="0" b="0"/>
+      </a:fillRef>
+      <a:effectRef idx="0">
+        <a:scrgbClr r="0" g="0" b="0"/>
+      </a:effectRef>
+      <a:fontRef idx="minor"/>
+    </dgm:style>
+  </dgm:styleLbl>
+  <dgm:styleLbl name="parChTrans1D3">
+    <dgm:scene3d>
+      <a:camera prst="orthographicFront"/>
+      <a:lightRig rig="threePt" dir="t"/>
+    </dgm:scene3d>
+    <dgm:sp3d/>
+    <dgm:txPr/>
+    <dgm:style>
+      <a:lnRef idx="2">
+        <a:scrgbClr r="0" g="0" b="0"/>
+      </a:lnRef>
+      <a:fillRef idx="0">
+        <a:scrgbClr r="0" g="0" b="0"/>
+      </a:fillRef>
+      <a:effectRef idx="0">
+        <a:scrgbClr r="0" g="0" b="0"/>
+      </a:effectRef>
+      <a:fontRef idx="minor"/>
+    </dgm:style>
+  </dgm:styleLbl>
+  <dgm:styleLbl name="parChTrans1D4">
+    <dgm:scene3d>
+      <a:camera prst="orthographicFront"/>
+      <a:lightRig rig="threePt" dir="t"/>
+    </dgm:scene3d>
+    <dgm:sp3d/>
+    <dgm:txPr/>
+    <dgm:style>
+      <a:lnRef idx="2">
+        <a:scrgbClr r="0" g="0" b="0"/>
+      </a:lnRef>
+      <a:fillRef idx="0">
+        <a:scrgbClr r="0" g="0" b="0"/>
+      </a:fillRef>
+      <a:effectRef idx="0">
+        <a:scrgbClr r="0" g="0" b="0"/>
+      </a:effectRef>
+      <a:fontRef idx="minor"/>
+    </dgm:style>
+  </dgm:styleLbl>
+  <dgm:styleLbl name="fgAcc1">
+    <dgm:scene3d>
+      <a:camera prst="orthographicFront"/>
+      <a:lightRig rig="threePt" dir="t"/>
+    </dgm:scene3d>
+    <dgm:sp3d/>
+    <dgm:txPr/>
+    <dgm:style>
+      <a:lnRef idx="2">
+        <a:scrgbClr r="0" g="0" b="0"/>
+      </a:lnRef>
+      <a:fillRef idx="1">
+        <a:scrgbClr r="0" g="0" b="0"/>
+      </a:fillRef>
+      <a:effectRef idx="0">
+        <a:scrgbClr r="0" g="0" b="0"/>
+      </a:effectRef>
+      <a:fontRef idx="minor"/>
+    </dgm:style>
+  </dgm:styleLbl>
+  <dgm:styleLbl name="conFgAcc1">
+    <dgm:scene3d>
+      <a:camera prst="orthographicFront"/>
+      <a:lightRig rig="threePt" dir="t"/>
+    </dgm:scene3d>
+    <dgm:sp3d/>
+    <dgm:txPr/>
+    <dgm:style>
+      <a:lnRef idx="2">
+        <a:scrgbClr r="0" g="0" b="0"/>
+      </a:lnRef>
+      <a:fillRef idx="1">
+        <a:scrgbClr r="0" g="0" b="0"/>
+      </a:fillRef>
+      <a:effectRef idx="0">
+        <a:scrgbClr r="0" g="0" b="0"/>
+      </a:effectRef>
+      <a:fontRef idx="minor"/>
+    </dgm:style>
+  </dgm:styleLbl>
+  <dgm:styleLbl name="alignAcc1">
+    <dgm:scene3d>
+      <a:camera prst="orthographicFront"/>
+      <a:lightRig rig="threePt" dir="t"/>
+    </dgm:scene3d>
+    <dgm:sp3d/>
+    <dgm:txPr/>
+    <dgm:style>
+      <a:lnRef idx="2">
+        <a:scrgbClr r="0" g="0" b="0"/>
+      </a:lnRef>
+      <a:fillRef idx="1">
+        <a:scrgbClr r="0" g="0" b="0"/>
+      </a:fillRef>
+      <a:effectRef idx="0">
+        <a:scrgbClr r="0" g="0" b="0"/>
+      </a:effectRef>
+      <a:fontRef idx="minor"/>
+    </dgm:style>
+  </dgm:styleLbl>
+  <dgm:styleLbl name="trAlignAcc1">
+    <dgm:scene3d>
+      <a:camera prst="orthographicFront"/>
+      <a:lightRig rig="threePt" dir="t"/>
+    </dgm:scene3d>
+    <dgm:sp3d/>
+    <dgm:txPr/>
+    <dgm:style>
+      <a:lnRef idx="1">
+        <a:scrgbClr r="0" g="0" b="0"/>
+      </a:lnRef>
+      <a:fillRef idx="1">
+        <a:scrgbClr r="0" g="0" b="0"/>
+      </a:fillRef>
+      <a:effectRef idx="0">
+        <a:scrgbClr r="0" g="0" b="0"/>
+      </a:effectRef>
+      <a:fontRef idx="minor"/>
+    </dgm:style>
+  </dgm:styleLbl>
+  <dgm:styleLbl name="bgAcc1">
+    <dgm:scene3d>
+      <a:camera prst="orthographicFront"/>
+      <a:lightRig rig="threePt" dir="t"/>
+    </dgm:scene3d>
+    <dgm:sp3d/>
+    <dgm:txPr/>
+    <dgm:style>
+      <a:lnRef idx="2">
+        <a:scrgbClr r="0" g="0" b="0"/>
+      </a:lnRef>
+      <a:fillRef idx="1">
+        <a:scrgbClr r="0" g="0" b="0"/>
+      </a:fillRef>
+      <a:effectRef idx="0">
+        <a:scrgbClr r="0" g="0" b="0"/>
+      </a:effectRef>
+      <a:fontRef idx="minor"/>
+    </dgm:style>
+  </dgm:styleLbl>
+  <dgm:styleLbl name="solidFgAcc1">
+    <dgm:scene3d>
+      <a:camera prst="orthographicFront"/>
+      <a:lightRig rig="threePt" dir="t"/>
+    </dgm:scene3d>
+    <dgm:sp3d/>
+    <dgm:txPr/>
+    <dgm:style>
+      <a:lnRef idx="2">
+        <a:scrgbClr r="0" g="0" b="0"/>
+      </a:lnRef>
+      <a:fillRef idx="1">
+        <a:scrgbClr r="0" g="0" b="0"/>
+      </a:fillRef>
+      <a:effectRef idx="0">
+        <a:scrgbClr r="0" g="0" b="0"/>
+      </a:effectRef>
+      <a:fontRef idx="minor"/>
+    </dgm:style>
+  </dgm:styleLbl>
+  <dgm:styleLbl name="solidAlignAcc1">
+    <dgm:scene3d>
+      <a:camera prst="orthographicFront"/>
+      <a:lightRig rig="threePt" dir="t"/>
+    </dgm:scene3d>
+    <dgm:sp3d/>
+    <dgm:txPr/>
+    <dgm:style>
+      <a:lnRef idx="2">
+        <a:scrgbClr r="0" g="0" b="0"/>
+      </a:lnRef>
+      <a:fillRef idx="1">
+        <a:scrgbClr r="0" g="0" b="0"/>
+      </a:fillRef>
+      <a:effectRef idx="0">
+        <a:scrgbClr r="0" g="0" b="0"/>
+      </a:effectRef>
+      <a:fontRef idx="minor"/>
+    </dgm:style>
+  </dgm:styleLbl>
+  <dgm:styleLbl name="solidBgAcc1">
+    <dgm:scene3d>
+      <a:camera prst="orthographicFront"/>
+      <a:lightRig rig="threePt" dir="t"/>
+    </dgm:scene3d>
+    <dgm:sp3d/>
+    <dgm:txPr/>
+    <dgm:style>
+      <a:lnRef idx="2">
+        <a:scrgbClr r="0" g="0" b="0"/>
+      </a:lnRef>
+      <a:fillRef idx="1">
+        <a:scrgbClr r="0" g="0" b="0"/>
+      </a:fillRef>
+      <a:effectRef idx="0">
+        <a:scrgbClr r="0" g="0" b="0"/>
+      </a:effectRef>
+      <a:fontRef idx="minor"/>
+    </dgm:style>
+  </dgm:styleLbl>
+  <dgm:styleLbl name="fgAccFollowNode1">
+    <dgm:scene3d>
+      <a:camera prst="orthographicFront"/>
+      <a:lightRig rig="threePt" dir="t"/>
+    </dgm:scene3d>
+    <dgm:sp3d/>
+    <dgm:txPr/>
+    <dgm:style>
+      <a:lnRef idx="2">
+        <a:scrgbClr r="0" g="0" b="0"/>
+      </a:lnRef>
+      <a:fillRef idx="1">
+        <a:scrgbClr r="0" g="0" b="0"/>
+      </a:fillRef>
+      <a:effectRef idx="0">
+        <a:scrgbClr r="0" g="0" b="0"/>
+      </a:effectRef>
+      <a:fontRef idx="minor"/>
+    </dgm:style>
+  </dgm:styleLbl>
+  <dgm:styleLbl name="alignAccFollowNode1">
+    <dgm:scene3d>
+      <a:camera prst="orthographicFront"/>
+      <a:lightRig rig="threePt" dir="t"/>
+    </dgm:scene3d>
+    <dgm:sp3d/>
+    <dgm:txPr/>
+    <dgm:style>
+      <a:lnRef idx="2">
+        <a:scrgbClr r="0" g="0" b="0"/>
+      </a:lnRef>
+      <a:fillRef idx="1">
+        <a:scrgbClr r="0" g="0" b="0"/>
+      </a:fillRef>
+      <a:effectRef idx="0">
+        <a:scrgbClr r="0" g="0" b="0"/>
+      </a:effectRef>
+      <a:fontRef idx="minor"/>
+    </dgm:style>
+  </dgm:styleLbl>
+  <dgm:styleLbl name="bgAccFollowNode1">
+    <dgm:scene3d>
+      <a:camera prst="orthographicFront"/>
+      <a:lightRig rig="threePt" dir="t"/>
+    </dgm:scene3d>
+    <dgm:sp3d/>
+    <dgm:txPr/>
+    <dgm:style>
+      <a:lnRef idx="2">
+        <a:scrgbClr r="0" g="0" b="0"/>
+      </a:lnRef>
+      <a:fillRef idx="1">
+        <a:scrgbClr r="0" g="0" b="0"/>
+      </a:fillRef>
+      <a:effectRef idx="0">
+        <a:scrgbClr r="0" g="0" b="0"/>
+      </a:effectRef>
+      <a:fontRef idx="minor"/>
+    </dgm:style>
+  </dgm:styleLbl>
+  <dgm:styleLbl name="fgAcc0">
+    <dgm:scene3d>
+      <a:camera prst="orthographicFront"/>
+      <a:lightRig rig="threePt" dir="t"/>
+    </dgm:scene3d>
+    <dgm:sp3d/>
+    <dgm:txPr/>
+    <dgm:style>
+      <a:lnRef idx="2">
+        <a:scrgbClr r="0" g="0" b="0"/>
+      </a:lnRef>
+      <a:fillRef idx="1">
+        <a:scrgbClr r="0" g="0" b="0"/>
+      </a:fillRef>
+      <a:effectRef idx="0">
+        <a:scrgbClr r="0" g="0" b="0"/>
+      </a:effectRef>
+      <a:fontRef idx="minor"/>
+    </dgm:style>
+  </dgm:styleLbl>
+  <dgm:styleLbl name="fgAcc2">
+    <dgm:scene3d>
+      <a:camera prst="orthographicFront"/>
+      <a:lightRig rig="threePt" dir="t"/>
+    </dgm:scene3d>
+    <dgm:sp3d/>
+    <dgm:txPr/>
+    <dgm:style>
+      <a:lnRef idx="2">
+        <a:scrgbClr r="0" g="0" b="0"/>
+      </a:lnRef>
+      <a:fillRef idx="1">
+        <a:scrgbClr r="0" g="0" b="0"/>
+      </a:fillRef>
+      <a:effectRef idx="0">
+        <a:scrgbClr r="0" g="0" b="0"/>
+      </a:effectRef>
+      <a:fontRef idx="minor"/>
+    </dgm:style>
+  </dgm:styleLbl>
+  <dgm:styleLbl name="fgAcc3">
+    <dgm:scene3d>
+      <a:camera prst="orthographicFront"/>
+      <a:lightRig rig="threePt" dir="t"/>
+    </dgm:scene3d>
+    <dgm:sp3d/>
+    <dgm:txPr/>
+    <dgm:style>
+      <a:lnRef idx="2">
+        <a:scrgbClr r="0" g="0" b="0"/>
+      </a:lnRef>
+      <a:fillRef idx="1">
+        <a:scrgbClr r="0" g="0" b="0"/>
+      </a:fillRef>
+      <a:effectRef idx="0">
+        <a:scrgbClr r="0" g="0" b="0"/>
+      </a:effectRef>
+      <a:fontRef idx="minor"/>
+    </dgm:style>
+  </dgm:styleLbl>
+  <dgm:styleLbl name="fgAcc4">
+    <dgm:scene3d>
+      <a:camera prst="orthographicFront"/>
+      <a:lightRig rig="threePt" dir="t"/>
+    </dgm:scene3d>
+    <dgm:sp3d/>
+    <dgm:txPr/>
+    <dgm:style>
+      <a:lnRef idx="2">
+        <a:scrgbClr r="0" g="0" b="0"/>
+      </a:lnRef>
+      <a:fillRef idx="1">
+        <a:scrgbClr r="0" g="0" b="0"/>
+      </a:fillRef>
+      <a:effectRef idx="0">
+        <a:scrgbClr r="0" g="0" b="0"/>
+      </a:effectRef>
+      <a:fontRef idx="minor"/>
+    </dgm:style>
+  </dgm:styleLbl>
+  <dgm:styleLbl name="bgShp">
+    <dgm:scene3d>
+      <a:camera prst="orthographicFront"/>
+      <a:lightRig rig="threePt" dir="t"/>
+    </dgm:scene3d>
+    <dgm:sp3d/>
+    <dgm:txPr/>
+    <dgm:style>
+      <a:lnRef idx="0">
+        <a:scrgbClr r="0" g="0" b="0"/>
+      </a:lnRef>
+      <a:fillRef idx="1">
+        <a:scrgbClr r="0" g="0" b="0"/>
+      </a:fillRef>
+      <a:effectRef idx="0">
+        <a:scrgbClr r="0" g="0" b="0"/>
+      </a:effectRef>
+      <a:fontRef idx="minor"/>
+    </dgm:style>
+  </dgm:styleLbl>
+  <dgm:styleLbl name="dkBgShp">
+    <dgm:scene3d>
+      <a:camera prst="orthographicFront"/>
+      <a:lightRig rig="threePt" dir="t"/>
+    </dgm:scene3d>
+    <dgm:sp3d/>
+    <dgm:txPr/>
+    <dgm:style>
+      <a:lnRef idx="0">
+        <a:scrgbClr r="0" g="0" b="0"/>
+      </a:lnRef>
+      <a:fillRef idx="1">
+        <a:scrgbClr r="0" g="0" b="0"/>
+      </a:fillRef>
+      <a:effectRef idx="0">
+        <a:scrgbClr r="0" g="0" b="0"/>
+      </a:effectRef>
+      <a:fontRef idx="minor"/>
+    </dgm:style>
+  </dgm:styleLbl>
+  <dgm:styleLbl name="trBgShp">
+    <dgm:scene3d>
+      <a:camera prst="orthographicFront"/>
+      <a:lightRig rig="threePt" dir="t"/>
+    </dgm:scene3d>
+    <dgm:sp3d/>
+    <dgm:txPr/>
+    <dgm:style>
+      <a:lnRef idx="0">
+        <a:scrgbClr r="0" g="0" b="0"/>
+      </a:lnRef>
+      <a:fillRef idx="1">
+        <a:scrgbClr r="0" g="0" b="0"/>
+      </a:fillRef>
+      <a:effectRef idx="0">
+        <a:scrgbClr r="0" g="0" b="0"/>
+      </a:effectRef>
+      <a:fontRef idx="minor"/>
+    </dgm:style>
+  </dgm:styleLbl>
+  <dgm:styleLbl name="fgShp">
+    <dgm:scene3d>
+      <a:camera prst="orthographicFront"/>
+      <a:lightRig rig="threePt" dir="t"/>
+    </dgm:scene3d>
+    <dgm:sp3d/>
+    <dgm:txPr/>
+    <dgm:style>
+      <a:lnRef idx="2">
+        <a:scrgbClr r="0" g="0" b="0"/>
+      </a:lnRef>
+      <a:fillRef idx="1">
+        <a:scrgbClr r="0" g="0" b="0"/>
+      </a:fillRef>
+      <a:effectRef idx="0">
+        <a:scrgbClr r="0" g="0" b="0"/>
+      </a:effectRef>
+      <a:fontRef idx="minor"/>
+    </dgm:style>
+  </dgm:styleLbl>
+  <dgm:styleLbl name="revTx">
+    <dgm:scene3d>
+      <a:camera prst="orthographicFront"/>
+      <a:lightRig rig="threePt" dir="t"/>
+    </dgm:scene3d>
+    <dgm:sp3d/>
+    <dgm:txPr/>
+    <dgm:style>
+      <a:lnRef idx="0">
+        <a:scrgbClr r="0" g="0" b="0"/>
+      </a:lnRef>
+      <a:fillRef idx="0">
+        <a:scrgbClr r="0" g="0" b="0"/>
+      </a:fillRef>
+      <a:effectRef idx="0">
+        <a:scrgbClr r="0" g="0" b="0"/>
+      </a:effectRef>
+      <a:fontRef idx="minor"/>
+    </dgm:style>
+  </dgm:styleLbl>
+</dgm:styleDef>
+</file>
+
+<file path=ppt/diagrams/quickStyle7.xml><?xml version="1.0" encoding="utf-8"?>
 <dgm:styleDef xmlns:dgm="http://schemas.openxmlformats.org/drawingml/2006/diagram" xmlns:a="http://schemas.openxmlformats.org/drawingml/2006/main" uniqueId="urn:microsoft.com/office/officeart/2005/8/quickstyle/simple1">
   <dgm:title val=""/>
   <dgm:desc val=""/>
@@ -19329,7 +22693,7 @@
           <a:p>
             <a:fld id="{F34F3883-9D03-4D58-B830-095AB0B8F686}" type="datetimeFigureOut">
               <a:rPr lang="en-GB" smtClean="0"/>
-              <a:t>11/03/2020</a:t>
+              <a:t>23/03/2020</a:t>
             </a:fld>
             <a:endParaRPr lang="en-GB"/>
           </a:p>
@@ -20043,8 +23407,8 @@
         </p:nvSpPr>
         <p:spPr>
           <a:xfrm>
-            <a:off x="3175" y="6400800"/>
-            <a:ext cx="12188825" cy="457200"/>
+            <a:off x="1" y="6400800"/>
+            <a:ext cx="12192000" cy="457200"/>
           </a:xfrm>
           <a:prstGeom prst="rect">
             <a:avLst/>
@@ -20081,8 +23445,8 @@
         </p:nvSpPr>
         <p:spPr>
           <a:xfrm>
-            <a:off x="15" y="6334316"/>
-            <a:ext cx="12188825" cy="64008"/>
+            <a:off x="1" y="6334316"/>
+            <a:ext cx="12192000" cy="66484"/>
           </a:xfrm>
           <a:prstGeom prst="rect">
             <a:avLst/>
@@ -20167,7 +23531,7 @@
         </p:nvSpPr>
         <p:spPr>
           <a:xfrm>
-            <a:off x="1100051" y="4455620"/>
+            <a:off x="1100051" y="4455621"/>
             <a:ext cx="10058400" cy="1143000"/>
           </a:xfrm>
         </p:spPr>
@@ -20244,7 +23608,7 @@
           <a:p>
             <a:fld id="{73DDA9A2-36C2-4D81-9282-D28E3A77AF82}" type="datetimeFigureOut">
               <a:rPr lang="en-GB" smtClean="0"/>
-              <a:t>11/03/2020</a:t>
+              <a:t>23/03/2020</a:t>
             </a:fld>
             <a:endParaRPr lang="en-GB"/>
           </a:p>
@@ -20333,7 +23697,7 @@
     </p:spTree>
     <p:extLst>
       <p:ext uri="{BB962C8B-B14F-4D97-AF65-F5344CB8AC3E}">
-        <p14:creationId xmlns:p14="http://schemas.microsoft.com/office/powerpoint/2010/main" val="841742257"/>
+        <p14:creationId xmlns:p14="http://schemas.microsoft.com/office/powerpoint/2010/main" val="3773724437"/>
       </p:ext>
     </p:extLst>
   </p:cSld>
@@ -20452,7 +23816,7 @@
           <a:p>
             <a:fld id="{73DDA9A2-36C2-4D81-9282-D28E3A77AF82}" type="datetimeFigureOut">
               <a:rPr lang="en-GB" smtClean="0"/>
-              <a:t>11/03/2020</a:t>
+              <a:t>23/03/2020</a:t>
             </a:fld>
             <a:endParaRPr lang="en-GB"/>
           </a:p>
@@ -20503,7 +23867,7 @@
     </p:spTree>
     <p:extLst>
       <p:ext uri="{BB962C8B-B14F-4D97-AF65-F5344CB8AC3E}">
-        <p14:creationId xmlns:p14="http://schemas.microsoft.com/office/powerpoint/2010/main" val="2678646115"/>
+        <p14:creationId xmlns:p14="http://schemas.microsoft.com/office/powerpoint/2010/main" val="2900589143"/>
       </p:ext>
     </p:extLst>
   </p:cSld>
@@ -20618,8 +23982,8 @@
         </p:nvSpPr>
         <p:spPr>
           <a:xfrm>
-            <a:off x="8724900" y="414778"/>
-            <a:ext cx="2628900" cy="5757421"/>
+            <a:off x="8724900" y="412302"/>
+            <a:ext cx="2628900" cy="5759898"/>
           </a:xfrm>
         </p:spPr>
         <p:txBody>
@@ -20646,8 +24010,8 @@
         </p:nvSpPr>
         <p:spPr>
           <a:xfrm>
-            <a:off x="838200" y="414778"/>
-            <a:ext cx="7734300" cy="5757422"/>
+            <a:off x="838200" y="412302"/>
+            <a:ext cx="7734300" cy="5759898"/>
           </a:xfrm>
         </p:spPr>
         <p:txBody>
@@ -20708,7 +24072,7 @@
           <a:p>
             <a:fld id="{73DDA9A2-36C2-4D81-9282-D28E3A77AF82}" type="datetimeFigureOut">
               <a:rPr lang="en-GB" smtClean="0"/>
-              <a:t>11/03/2020</a:t>
+              <a:t>23/03/2020</a:t>
             </a:fld>
             <a:endParaRPr lang="en-GB"/>
           </a:p>
@@ -20759,7 +24123,7 @@
     </p:spTree>
     <p:extLst>
       <p:ext uri="{BB962C8B-B14F-4D97-AF65-F5344CB8AC3E}">
-        <p14:creationId xmlns:p14="http://schemas.microsoft.com/office/powerpoint/2010/main" val="160995170"/>
+        <p14:creationId xmlns:p14="http://schemas.microsoft.com/office/powerpoint/2010/main" val="2570767054"/>
       </p:ext>
     </p:extLst>
   </p:cSld>
@@ -21118,7 +24482,7 @@
     </p:spTree>
     <p:extLst>
       <p:ext uri="{BB962C8B-B14F-4D97-AF65-F5344CB8AC3E}">
-        <p14:creationId xmlns:p14="http://schemas.microsoft.com/office/powerpoint/2010/main" val="3441843273"/>
+        <p14:creationId xmlns:p14="http://schemas.microsoft.com/office/powerpoint/2010/main" val="1741043707"/>
       </p:ext>
     </p:extLst>
   </p:cSld>
@@ -21158,11 +24522,7 @@
         <p:spPr/>
         <p:txBody>
           <a:bodyPr/>
-          <a:lstStyle>
-            <a:lvl1pPr marL="0">
-              <a:defRPr/>
-            </a:lvl1pPr>
-          </a:lstStyle>
+          <a:lstStyle/>
           <a:p>
             <a:r>
               <a:rPr lang="en-US"/>
@@ -21241,7 +24601,7 @@
           <a:p>
             <a:fld id="{73DDA9A2-36C2-4D81-9282-D28E3A77AF82}" type="datetimeFigureOut">
               <a:rPr lang="en-GB" smtClean="0"/>
-              <a:t>11/03/2020</a:t>
+              <a:t>23/03/2020</a:t>
             </a:fld>
             <a:endParaRPr lang="en-GB"/>
           </a:p>
@@ -21292,7 +24652,7 @@
     </p:spTree>
     <p:extLst>
       <p:ext uri="{BB962C8B-B14F-4D97-AF65-F5344CB8AC3E}">
-        <p14:creationId xmlns:p14="http://schemas.microsoft.com/office/powerpoint/2010/main" val="746456975"/>
+        <p14:creationId xmlns:p14="http://schemas.microsoft.com/office/powerpoint/2010/main" val="175713719"/>
       </p:ext>
     </p:extLst>
   </p:cSld>
@@ -21584,7 +24944,7 @@
           <a:p>
             <a:fld id="{73DDA9A2-36C2-4D81-9282-D28E3A77AF82}" type="datetimeFigureOut">
               <a:rPr lang="en-GB" smtClean="0"/>
-              <a:t>11/03/2020</a:t>
+              <a:t>23/03/2020</a:t>
             </a:fld>
             <a:endParaRPr lang="en-GB"/>
           </a:p>
@@ -21673,7 +25033,7 @@
     </p:spTree>
     <p:extLst>
       <p:ext uri="{BB962C8B-B14F-4D97-AF65-F5344CB8AC3E}">
-        <p14:creationId xmlns:p14="http://schemas.microsoft.com/office/powerpoint/2010/main" val="2828057918"/>
+        <p14:creationId xmlns:p14="http://schemas.microsoft.com/office/powerpoint/2010/main" val="605885985"/>
       </p:ext>
     </p:extLst>
   </p:cSld>
@@ -21740,8 +25100,8 @@
         </p:nvSpPr>
         <p:spPr>
           <a:xfrm>
-            <a:off x="1097279" y="1845734"/>
-            <a:ext cx="4937760" cy="4023360"/>
+            <a:off x="1097280" y="1845734"/>
+            <a:ext cx="4937760" cy="4023359"/>
           </a:xfrm>
         </p:spPr>
         <p:txBody>
@@ -21859,7 +25219,7 @@
           <a:p>
             <a:fld id="{73DDA9A2-36C2-4D81-9282-D28E3A77AF82}" type="datetimeFigureOut">
               <a:rPr lang="en-GB" smtClean="0"/>
-              <a:t>11/03/2020</a:t>
+              <a:t>23/03/2020</a:t>
             </a:fld>
             <a:endParaRPr lang="en-GB"/>
           </a:p>
@@ -21910,7 +25270,7 @@
     </p:spTree>
     <p:extLst>
       <p:ext uri="{BB962C8B-B14F-4D97-AF65-F5344CB8AC3E}">
-        <p14:creationId xmlns:p14="http://schemas.microsoft.com/office/powerpoint/2010/main" val="4165236708"/>
+        <p14:creationId xmlns:p14="http://schemas.microsoft.com/office/powerpoint/2010/main" val="3358176461"/>
       </p:ext>
     </p:extLst>
   </p:cSld>
@@ -22048,8 +25408,8 @@
         </p:nvSpPr>
         <p:spPr>
           <a:xfrm>
-            <a:off x="1097280" y="2582334"/>
-            <a:ext cx="4937760" cy="3378200"/>
+            <a:off x="1097280" y="2582335"/>
+            <a:ext cx="4937760" cy="3286760"/>
           </a:xfrm>
         </p:spPr>
         <p:txBody>
@@ -22177,7 +25537,7 @@
         <p:spPr>
           <a:xfrm>
             <a:off x="6217920" y="2582334"/>
-            <a:ext cx="4937760" cy="3378200"/>
+            <a:ext cx="4937760" cy="3286760"/>
           </a:xfrm>
         </p:spPr>
         <p:txBody>
@@ -22238,7 +25598,7 @@
           <a:p>
             <a:fld id="{73DDA9A2-36C2-4D81-9282-D28E3A77AF82}" type="datetimeFigureOut">
               <a:rPr lang="en-GB" smtClean="0"/>
-              <a:t>11/03/2020</a:t>
+              <a:t>23/03/2020</a:t>
             </a:fld>
             <a:endParaRPr lang="en-GB"/>
           </a:p>
@@ -22289,7 +25649,7 @@
     </p:spTree>
     <p:extLst>
       <p:ext uri="{BB962C8B-B14F-4D97-AF65-F5344CB8AC3E}">
-        <p14:creationId xmlns:p14="http://schemas.microsoft.com/office/powerpoint/2010/main" val="1187863117"/>
+        <p14:creationId xmlns:p14="http://schemas.microsoft.com/office/powerpoint/2010/main" val="533244708"/>
       </p:ext>
     </p:extLst>
   </p:cSld>
@@ -22356,7 +25716,7 @@
           <a:p>
             <a:fld id="{73DDA9A2-36C2-4D81-9282-D28E3A77AF82}" type="datetimeFigureOut">
               <a:rPr lang="en-GB" smtClean="0"/>
-              <a:t>11/03/2020</a:t>
+              <a:t>23/03/2020</a:t>
             </a:fld>
             <a:endParaRPr lang="en-GB"/>
           </a:p>
@@ -22407,7 +25767,7 @@
     </p:spTree>
     <p:extLst>
       <p:ext uri="{BB962C8B-B14F-4D97-AF65-F5344CB8AC3E}">
-        <p14:creationId xmlns:p14="http://schemas.microsoft.com/office/powerpoint/2010/main" val="1149109724"/>
+        <p14:creationId xmlns:p14="http://schemas.microsoft.com/office/powerpoint/2010/main" val="3058066088"/>
       </p:ext>
     </p:extLst>
   </p:cSld>
@@ -22527,7 +25887,7 @@
           <a:p>
             <a:fld id="{73DDA9A2-36C2-4D81-9282-D28E3A77AF82}" type="datetimeFigureOut">
               <a:rPr lang="en-GB" smtClean="0"/>
-              <a:t>11/03/2020</a:t>
+              <a:t>23/03/2020</a:t>
             </a:fld>
             <a:endParaRPr lang="en-GB"/>
           </a:p>
@@ -22586,7 +25946,7 @@
     </p:spTree>
     <p:extLst>
       <p:ext uri="{BB962C8B-B14F-4D97-AF65-F5344CB8AC3E}">
-        <p14:creationId xmlns:p14="http://schemas.microsoft.com/office/powerpoint/2010/main" val="3561638210"/>
+        <p14:creationId xmlns:p14="http://schemas.microsoft.com/office/powerpoint/2010/main" val="2403965324"/>
       </p:ext>
     </p:extLst>
   </p:cSld>
@@ -22881,7 +26241,7 @@
           <a:p>
             <a:fld id="{73DDA9A2-36C2-4D81-9282-D28E3A77AF82}" type="datetimeFigureOut">
               <a:rPr lang="en-GB" smtClean="0"/>
-              <a:t>11/03/2020</a:t>
+              <a:t>23/03/2020</a:t>
             </a:fld>
             <a:endParaRPr lang="en-GB"/>
           </a:p>
@@ -22953,7 +26313,7 @@
     </p:spTree>
     <p:extLst>
       <p:ext uri="{BB962C8B-B14F-4D97-AF65-F5344CB8AC3E}">
-        <p14:creationId xmlns:p14="http://schemas.microsoft.com/office/powerpoint/2010/main" val="560314413"/>
+        <p14:creationId xmlns:p14="http://schemas.microsoft.com/office/powerpoint/2010/main" val="4196614941"/>
       </p:ext>
     </p:extLst>
   </p:cSld>
@@ -23069,11 +26429,11 @@
         <p:spPr>
           <a:xfrm>
             <a:off x="1097280" y="5074920"/>
-            <a:ext cx="10113264" cy="822960"/>
+            <a:ext cx="10113645" cy="822960"/>
           </a:xfrm>
         </p:spPr>
         <p:txBody>
-          <a:bodyPr lIns="91440" tIns="0" rIns="91440" bIns="0" anchor="b">
+          <a:bodyPr tIns="0" bIns="0" anchor="b">
             <a:noAutofit/>
           </a:bodyPr>
           <a:lstStyle>
@@ -23109,23 +26469,18 @@
             <a:off x="15" y="0"/>
             <a:ext cx="12191985" cy="4915076"/>
           </a:xfrm>
-          <a:blipFill>
-            <a:blip r:embed="rId2"/>
-            <a:stretch>
-              <a:fillRect/>
-            </a:stretch>
-          </a:blipFill>
+          <a:solidFill>
+            <a:schemeClr val="bg2">
+              <a:lumMod val="90000"/>
+            </a:schemeClr>
+          </a:solidFill>
         </p:spPr>
         <p:txBody>
           <a:bodyPr lIns="457200" tIns="457200" anchor="t"/>
           <a:lstStyle>
             <a:lvl1pPr marL="0" indent="0">
               <a:buNone/>
-              <a:defRPr sz="3200">
-                <a:solidFill>
-                  <a:schemeClr val="bg1"/>
-                </a:solidFill>
-              </a:defRPr>
+              <a:defRPr sz="3200"/>
             </a:lvl1pPr>
             <a:lvl2pPr marL="457200" indent="0">
               <a:buNone/>
@@ -23181,7 +26536,7 @@
         </p:nvSpPr>
         <p:spPr>
           <a:xfrm>
-            <a:off x="1097280" y="5907023"/>
+            <a:off x="1097280" y="5907024"/>
             <a:ext cx="10113264" cy="594360"/>
           </a:xfrm>
         </p:spPr>
@@ -23263,7 +26618,7 @@
           <a:p>
             <a:fld id="{73DDA9A2-36C2-4D81-9282-D28E3A77AF82}" type="datetimeFigureOut">
               <a:rPr lang="en-GB" smtClean="0"/>
-              <a:t>11/03/2020</a:t>
+              <a:t>23/03/2020</a:t>
             </a:fld>
             <a:endParaRPr lang="en-GB"/>
           </a:p>
@@ -23314,7 +26669,7 @@
     </p:spTree>
     <p:extLst>
       <p:ext uri="{BB962C8B-B14F-4D97-AF65-F5344CB8AC3E}">
-        <p14:creationId xmlns:p14="http://schemas.microsoft.com/office/powerpoint/2010/main" val="3794277929"/>
+        <p14:creationId xmlns:p14="http://schemas.microsoft.com/office/powerpoint/2010/main" val="4227044572"/>
       </p:ext>
     </p:extLst>
   </p:cSld>
@@ -23354,8 +26709,8 @@
         </p:nvSpPr>
         <p:spPr>
           <a:xfrm>
-            <a:off x="1" y="6400800"/>
-            <a:ext cx="12192000" cy="457200"/>
+            <a:off x="3175" y="6400800"/>
+            <a:ext cx="12188825" cy="457200"/>
           </a:xfrm>
           <a:prstGeom prst="rect">
             <a:avLst/>
@@ -23392,8 +26747,8 @@
         </p:nvSpPr>
         <p:spPr>
           <a:xfrm>
-            <a:off x="0" y="6334316"/>
-            <a:ext cx="12192001" cy="65998"/>
+            <a:off x="15" y="6334316"/>
+            <a:ext cx="12188825" cy="64008"/>
           </a:xfrm>
           <a:prstGeom prst="rect">
             <a:avLst/>
@@ -23550,7 +26905,7 @@
           <a:p>
             <a:fld id="{73DDA9A2-36C2-4D81-9282-D28E3A77AF82}" type="datetimeFigureOut">
               <a:rPr lang="en-GB" smtClean="0"/>
-              <a:t>11/03/2020</a:t>
+              <a:t>23/03/2020</a:t>
             </a:fld>
             <a:endParaRPr lang="en-GB"/>
           </a:p>
@@ -23671,24 +27026,24 @@
     </p:spTree>
     <p:extLst>
       <p:ext uri="{BB962C8B-B14F-4D97-AF65-F5344CB8AC3E}">
-        <p14:creationId xmlns:p14="http://schemas.microsoft.com/office/powerpoint/2010/main" val="2610659435"/>
+        <p14:creationId xmlns:p14="http://schemas.microsoft.com/office/powerpoint/2010/main" val="586575271"/>
       </p:ext>
     </p:extLst>
   </p:cSld>
   <p:clrMap bg1="lt1" tx1="dk1" bg2="lt2" tx2="dk2" accent1="accent1" accent2="accent2" accent3="accent3" accent4="accent4" accent5="accent5" accent6="accent6" hlink="hlink" folHlink="folHlink"/>
   <p:sldLayoutIdLst>
-    <p:sldLayoutId id="2147483661" r:id="rId1"/>
-    <p:sldLayoutId id="2147483662" r:id="rId2"/>
-    <p:sldLayoutId id="2147483663" r:id="rId3"/>
-    <p:sldLayoutId id="2147483664" r:id="rId4"/>
-    <p:sldLayoutId id="2147483665" r:id="rId5"/>
-    <p:sldLayoutId id="2147483666" r:id="rId6"/>
-    <p:sldLayoutId id="2147483667" r:id="rId7"/>
-    <p:sldLayoutId id="2147483668" r:id="rId8"/>
-    <p:sldLayoutId id="2147483669" r:id="rId9"/>
-    <p:sldLayoutId id="2147483670" r:id="rId10"/>
-    <p:sldLayoutId id="2147483671" r:id="rId11"/>
-    <p:sldLayoutId id="2147483672" r:id="rId12"/>
+    <p:sldLayoutId id="2147483687" r:id="rId1"/>
+    <p:sldLayoutId id="2147483688" r:id="rId2"/>
+    <p:sldLayoutId id="2147483689" r:id="rId3"/>
+    <p:sldLayoutId id="2147483690" r:id="rId4"/>
+    <p:sldLayoutId id="2147483691" r:id="rId5"/>
+    <p:sldLayoutId id="2147483692" r:id="rId6"/>
+    <p:sldLayoutId id="2147483693" r:id="rId7"/>
+    <p:sldLayoutId id="2147483694" r:id="rId8"/>
+    <p:sldLayoutId id="2147483695" r:id="rId9"/>
+    <p:sldLayoutId id="2147483696" r:id="rId10"/>
+    <p:sldLayoutId id="2147483697" r:id="rId11"/>
+    <p:sldLayoutId id="2147483698" r:id="rId12"/>
   </p:sldLayoutIdLst>
   <p:txStyles>
     <p:titleStyle>
@@ -24091,14 +27446,21 @@
             <p:ph type="ctrTitle"/>
           </p:nvPr>
         </p:nvSpPr>
-        <p:spPr/>
+        <p:spPr>
+          <a:xfrm>
+            <a:off x="5289754" y="639097"/>
+            <a:ext cx="6253317" cy="3686015"/>
+          </a:xfrm>
+        </p:spPr>
         <p:txBody>
-          <a:bodyPr/>
+          <a:bodyPr>
+            <a:normAutofit/>
+          </a:bodyPr>
           <a:lstStyle/>
           <a:p>
             <a:r>
               <a:rPr lang="en-GB" dirty="0"/>
-              <a:t>DevOps process for Thales</a:t>
+              <a:t>DevOps Process for Thales</a:t>
             </a:r>
           </a:p>
         </p:txBody>
@@ -24119,18 +27481,78 @@
             <p:ph type="subTitle" idx="1"/>
           </p:nvPr>
         </p:nvSpPr>
-        <p:spPr/>
+        <p:spPr>
+          <a:xfrm>
+            <a:off x="5289753" y="4455621"/>
+            <a:ext cx="6269347" cy="1238616"/>
+          </a:xfrm>
+        </p:spPr>
         <p:txBody>
-          <a:bodyPr/>
+          <a:bodyPr>
+            <a:normAutofit/>
+          </a:bodyPr>
           <a:lstStyle/>
           <a:p>
             <a:r>
-              <a:rPr lang="en-GB" dirty="0"/>
+              <a:rPr lang="en-GB">
+                <a:solidFill>
+                  <a:schemeClr val="tx1">
+                    <a:lumMod val="85000"/>
+                    <a:lumOff val="15000"/>
+                  </a:schemeClr>
+                </a:solidFill>
+              </a:rPr>
               <a:t>Building a pipeline for CI/CD with Jenkins and OpenShift</a:t>
             </a:r>
           </a:p>
         </p:txBody>
       </p:sp>
+      <p:pic>
+        <p:nvPicPr>
+          <p:cNvPr id="1026" name="Picture 2">
+            <a:extLst>
+              <a:ext uri="{FF2B5EF4-FFF2-40B4-BE49-F238E27FC236}">
+                <a16:creationId xmlns:a16="http://schemas.microsoft.com/office/drawing/2014/main" id="{272A783C-90C6-4B9E-A69F-F35709536A9D}"/>
+              </a:ext>
+            </a:extLst>
+          </p:cNvPr>
+          <p:cNvPicPr>
+            <a:picLocks noChangeAspect="1" noChangeArrowheads="1"/>
+          </p:cNvPicPr>
+          <p:nvPr/>
+        </p:nvPicPr>
+        <p:blipFill>
+          <a:blip r:embed="rId2">
+            <a:extLst>
+              <a:ext uri="{28A0092B-C50C-407E-A947-70E740481C1C}">
+                <a14:useLocalDpi xmlns:a14="http://schemas.microsoft.com/office/drawing/2010/main" val="0"/>
+              </a:ext>
+            </a:extLst>
+          </a:blip>
+          <a:stretch>
+            <a:fillRect/>
+          </a:stretch>
+        </p:blipFill>
+        <p:spPr bwMode="auto">
+          <a:xfrm>
+            <a:off x="633999" y="2163858"/>
+            <a:ext cx="4001315" cy="2000657"/>
+          </a:xfrm>
+          <a:prstGeom prst="rect">
+            <a:avLst/>
+          </a:prstGeom>
+          <a:noFill/>
+          <a:extLst>
+            <a:ext uri="{909E8E84-426E-40DD-AFC4-6F175D3DCCD1}">
+              <a14:hiddenFill xmlns:a14="http://schemas.microsoft.com/office/drawing/2010/main">
+                <a:solidFill>
+                  <a:srgbClr val="FFFFFF"/>
+                </a:solidFill>
+              </a14:hiddenFill>
+            </a:ext>
+          </a:extLst>
+        </p:spPr>
+      </p:pic>
     </p:spTree>
     <p:extLst>
       <p:ext uri="{BB962C8B-B14F-4D97-AF65-F5344CB8AC3E}">
@@ -24169,171 +27591,6 @@
           <a:chExt cx="0" cy="0"/>
         </a:xfrm>
       </p:grpSpPr>
-      <p:sp>
-        <p:nvSpPr>
-          <p:cNvPr id="18" name="Rectangle 17">
-            <a:extLst>
-              <a:ext uri="{FF2B5EF4-FFF2-40B4-BE49-F238E27FC236}">
-                <a16:creationId xmlns:a16="http://schemas.microsoft.com/office/drawing/2014/main" id="{36D16D1E-4205-49F5-BD2A-DA769947C104}"/>
-              </a:ext>
-              <a:ext uri="{C183D7F6-B498-43B3-948B-1728B52AA6E4}">
-                <adec:decorative xmlns:adec="http://schemas.microsoft.com/office/drawing/2017/decorative" val="1"/>
-              </a:ext>
-            </a:extLst>
-          </p:cNvPr>
-          <p:cNvSpPr>
-            <a:spLocks noGrp="1" noRot="1" noChangeAspect="1" noMove="1" noResize="1" noEditPoints="1" noAdjustHandles="1" noChangeArrowheads="1" noChangeShapeType="1" noTextEdit="1"/>
-          </p:cNvSpPr>
-          <p:nvPr>
-            <p:extLst>
-              <p:ext uri="{386F3935-93C4-4BCD-93E2-E3B085C9AB24}">
-                <p16:designElem xmlns:p16="http://schemas.microsoft.com/office/powerpoint/2015/main" val="1"/>
-              </p:ext>
-            </p:extLst>
-          </p:nvPr>
-        </p:nvSpPr>
-        <p:spPr>
-          <a:xfrm>
-            <a:off x="1" y="6400800"/>
-            <a:ext cx="12192000" cy="457200"/>
-          </a:xfrm>
-          <a:prstGeom prst="rect">
-            <a:avLst/>
-          </a:prstGeom>
-          <a:solidFill>
-            <a:schemeClr val="accent2"/>
-          </a:solidFill>
-          <a:ln>
-            <a:noFill/>
-          </a:ln>
-        </p:spPr>
-        <p:style>
-          <a:lnRef idx="2">
-            <a:schemeClr val="accent1">
-              <a:shade val="50000"/>
-            </a:schemeClr>
-          </a:lnRef>
-          <a:fillRef idx="1">
-            <a:schemeClr val="accent1"/>
-          </a:fillRef>
-          <a:effectRef idx="0">
-            <a:schemeClr val="accent1"/>
-          </a:effectRef>
-          <a:fontRef idx="minor">
-            <a:schemeClr val="lt1"/>
-          </a:fontRef>
-        </p:style>
-      </p:sp>
-      <p:sp>
-        <p:nvSpPr>
-          <p:cNvPr id="20" name="Rectangle 19">
-            <a:extLst>
-              <a:ext uri="{FF2B5EF4-FFF2-40B4-BE49-F238E27FC236}">
-                <a16:creationId xmlns:a16="http://schemas.microsoft.com/office/drawing/2014/main" id="{012FD100-C039-4E03-B5E4-2EDFA7290AA6}"/>
-              </a:ext>
-              <a:ext uri="{C183D7F6-B498-43B3-948B-1728B52AA6E4}">
-                <adec:decorative xmlns:adec="http://schemas.microsoft.com/office/drawing/2017/decorative" val="1"/>
-              </a:ext>
-            </a:extLst>
-          </p:cNvPr>
-          <p:cNvSpPr>
-            <a:spLocks noGrp="1" noRot="1" noChangeAspect="1" noMove="1" noResize="1" noEditPoints="1" noAdjustHandles="1" noChangeArrowheads="1" noChangeShapeType="1" noTextEdit="1"/>
-          </p:cNvSpPr>
-          <p:nvPr>
-            <p:extLst>
-              <p:ext uri="{386F3935-93C4-4BCD-93E2-E3B085C9AB24}">
-                <p16:designElem xmlns:p16="http://schemas.microsoft.com/office/powerpoint/2015/main" val="1"/>
-              </p:ext>
-            </p:extLst>
-          </p:nvPr>
-        </p:nvSpPr>
-        <p:spPr>
-          <a:xfrm>
-            <a:off x="0" y="6341936"/>
-            <a:ext cx="12192001" cy="65998"/>
-          </a:xfrm>
-          <a:prstGeom prst="rect">
-            <a:avLst/>
-          </a:prstGeom>
-          <a:solidFill>
-            <a:schemeClr val="accent1"/>
-          </a:solidFill>
-          <a:ln>
-            <a:noFill/>
-          </a:ln>
-        </p:spPr>
-        <p:style>
-          <a:lnRef idx="2">
-            <a:schemeClr val="accent1">
-              <a:shade val="50000"/>
-            </a:schemeClr>
-          </a:lnRef>
-          <a:fillRef idx="1">
-            <a:schemeClr val="accent1"/>
-          </a:fillRef>
-          <a:effectRef idx="0">
-            <a:schemeClr val="accent1"/>
-          </a:effectRef>
-          <a:fontRef idx="minor">
-            <a:schemeClr val="lt1"/>
-          </a:fontRef>
-        </p:style>
-      </p:sp>
-      <p:cxnSp>
-        <p:nvCxnSpPr>
-          <p:cNvPr id="22" name="Straight Connector 21">
-            <a:extLst>
-              <a:ext uri="{FF2B5EF4-FFF2-40B4-BE49-F238E27FC236}">
-                <a16:creationId xmlns:a16="http://schemas.microsoft.com/office/drawing/2014/main" id="{4418FCD2-8448-4A81-8EB4-72250F7827B4}"/>
-              </a:ext>
-              <a:ext uri="{C183D7F6-B498-43B3-948B-1728B52AA6E4}">
-                <adec:decorative xmlns:adec="http://schemas.microsoft.com/office/drawing/2017/decorative" val="1"/>
-              </a:ext>
-            </a:extLst>
-          </p:cNvPr>
-          <p:cNvCxnSpPr>
-            <a:cxnSpLocks noGrp="1" noRot="1" noChangeAspect="1" noMove="1" noResize="1" noEditPoints="1" noAdjustHandles="1" noChangeArrowheads="1" noChangeShapeType="1"/>
-          </p:cNvCxnSpPr>
-          <p:nvPr>
-            <p:extLst>
-              <p:ext uri="{386F3935-93C4-4BCD-93E2-E3B085C9AB24}">
-                <p16:designElem xmlns:p16="http://schemas.microsoft.com/office/powerpoint/2015/main" val="1"/>
-              </p:ext>
-            </p:extLst>
-          </p:nvPr>
-        </p:nvCxnSpPr>
-        <p:spPr>
-          <a:xfrm>
-            <a:off x="1193532" y="1737845"/>
-            <a:ext cx="9966960" cy="0"/>
-          </a:xfrm>
-          <a:prstGeom prst="line">
-            <a:avLst/>
-          </a:prstGeom>
-          <a:ln w="6350">
-            <a:solidFill>
-              <a:schemeClr val="tx1">
-                <a:lumMod val="50000"/>
-                <a:lumOff val="50000"/>
-              </a:schemeClr>
-            </a:solidFill>
-          </a:ln>
-        </p:spPr>
-        <p:style>
-          <a:lnRef idx="1">
-            <a:schemeClr val="accent1"/>
-          </a:lnRef>
-          <a:fillRef idx="0">
-            <a:schemeClr val="accent1"/>
-          </a:fillRef>
-          <a:effectRef idx="0">
-            <a:schemeClr val="accent1"/>
-          </a:effectRef>
-          <a:fontRef idx="minor">
-            <a:schemeClr val="tx1"/>
-          </a:fontRef>
-        </p:style>
-      </p:cxnSp>
       <p:sp>
         <p:nvSpPr>
           <p:cNvPr id="2" name="Title 1">
@@ -24442,171 +27699,6 @@
       </p:grpSpPr>
       <p:sp>
         <p:nvSpPr>
-          <p:cNvPr id="18" name="Rectangle 17">
-            <a:extLst>
-              <a:ext uri="{FF2B5EF4-FFF2-40B4-BE49-F238E27FC236}">
-                <a16:creationId xmlns:a16="http://schemas.microsoft.com/office/drawing/2014/main" id="{36D16D1E-4205-49F5-BD2A-DA769947C104}"/>
-              </a:ext>
-              <a:ext uri="{C183D7F6-B498-43B3-948B-1728B52AA6E4}">
-                <adec:decorative xmlns:adec="http://schemas.microsoft.com/office/drawing/2017/decorative" val="1"/>
-              </a:ext>
-            </a:extLst>
-          </p:cNvPr>
-          <p:cNvSpPr>
-            <a:spLocks noGrp="1" noRot="1" noChangeAspect="1" noMove="1" noResize="1" noEditPoints="1" noAdjustHandles="1" noChangeArrowheads="1" noChangeShapeType="1" noTextEdit="1"/>
-          </p:cNvSpPr>
-          <p:nvPr>
-            <p:extLst>
-              <p:ext uri="{386F3935-93C4-4BCD-93E2-E3B085C9AB24}">
-                <p16:designElem xmlns:p16="http://schemas.microsoft.com/office/powerpoint/2015/main" val="1"/>
-              </p:ext>
-            </p:extLst>
-          </p:nvPr>
-        </p:nvSpPr>
-        <p:spPr>
-          <a:xfrm>
-            <a:off x="1" y="6400800"/>
-            <a:ext cx="12192000" cy="457200"/>
-          </a:xfrm>
-          <a:prstGeom prst="rect">
-            <a:avLst/>
-          </a:prstGeom>
-          <a:solidFill>
-            <a:schemeClr val="accent2"/>
-          </a:solidFill>
-          <a:ln>
-            <a:noFill/>
-          </a:ln>
-        </p:spPr>
-        <p:style>
-          <a:lnRef idx="2">
-            <a:schemeClr val="accent1">
-              <a:shade val="50000"/>
-            </a:schemeClr>
-          </a:lnRef>
-          <a:fillRef idx="1">
-            <a:schemeClr val="accent1"/>
-          </a:fillRef>
-          <a:effectRef idx="0">
-            <a:schemeClr val="accent1"/>
-          </a:effectRef>
-          <a:fontRef idx="minor">
-            <a:schemeClr val="lt1"/>
-          </a:fontRef>
-        </p:style>
-      </p:sp>
-      <p:sp>
-        <p:nvSpPr>
-          <p:cNvPr id="20" name="Rectangle 19">
-            <a:extLst>
-              <a:ext uri="{FF2B5EF4-FFF2-40B4-BE49-F238E27FC236}">
-                <a16:creationId xmlns:a16="http://schemas.microsoft.com/office/drawing/2014/main" id="{012FD100-C039-4E03-B5E4-2EDFA7290AA6}"/>
-              </a:ext>
-              <a:ext uri="{C183D7F6-B498-43B3-948B-1728B52AA6E4}">
-                <adec:decorative xmlns:adec="http://schemas.microsoft.com/office/drawing/2017/decorative" val="1"/>
-              </a:ext>
-            </a:extLst>
-          </p:cNvPr>
-          <p:cNvSpPr>
-            <a:spLocks noGrp="1" noRot="1" noChangeAspect="1" noMove="1" noResize="1" noEditPoints="1" noAdjustHandles="1" noChangeArrowheads="1" noChangeShapeType="1" noTextEdit="1"/>
-          </p:cNvSpPr>
-          <p:nvPr>
-            <p:extLst>
-              <p:ext uri="{386F3935-93C4-4BCD-93E2-E3B085C9AB24}">
-                <p16:designElem xmlns:p16="http://schemas.microsoft.com/office/powerpoint/2015/main" val="1"/>
-              </p:ext>
-            </p:extLst>
-          </p:nvPr>
-        </p:nvSpPr>
-        <p:spPr>
-          <a:xfrm>
-            <a:off x="0" y="6341936"/>
-            <a:ext cx="12192001" cy="65998"/>
-          </a:xfrm>
-          <a:prstGeom prst="rect">
-            <a:avLst/>
-          </a:prstGeom>
-          <a:solidFill>
-            <a:schemeClr val="accent1"/>
-          </a:solidFill>
-          <a:ln>
-            <a:noFill/>
-          </a:ln>
-        </p:spPr>
-        <p:style>
-          <a:lnRef idx="2">
-            <a:schemeClr val="accent1">
-              <a:shade val="50000"/>
-            </a:schemeClr>
-          </a:lnRef>
-          <a:fillRef idx="1">
-            <a:schemeClr val="accent1"/>
-          </a:fillRef>
-          <a:effectRef idx="0">
-            <a:schemeClr val="accent1"/>
-          </a:effectRef>
-          <a:fontRef idx="minor">
-            <a:schemeClr val="lt1"/>
-          </a:fontRef>
-        </p:style>
-      </p:sp>
-      <p:cxnSp>
-        <p:nvCxnSpPr>
-          <p:cNvPr id="22" name="Straight Connector 21">
-            <a:extLst>
-              <a:ext uri="{FF2B5EF4-FFF2-40B4-BE49-F238E27FC236}">
-                <a16:creationId xmlns:a16="http://schemas.microsoft.com/office/drawing/2014/main" id="{4418FCD2-8448-4A81-8EB4-72250F7827B4}"/>
-              </a:ext>
-              <a:ext uri="{C183D7F6-B498-43B3-948B-1728B52AA6E4}">
-                <adec:decorative xmlns:adec="http://schemas.microsoft.com/office/drawing/2017/decorative" val="1"/>
-              </a:ext>
-            </a:extLst>
-          </p:cNvPr>
-          <p:cNvCxnSpPr>
-            <a:cxnSpLocks noGrp="1" noRot="1" noChangeAspect="1" noMove="1" noResize="1" noEditPoints="1" noAdjustHandles="1" noChangeArrowheads="1" noChangeShapeType="1"/>
-          </p:cNvCxnSpPr>
-          <p:nvPr>
-            <p:extLst>
-              <p:ext uri="{386F3935-93C4-4BCD-93E2-E3B085C9AB24}">
-                <p16:designElem xmlns:p16="http://schemas.microsoft.com/office/powerpoint/2015/main" val="1"/>
-              </p:ext>
-            </p:extLst>
-          </p:nvPr>
-        </p:nvCxnSpPr>
-        <p:spPr>
-          <a:xfrm>
-            <a:off x="1193532" y="1737845"/>
-            <a:ext cx="9966960" cy="0"/>
-          </a:xfrm>
-          <a:prstGeom prst="line">
-            <a:avLst/>
-          </a:prstGeom>
-          <a:ln w="6350">
-            <a:solidFill>
-              <a:schemeClr val="tx1">
-                <a:lumMod val="50000"/>
-                <a:lumOff val="50000"/>
-              </a:schemeClr>
-            </a:solidFill>
-          </a:ln>
-        </p:spPr>
-        <p:style>
-          <a:lnRef idx="1">
-            <a:schemeClr val="accent1"/>
-          </a:lnRef>
-          <a:fillRef idx="0">
-            <a:schemeClr val="accent1"/>
-          </a:fillRef>
-          <a:effectRef idx="0">
-            <a:schemeClr val="accent1"/>
-          </a:effectRef>
-          <a:fontRef idx="minor">
-            <a:schemeClr val="tx1"/>
-          </a:fontRef>
-        </p:style>
-      </p:cxnSp>
-      <p:sp>
-        <p:nvSpPr>
           <p:cNvPr id="2" name="Title 1">
             <a:extLst>
               <a:ext uri="{FF2B5EF4-FFF2-40B4-BE49-F238E27FC236}">
@@ -24673,6 +27765,52 @@
           </a:graphicData>
         </a:graphic>
       </p:graphicFrame>
+      <p:pic>
+        <p:nvPicPr>
+          <p:cNvPr id="7" name="Picture 2">
+            <a:extLst>
+              <a:ext uri="{FF2B5EF4-FFF2-40B4-BE49-F238E27FC236}">
+                <a16:creationId xmlns:a16="http://schemas.microsoft.com/office/drawing/2014/main" id="{1D9FFC81-40BD-44B3-B28F-17CE63CC3DBE}"/>
+              </a:ext>
+            </a:extLst>
+          </p:cNvPr>
+          <p:cNvPicPr>
+            <a:picLocks noChangeAspect="1" noChangeArrowheads="1"/>
+          </p:cNvPicPr>
+          <p:nvPr/>
+        </p:nvPicPr>
+        <p:blipFill>
+          <a:blip r:embed="rId7">
+            <a:extLst>
+              <a:ext uri="{28A0092B-C50C-407E-A947-70E740481C1C}">
+                <a14:useLocalDpi xmlns:a14="http://schemas.microsoft.com/office/drawing/2010/main" val="0"/>
+              </a:ext>
+            </a:extLst>
+          </a:blip>
+          <a:stretch>
+            <a:fillRect/>
+          </a:stretch>
+        </p:blipFill>
+        <p:spPr bwMode="auto">
+          <a:xfrm>
+            <a:off x="0" y="-11542"/>
+            <a:ext cx="1641902" cy="820951"/>
+          </a:xfrm>
+          <a:prstGeom prst="rect">
+            <a:avLst/>
+          </a:prstGeom>
+          <a:noFill/>
+          <a:extLst>
+            <a:ext uri="{909E8E84-426E-40DD-AFC4-6F175D3DCCD1}">
+              <a14:hiddenFill xmlns:a14="http://schemas.microsoft.com/office/drawing/2010/main">
+                <a:solidFill>
+                  <a:srgbClr val="FFFFFF"/>
+                </a:solidFill>
+              </a14:hiddenFill>
+            </a:ext>
+          </a:extLst>
+        </p:spPr>
+      </p:pic>
     </p:spTree>
     <p:extLst>
       <p:ext uri="{BB962C8B-B14F-4D97-AF65-F5344CB8AC3E}">
@@ -24689,6 +27827,14 @@
 <file path=ppt/slides/slide12.xml><?xml version="1.0" encoding="utf-8"?>
 <p:sld xmlns:a="http://schemas.openxmlformats.org/drawingml/2006/main" xmlns:r="http://schemas.openxmlformats.org/officeDocument/2006/relationships" xmlns:p="http://schemas.openxmlformats.org/presentationml/2006/main">
   <p:cSld>
+    <p:bg>
+      <p:bgPr>
+        <a:solidFill>
+          <a:schemeClr val="bg1"/>
+        </a:solidFill>
+        <a:effectLst/>
+      </p:bgPr>
+    </p:bg>
     <p:spTree>
       <p:nvGrpSpPr>
         <p:cNvPr id="1" name=""/>
@@ -24719,13 +27865,20 @@
             <p:ph type="title"/>
           </p:nvPr>
         </p:nvSpPr>
-        <p:spPr/>
+        <p:spPr>
+          <a:xfrm>
+            <a:off x="5289754" y="639097"/>
+            <a:ext cx="6253317" cy="3686015"/>
+          </a:xfrm>
+        </p:spPr>
         <p:txBody>
-          <a:bodyPr/>
+          <a:bodyPr vert="horz" lIns="91440" tIns="45720" rIns="91440" bIns="45720" rtlCol="0" anchor="b">
+            <a:normAutofit/>
+          </a:bodyPr>
           <a:lstStyle/>
           <a:p>
             <a:r>
-              <a:rPr lang="en-GB" dirty="0"/>
+              <a:rPr lang="en-US"/>
               <a:t>Continuous Delivery</a:t>
             </a:r>
           </a:p>
@@ -24747,15 +27900,75 @@
             <p:ph type="body" idx="1"/>
           </p:nvPr>
         </p:nvSpPr>
-        <p:spPr/>
+        <p:spPr>
+          <a:xfrm>
+            <a:off x="5289753" y="4455621"/>
+            <a:ext cx="6269347" cy="1238616"/>
+          </a:xfrm>
+        </p:spPr>
         <p:txBody>
-          <a:bodyPr/>
+          <a:bodyPr vert="horz" lIns="91440" tIns="45720" rIns="91440" bIns="45720" rtlCol="0">
+            <a:normAutofit/>
+          </a:bodyPr>
           <a:lstStyle/>
           <a:p>
-            <a:endParaRPr lang="en-GB"/>
+            <a:endParaRPr lang="en-US">
+              <a:solidFill>
+                <a:schemeClr val="tx1">
+                  <a:lumMod val="85000"/>
+                  <a:lumOff val="15000"/>
+                </a:schemeClr>
+              </a:solidFill>
+            </a:endParaRPr>
           </a:p>
         </p:txBody>
       </p:sp>
+      <p:pic>
+        <p:nvPicPr>
+          <p:cNvPr id="4" name="Picture 2">
+            <a:extLst>
+              <a:ext uri="{FF2B5EF4-FFF2-40B4-BE49-F238E27FC236}">
+                <a16:creationId xmlns:a16="http://schemas.microsoft.com/office/drawing/2014/main" id="{55B52365-C44E-4066-BC24-D2740D4D81FA}"/>
+              </a:ext>
+            </a:extLst>
+          </p:cNvPr>
+          <p:cNvPicPr>
+            <a:picLocks noChangeAspect="1" noChangeArrowheads="1"/>
+          </p:cNvPicPr>
+          <p:nvPr/>
+        </p:nvPicPr>
+        <p:blipFill>
+          <a:blip r:embed="rId2">
+            <a:extLst>
+              <a:ext uri="{28A0092B-C50C-407E-A947-70E740481C1C}">
+                <a14:useLocalDpi xmlns:a14="http://schemas.microsoft.com/office/drawing/2010/main" val="0"/>
+              </a:ext>
+            </a:extLst>
+          </a:blip>
+          <a:stretch>
+            <a:fillRect/>
+          </a:stretch>
+        </p:blipFill>
+        <p:spPr bwMode="auto">
+          <a:xfrm>
+            <a:off x="633999" y="2163858"/>
+            <a:ext cx="4001315" cy="2000657"/>
+          </a:xfrm>
+          <a:prstGeom prst="rect">
+            <a:avLst/>
+          </a:prstGeom>
+          <a:noFill/>
+          <a:extLst>
+            <a:ext uri="{909E8E84-426E-40DD-AFC4-6F175D3DCCD1}">
+              <a14:hiddenFill xmlns:a14="http://schemas.microsoft.com/office/drawing/2010/main">
+                <a:solidFill>
+                  <a:srgbClr val="FFFFFF"/>
+                </a:solidFill>
+              </a14:hiddenFill>
+            </a:ext>
+          </a:extLst>
+        </p:spPr>
+      </p:pic>
     </p:spTree>
     <p:extLst>
       <p:ext uri="{BB962C8B-B14F-4D97-AF65-F5344CB8AC3E}">
@@ -24794,171 +28007,6 @@
           <a:chExt cx="0" cy="0"/>
         </a:xfrm>
       </p:grpSpPr>
-      <p:sp>
-        <p:nvSpPr>
-          <p:cNvPr id="24" name="Rectangle 8">
-            <a:extLst>
-              <a:ext uri="{FF2B5EF4-FFF2-40B4-BE49-F238E27FC236}">
-                <a16:creationId xmlns:a16="http://schemas.microsoft.com/office/drawing/2014/main" id="{7D379150-F6B4-45C8-BE10-6B278AD400EB}"/>
-              </a:ext>
-              <a:ext uri="{C183D7F6-B498-43B3-948B-1728B52AA6E4}">
-                <adec:decorative xmlns:adec="http://schemas.microsoft.com/office/drawing/2017/decorative" val="1"/>
-              </a:ext>
-            </a:extLst>
-          </p:cNvPr>
-          <p:cNvSpPr>
-            <a:spLocks noGrp="1" noRot="1" noChangeAspect="1" noMove="1" noResize="1" noEditPoints="1" noAdjustHandles="1" noChangeArrowheads="1" noChangeShapeType="1" noTextEdit="1"/>
-          </p:cNvSpPr>
-          <p:nvPr>
-            <p:extLst>
-              <p:ext uri="{386F3935-93C4-4BCD-93E2-E3B085C9AB24}">
-                <p16:designElem xmlns:p16="http://schemas.microsoft.com/office/powerpoint/2015/main" val="1"/>
-              </p:ext>
-            </p:extLst>
-          </p:nvPr>
-        </p:nvSpPr>
-        <p:spPr>
-          <a:xfrm>
-            <a:off x="1" y="6400800"/>
-            <a:ext cx="12192000" cy="457200"/>
-          </a:xfrm>
-          <a:prstGeom prst="rect">
-            <a:avLst/>
-          </a:prstGeom>
-          <a:solidFill>
-            <a:schemeClr val="accent2"/>
-          </a:solidFill>
-          <a:ln>
-            <a:noFill/>
-          </a:ln>
-        </p:spPr>
-        <p:style>
-          <a:lnRef idx="2">
-            <a:schemeClr val="accent1">
-              <a:shade val="50000"/>
-            </a:schemeClr>
-          </a:lnRef>
-          <a:fillRef idx="1">
-            <a:schemeClr val="accent1"/>
-          </a:fillRef>
-          <a:effectRef idx="0">
-            <a:schemeClr val="accent1"/>
-          </a:effectRef>
-          <a:fontRef idx="minor">
-            <a:schemeClr val="lt1"/>
-          </a:fontRef>
-        </p:style>
-      </p:sp>
-      <p:sp>
-        <p:nvSpPr>
-          <p:cNvPr id="25" name="Rectangle 10">
-            <a:extLst>
-              <a:ext uri="{FF2B5EF4-FFF2-40B4-BE49-F238E27FC236}">
-                <a16:creationId xmlns:a16="http://schemas.microsoft.com/office/drawing/2014/main" id="{5FFCF544-A370-4A5D-A95F-CA6E0E7191E6}"/>
-              </a:ext>
-              <a:ext uri="{C183D7F6-B498-43B3-948B-1728B52AA6E4}">
-                <adec:decorative xmlns:adec="http://schemas.microsoft.com/office/drawing/2017/decorative" val="1"/>
-              </a:ext>
-            </a:extLst>
-          </p:cNvPr>
-          <p:cNvSpPr>
-            <a:spLocks noGrp="1" noRot="1" noChangeAspect="1" noMove="1" noResize="1" noEditPoints="1" noAdjustHandles="1" noChangeArrowheads="1" noChangeShapeType="1" noTextEdit="1"/>
-          </p:cNvSpPr>
-          <p:nvPr>
-            <p:extLst>
-              <p:ext uri="{386F3935-93C4-4BCD-93E2-E3B085C9AB24}">
-                <p16:designElem xmlns:p16="http://schemas.microsoft.com/office/powerpoint/2015/main" val="1"/>
-              </p:ext>
-            </p:extLst>
-          </p:nvPr>
-        </p:nvSpPr>
-        <p:spPr>
-          <a:xfrm>
-            <a:off x="0" y="6334316"/>
-            <a:ext cx="12192001" cy="65998"/>
-          </a:xfrm>
-          <a:prstGeom prst="rect">
-            <a:avLst/>
-          </a:prstGeom>
-          <a:solidFill>
-            <a:schemeClr val="accent1"/>
-          </a:solidFill>
-          <a:ln>
-            <a:noFill/>
-          </a:ln>
-        </p:spPr>
-        <p:style>
-          <a:lnRef idx="2">
-            <a:schemeClr val="accent1">
-              <a:shade val="50000"/>
-            </a:schemeClr>
-          </a:lnRef>
-          <a:fillRef idx="1">
-            <a:schemeClr val="accent1"/>
-          </a:fillRef>
-          <a:effectRef idx="0">
-            <a:schemeClr val="accent1"/>
-          </a:effectRef>
-          <a:fontRef idx="minor">
-            <a:schemeClr val="lt1"/>
-          </a:fontRef>
-        </p:style>
-      </p:sp>
-      <p:cxnSp>
-        <p:nvCxnSpPr>
-          <p:cNvPr id="26" name="Straight Connector 12">
-            <a:extLst>
-              <a:ext uri="{FF2B5EF4-FFF2-40B4-BE49-F238E27FC236}">
-                <a16:creationId xmlns:a16="http://schemas.microsoft.com/office/drawing/2014/main" id="{6EEB3B97-A638-498B-8083-54191CE71E01}"/>
-              </a:ext>
-              <a:ext uri="{C183D7F6-B498-43B3-948B-1728B52AA6E4}">
-                <adec:decorative xmlns:adec="http://schemas.microsoft.com/office/drawing/2017/decorative" val="1"/>
-              </a:ext>
-            </a:extLst>
-          </p:cNvPr>
-          <p:cNvCxnSpPr>
-            <a:cxnSpLocks noGrp="1" noRot="1" noChangeAspect="1" noMove="1" noResize="1" noEditPoints="1" noAdjustHandles="1" noChangeArrowheads="1" noChangeShapeType="1"/>
-          </p:cNvCxnSpPr>
-          <p:nvPr>
-            <p:extLst>
-              <p:ext uri="{386F3935-93C4-4BCD-93E2-E3B085C9AB24}">
-                <p16:designElem xmlns:p16="http://schemas.microsoft.com/office/powerpoint/2015/main" val="1"/>
-              </p:ext>
-            </p:extLst>
-          </p:nvPr>
-        </p:nvCxnSpPr>
-        <p:spPr>
-          <a:xfrm>
-            <a:off x="1193532" y="1737845"/>
-            <a:ext cx="9966960" cy="0"/>
-          </a:xfrm>
-          <a:prstGeom prst="line">
-            <a:avLst/>
-          </a:prstGeom>
-          <a:ln w="6350">
-            <a:solidFill>
-              <a:schemeClr val="tx1">
-                <a:lumMod val="50000"/>
-                <a:lumOff val="50000"/>
-              </a:schemeClr>
-            </a:solidFill>
-          </a:ln>
-        </p:spPr>
-        <p:style>
-          <a:lnRef idx="1">
-            <a:schemeClr val="accent1"/>
-          </a:lnRef>
-          <a:fillRef idx="0">
-            <a:schemeClr val="accent1"/>
-          </a:fillRef>
-          <a:effectRef idx="0">
-            <a:schemeClr val="accent1"/>
-          </a:effectRef>
-          <a:fontRef idx="minor">
-            <a:schemeClr val="tx1"/>
-          </a:fontRef>
-        </p:style>
-      </p:cxnSp>
       <p:sp>
         <p:nvSpPr>
           <p:cNvPr id="2" name="Title 1">
@@ -25150,6 +28198,52 @@
             <a:avLst/>
           </a:prstGeom>
           <a:noFill/>
+        </p:spPr>
+      </p:pic>
+      <p:pic>
+        <p:nvPicPr>
+          <p:cNvPr id="8" name="Picture 2">
+            <a:extLst>
+              <a:ext uri="{FF2B5EF4-FFF2-40B4-BE49-F238E27FC236}">
+                <a16:creationId xmlns:a16="http://schemas.microsoft.com/office/drawing/2014/main" id="{8C950810-8694-4723-8D8A-B5CEF87B45DC}"/>
+              </a:ext>
+            </a:extLst>
+          </p:cNvPr>
+          <p:cNvPicPr>
+            <a:picLocks noChangeAspect="1" noChangeArrowheads="1"/>
+          </p:cNvPicPr>
+          <p:nvPr/>
+        </p:nvPicPr>
+        <p:blipFill>
+          <a:blip r:embed="rId3">
+            <a:extLst>
+              <a:ext uri="{28A0092B-C50C-407E-A947-70E740481C1C}">
+                <a14:useLocalDpi xmlns:a14="http://schemas.microsoft.com/office/drawing/2010/main" val="0"/>
+              </a:ext>
+            </a:extLst>
+          </a:blip>
+          <a:stretch>
+            <a:fillRect/>
+          </a:stretch>
+        </p:blipFill>
+        <p:spPr bwMode="auto">
+          <a:xfrm>
+            <a:off x="0" y="-11542"/>
+            <a:ext cx="1641902" cy="820951"/>
+          </a:xfrm>
+          <a:prstGeom prst="rect">
+            <a:avLst/>
+          </a:prstGeom>
+          <a:noFill/>
+          <a:extLst>
+            <a:ext uri="{909E8E84-426E-40DD-AFC4-6F175D3DCCD1}">
+              <a14:hiddenFill xmlns:a14="http://schemas.microsoft.com/office/drawing/2010/main">
+                <a:solidFill>
+                  <a:srgbClr val="FFFFFF"/>
+                </a:solidFill>
+              </a14:hiddenFill>
+            </a:ext>
+          </a:extLst>
         </p:spPr>
       </p:pic>
     </p:spTree>
@@ -25683,6 +28777,52 @@
           </a:p>
         </p:txBody>
       </p:sp>
+      <p:pic>
+        <p:nvPicPr>
+          <p:cNvPr id="5" name="Picture 2">
+            <a:extLst>
+              <a:ext uri="{FF2B5EF4-FFF2-40B4-BE49-F238E27FC236}">
+                <a16:creationId xmlns:a16="http://schemas.microsoft.com/office/drawing/2014/main" id="{7F41DE53-9BBC-4EB6-9AA6-5082D332A361}"/>
+              </a:ext>
+            </a:extLst>
+          </p:cNvPr>
+          <p:cNvPicPr>
+            <a:picLocks noChangeAspect="1" noChangeArrowheads="1"/>
+          </p:cNvPicPr>
+          <p:nvPr/>
+        </p:nvPicPr>
+        <p:blipFill>
+          <a:blip r:embed="rId2">
+            <a:extLst>
+              <a:ext uri="{28A0092B-C50C-407E-A947-70E740481C1C}">
+                <a14:useLocalDpi xmlns:a14="http://schemas.microsoft.com/office/drawing/2010/main" val="0"/>
+              </a:ext>
+            </a:extLst>
+          </a:blip>
+          <a:stretch>
+            <a:fillRect/>
+          </a:stretch>
+        </p:blipFill>
+        <p:spPr bwMode="auto">
+          <a:xfrm>
+            <a:off x="0" y="-11542"/>
+            <a:ext cx="1641902" cy="820951"/>
+          </a:xfrm>
+          <a:prstGeom prst="rect">
+            <a:avLst/>
+          </a:prstGeom>
+          <a:noFill/>
+          <a:extLst>
+            <a:ext uri="{909E8E84-426E-40DD-AFC4-6F175D3DCCD1}">
+              <a14:hiddenFill xmlns:a14="http://schemas.microsoft.com/office/drawing/2010/main">
+                <a:solidFill>
+                  <a:srgbClr val="FFFFFF"/>
+                </a:solidFill>
+              </a14:hiddenFill>
+            </a:ext>
+          </a:extLst>
+        </p:spPr>
+      </p:pic>
     </p:spTree>
     <p:extLst>
       <p:ext uri="{BB962C8B-B14F-4D97-AF65-F5344CB8AC3E}">
@@ -25721,171 +28861,6 @@
           <a:chExt cx="0" cy="0"/>
         </a:xfrm>
       </p:grpSpPr>
-      <p:sp>
-        <p:nvSpPr>
-          <p:cNvPr id="9" name="Rectangle 8">
-            <a:extLst>
-              <a:ext uri="{FF2B5EF4-FFF2-40B4-BE49-F238E27FC236}">
-                <a16:creationId xmlns:a16="http://schemas.microsoft.com/office/drawing/2014/main" id="{600B5AE2-C5CC-499C-8F2D-249888BE22C2}"/>
-              </a:ext>
-              <a:ext uri="{C183D7F6-B498-43B3-948B-1728B52AA6E4}">
-                <adec:decorative xmlns:adec="http://schemas.microsoft.com/office/drawing/2017/decorative" val="1"/>
-              </a:ext>
-            </a:extLst>
-          </p:cNvPr>
-          <p:cNvSpPr>
-            <a:spLocks noGrp="1" noRot="1" noChangeAspect="1" noMove="1" noResize="1" noEditPoints="1" noAdjustHandles="1" noChangeArrowheads="1" noChangeShapeType="1" noTextEdit="1"/>
-          </p:cNvSpPr>
-          <p:nvPr>
-            <p:extLst>
-              <p:ext uri="{386F3935-93C4-4BCD-93E2-E3B085C9AB24}">
-                <p16:designElem xmlns:p16="http://schemas.microsoft.com/office/powerpoint/2015/main" val="1"/>
-              </p:ext>
-            </p:extLst>
-          </p:nvPr>
-        </p:nvSpPr>
-        <p:spPr>
-          <a:xfrm>
-            <a:off x="1" y="6400800"/>
-            <a:ext cx="12192000" cy="457200"/>
-          </a:xfrm>
-          <a:prstGeom prst="rect">
-            <a:avLst/>
-          </a:prstGeom>
-          <a:solidFill>
-            <a:schemeClr val="accent2"/>
-          </a:solidFill>
-          <a:ln>
-            <a:noFill/>
-          </a:ln>
-        </p:spPr>
-        <p:style>
-          <a:lnRef idx="2">
-            <a:schemeClr val="accent1">
-              <a:shade val="50000"/>
-            </a:schemeClr>
-          </a:lnRef>
-          <a:fillRef idx="1">
-            <a:schemeClr val="accent1"/>
-          </a:fillRef>
-          <a:effectRef idx="0">
-            <a:schemeClr val="accent1"/>
-          </a:effectRef>
-          <a:fontRef idx="minor">
-            <a:schemeClr val="lt1"/>
-          </a:fontRef>
-        </p:style>
-      </p:sp>
-      <p:sp>
-        <p:nvSpPr>
-          <p:cNvPr id="11" name="Rectangle 10">
-            <a:extLst>
-              <a:ext uri="{FF2B5EF4-FFF2-40B4-BE49-F238E27FC236}">
-                <a16:creationId xmlns:a16="http://schemas.microsoft.com/office/drawing/2014/main" id="{BA7A3698-B350-40E5-8475-9BCC41A089FC}"/>
-              </a:ext>
-              <a:ext uri="{C183D7F6-B498-43B3-948B-1728B52AA6E4}">
-                <adec:decorative xmlns:adec="http://schemas.microsoft.com/office/drawing/2017/decorative" val="1"/>
-              </a:ext>
-            </a:extLst>
-          </p:cNvPr>
-          <p:cNvSpPr>
-            <a:spLocks noGrp="1" noRot="1" noChangeAspect="1" noMove="1" noResize="1" noEditPoints="1" noAdjustHandles="1" noChangeArrowheads="1" noChangeShapeType="1" noTextEdit="1"/>
-          </p:cNvSpPr>
-          <p:nvPr>
-            <p:extLst>
-              <p:ext uri="{386F3935-93C4-4BCD-93E2-E3B085C9AB24}">
-                <p16:designElem xmlns:p16="http://schemas.microsoft.com/office/powerpoint/2015/main" val="1"/>
-              </p:ext>
-            </p:extLst>
-          </p:nvPr>
-        </p:nvSpPr>
-        <p:spPr>
-          <a:xfrm>
-            <a:off x="0" y="6334316"/>
-            <a:ext cx="12192001" cy="65998"/>
-          </a:xfrm>
-          <a:prstGeom prst="rect">
-            <a:avLst/>
-          </a:prstGeom>
-          <a:solidFill>
-            <a:schemeClr val="accent1"/>
-          </a:solidFill>
-          <a:ln>
-            <a:noFill/>
-          </a:ln>
-        </p:spPr>
-        <p:style>
-          <a:lnRef idx="2">
-            <a:schemeClr val="accent1">
-              <a:shade val="50000"/>
-            </a:schemeClr>
-          </a:lnRef>
-          <a:fillRef idx="1">
-            <a:schemeClr val="accent1"/>
-          </a:fillRef>
-          <a:effectRef idx="0">
-            <a:schemeClr val="accent1"/>
-          </a:effectRef>
-          <a:fontRef idx="minor">
-            <a:schemeClr val="lt1"/>
-          </a:fontRef>
-        </p:style>
-      </p:sp>
-      <p:cxnSp>
-        <p:nvCxnSpPr>
-          <p:cNvPr id="13" name="Straight Connector 12">
-            <a:extLst>
-              <a:ext uri="{FF2B5EF4-FFF2-40B4-BE49-F238E27FC236}">
-                <a16:creationId xmlns:a16="http://schemas.microsoft.com/office/drawing/2014/main" id="{0AC655C7-EC94-4BE6-84C8-2F9EFBBB2789}"/>
-              </a:ext>
-              <a:ext uri="{C183D7F6-B498-43B3-948B-1728B52AA6E4}">
-                <adec:decorative xmlns:adec="http://schemas.microsoft.com/office/drawing/2017/decorative" val="1"/>
-              </a:ext>
-            </a:extLst>
-          </p:cNvPr>
-          <p:cNvCxnSpPr>
-            <a:cxnSpLocks noGrp="1" noRot="1" noChangeAspect="1" noMove="1" noResize="1" noEditPoints="1" noAdjustHandles="1" noChangeArrowheads="1" noChangeShapeType="1"/>
-          </p:cNvCxnSpPr>
-          <p:nvPr>
-            <p:extLst>
-              <p:ext uri="{386F3935-93C4-4BCD-93E2-E3B085C9AB24}">
-                <p16:designElem xmlns:p16="http://schemas.microsoft.com/office/powerpoint/2015/main" val="1"/>
-              </p:ext>
-            </p:extLst>
-          </p:nvPr>
-        </p:nvCxnSpPr>
-        <p:spPr>
-          <a:xfrm>
-            <a:off x="1193532" y="1737845"/>
-            <a:ext cx="9966960" cy="0"/>
-          </a:xfrm>
-          <a:prstGeom prst="line">
-            <a:avLst/>
-          </a:prstGeom>
-          <a:ln w="6350">
-            <a:solidFill>
-              <a:schemeClr val="tx1">
-                <a:lumMod val="50000"/>
-                <a:lumOff val="50000"/>
-              </a:schemeClr>
-            </a:solidFill>
-          </a:ln>
-        </p:spPr>
-        <p:style>
-          <a:lnRef idx="1">
-            <a:schemeClr val="accent1"/>
-          </a:lnRef>
-          <a:fillRef idx="0">
-            <a:schemeClr val="accent1"/>
-          </a:fillRef>
-          <a:effectRef idx="0">
-            <a:schemeClr val="accent1"/>
-          </a:effectRef>
-          <a:fontRef idx="minor">
-            <a:schemeClr val="tx1"/>
-          </a:fontRef>
-        </p:style>
-      </p:cxnSp>
       <p:sp>
         <p:nvSpPr>
           <p:cNvPr id="2" name="Title 1">
@@ -26207,6 +29182,52 @@
           <a:prstGeom prst="rect">
             <a:avLst/>
           </a:prstGeom>
+        </p:spPr>
+      </p:pic>
+      <p:pic>
+        <p:nvPicPr>
+          <p:cNvPr id="14" name="Picture 2">
+            <a:extLst>
+              <a:ext uri="{FF2B5EF4-FFF2-40B4-BE49-F238E27FC236}">
+                <a16:creationId xmlns:a16="http://schemas.microsoft.com/office/drawing/2014/main" id="{03B467A4-ACE5-4996-A2EF-4BBC0F4A71F3}"/>
+              </a:ext>
+            </a:extLst>
+          </p:cNvPr>
+          <p:cNvPicPr>
+            <a:picLocks noChangeAspect="1" noChangeArrowheads="1"/>
+          </p:cNvPicPr>
+          <p:nvPr/>
+        </p:nvPicPr>
+        <p:blipFill>
+          <a:blip r:embed="rId14">
+            <a:extLst>
+              <a:ext uri="{28A0092B-C50C-407E-A947-70E740481C1C}">
+                <a14:useLocalDpi xmlns:a14="http://schemas.microsoft.com/office/drawing/2010/main" val="0"/>
+              </a:ext>
+            </a:extLst>
+          </a:blip>
+          <a:stretch>
+            <a:fillRect/>
+          </a:stretch>
+        </p:blipFill>
+        <p:spPr bwMode="auto">
+          <a:xfrm>
+            <a:off x="0" y="-11542"/>
+            <a:ext cx="1641902" cy="820951"/>
+          </a:xfrm>
+          <a:prstGeom prst="rect">
+            <a:avLst/>
+          </a:prstGeom>
+          <a:noFill/>
+          <a:extLst>
+            <a:ext uri="{909E8E84-426E-40DD-AFC4-6F175D3DCCD1}">
+              <a14:hiddenFill xmlns:a14="http://schemas.microsoft.com/office/drawing/2010/main">
+                <a:solidFill>
+                  <a:srgbClr val="FFFFFF"/>
+                </a:solidFill>
+              </a14:hiddenFill>
+            </a:ext>
+          </a:extLst>
         </p:spPr>
       </p:pic>
     </p:spTree>
@@ -26894,6 +29915,52 @@
           </a:prstGeom>
         </p:spPr>
       </p:pic>
+      <p:pic>
+        <p:nvPicPr>
+          <p:cNvPr id="22" name="Picture 2">
+            <a:extLst>
+              <a:ext uri="{FF2B5EF4-FFF2-40B4-BE49-F238E27FC236}">
+                <a16:creationId xmlns:a16="http://schemas.microsoft.com/office/drawing/2014/main" id="{CEF043CC-F38B-499D-BA04-58DD95CD8F98}"/>
+              </a:ext>
+            </a:extLst>
+          </p:cNvPr>
+          <p:cNvPicPr>
+            <a:picLocks noChangeAspect="1" noChangeArrowheads="1"/>
+          </p:cNvPicPr>
+          <p:nvPr/>
+        </p:nvPicPr>
+        <p:blipFill>
+          <a:blip r:embed="rId15">
+            <a:extLst>
+              <a:ext uri="{28A0092B-C50C-407E-A947-70E740481C1C}">
+                <a14:useLocalDpi xmlns:a14="http://schemas.microsoft.com/office/drawing/2010/main" val="0"/>
+              </a:ext>
+            </a:extLst>
+          </a:blip>
+          <a:stretch>
+            <a:fillRect/>
+          </a:stretch>
+        </p:blipFill>
+        <p:spPr bwMode="auto">
+          <a:xfrm>
+            <a:off x="0" y="-11542"/>
+            <a:ext cx="1641902" cy="820951"/>
+          </a:xfrm>
+          <a:prstGeom prst="rect">
+            <a:avLst/>
+          </a:prstGeom>
+          <a:noFill/>
+          <a:extLst>
+            <a:ext uri="{909E8E84-426E-40DD-AFC4-6F175D3DCCD1}">
+              <a14:hiddenFill xmlns:a14="http://schemas.microsoft.com/office/drawing/2010/main">
+                <a:solidFill>
+                  <a:srgbClr val="FFFFFF"/>
+                </a:solidFill>
+              </a14:hiddenFill>
+            </a:ext>
+          </a:extLst>
+        </p:spPr>
+      </p:pic>
     </p:spTree>
     <p:extLst>
       <p:ext uri="{BB962C8B-B14F-4D97-AF65-F5344CB8AC3E}">
@@ -26908,6 +29975,644 @@
 </file>
 
 <file path=ppt/slides/slide17.xml><?xml version="1.0" encoding="utf-8"?>
+<p:sld xmlns:a="http://schemas.openxmlformats.org/drawingml/2006/main" xmlns:r="http://schemas.openxmlformats.org/officeDocument/2006/relationships" xmlns:p="http://schemas.openxmlformats.org/presentationml/2006/main">
+  <p:cSld>
+    <p:spTree>
+      <p:nvGrpSpPr>
+        <p:cNvPr id="1" name=""/>
+        <p:cNvGrpSpPr/>
+        <p:nvPr/>
+      </p:nvGrpSpPr>
+      <p:grpSpPr>
+        <a:xfrm>
+          <a:off x="0" y="0"/>
+          <a:ext cx="0" cy="0"/>
+          <a:chOff x="0" y="0"/>
+          <a:chExt cx="0" cy="0"/>
+        </a:xfrm>
+      </p:grpSpPr>
+      <p:sp>
+        <p:nvSpPr>
+          <p:cNvPr id="2" name="Title 1">
+            <a:extLst>
+              <a:ext uri="{FF2B5EF4-FFF2-40B4-BE49-F238E27FC236}">
+                <a16:creationId xmlns:a16="http://schemas.microsoft.com/office/drawing/2014/main" id="{ECC491FD-2C12-4401-BBEE-EF0D2D7F7653}"/>
+              </a:ext>
+            </a:extLst>
+          </p:cNvPr>
+          <p:cNvSpPr>
+            <a:spLocks noGrp="1"/>
+          </p:cNvSpPr>
+          <p:nvPr>
+            <p:ph type="title"/>
+          </p:nvPr>
+        </p:nvSpPr>
+        <p:spPr>
+          <a:xfrm>
+            <a:off x="1053163" y="959795"/>
+            <a:ext cx="11360800" cy="763600"/>
+          </a:xfrm>
+        </p:spPr>
+        <p:txBody>
+          <a:bodyPr/>
+          <a:lstStyle/>
+          <a:p>
+            <a:r>
+              <a:rPr lang="en-GB" dirty="0"/>
+              <a:t>Demonstration</a:t>
+            </a:r>
+          </a:p>
+        </p:txBody>
+      </p:sp>
+      <p:sp>
+        <p:nvSpPr>
+          <p:cNvPr id="3" name="Text Placeholder 2">
+            <a:extLst>
+              <a:ext uri="{FF2B5EF4-FFF2-40B4-BE49-F238E27FC236}">
+                <a16:creationId xmlns:a16="http://schemas.microsoft.com/office/drawing/2014/main" id="{EBF0483C-5747-4886-9B62-D4C71A0D8A43}"/>
+              </a:ext>
+            </a:extLst>
+          </p:cNvPr>
+          <p:cNvSpPr>
+            <a:spLocks noGrp="1"/>
+          </p:cNvSpPr>
+          <p:nvPr>
+            <p:ph type="body" idx="1"/>
+          </p:nvPr>
+        </p:nvSpPr>
+        <p:spPr>
+          <a:xfrm>
+            <a:off x="415600" y="1776778"/>
+            <a:ext cx="11360800" cy="4555200"/>
+          </a:xfrm>
+        </p:spPr>
+        <p:txBody>
+          <a:bodyPr/>
+          <a:lstStyle/>
+          <a:p>
+            <a:pPr>
+              <a:buBlip>
+                <a:blip r:embed="rId2"/>
+              </a:buBlip>
+            </a:pPr>
+            <a:r>
+              <a:rPr lang="en-GB" dirty="0"/>
+              <a:t>The IDE VM</a:t>
+            </a:r>
+          </a:p>
+          <a:p>
+            <a:pPr lvl="1">
+              <a:buBlip>
+                <a:blip r:embed="rId2"/>
+              </a:buBlip>
+            </a:pPr>
+            <a:r>
+              <a:rPr lang="en-GB" dirty="0"/>
+              <a:t>Eclipse development – Spring Boot</a:t>
+            </a:r>
+          </a:p>
+          <a:p>
+            <a:pPr lvl="1">
+              <a:buBlip>
+                <a:blip r:embed="rId2"/>
+              </a:buBlip>
+            </a:pPr>
+            <a:r>
+              <a:rPr lang="en-GB" dirty="0" err="1"/>
+              <a:t>Jenkinsfile</a:t>
+            </a:r>
+            <a:endParaRPr lang="en-GB" dirty="0"/>
+          </a:p>
+          <a:p>
+            <a:pPr lvl="1">
+              <a:buBlip>
+                <a:blip r:embed="rId2"/>
+              </a:buBlip>
+            </a:pPr>
+            <a:endParaRPr lang="en-GB" dirty="0"/>
+          </a:p>
+          <a:p>
+            <a:pPr>
+              <a:buBlip>
+                <a:blip r:embed="rId2"/>
+              </a:buBlip>
+            </a:pPr>
+            <a:r>
+              <a:rPr lang="en-GB" dirty="0"/>
+              <a:t>The OCP VM</a:t>
+            </a:r>
+          </a:p>
+          <a:p>
+            <a:pPr lvl="1">
+              <a:buBlip>
+                <a:blip r:embed="rId2"/>
+              </a:buBlip>
+            </a:pPr>
+            <a:r>
+              <a:rPr lang="en-GB" dirty="0"/>
+              <a:t>OpenShift console</a:t>
+            </a:r>
+          </a:p>
+          <a:p>
+            <a:pPr lvl="1">
+              <a:buBlip>
+                <a:blip r:embed="rId2"/>
+              </a:buBlip>
+            </a:pPr>
+            <a:r>
+              <a:rPr lang="en-GB" dirty="0"/>
+              <a:t>Jenkins</a:t>
+            </a:r>
+          </a:p>
+          <a:p>
+            <a:pPr lvl="1">
+              <a:buBlip>
+                <a:blip r:embed="rId2"/>
+              </a:buBlip>
+            </a:pPr>
+            <a:r>
+              <a:rPr lang="en-GB" dirty="0" err="1"/>
+              <a:t>Gitea</a:t>
+            </a:r>
+            <a:endParaRPr lang="en-GB" dirty="0"/>
+          </a:p>
+          <a:p>
+            <a:pPr lvl="1">
+              <a:buBlip>
+                <a:blip r:embed="rId2"/>
+              </a:buBlip>
+            </a:pPr>
+            <a:r>
+              <a:rPr lang="en-GB" dirty="0" err="1"/>
+              <a:t>Sonarqube</a:t>
+            </a:r>
+            <a:endParaRPr lang="en-GB" dirty="0"/>
+          </a:p>
+        </p:txBody>
+      </p:sp>
+      <p:grpSp>
+        <p:nvGrpSpPr>
+          <p:cNvPr id="4" name="Group 3">
+            <a:extLst>
+              <a:ext uri="{FF2B5EF4-FFF2-40B4-BE49-F238E27FC236}">
+                <a16:creationId xmlns:a16="http://schemas.microsoft.com/office/drawing/2014/main" id="{5E4AAFD6-4809-488E-9FBC-C246DEB9807C}"/>
+              </a:ext>
+            </a:extLst>
+          </p:cNvPr>
+          <p:cNvGrpSpPr/>
+          <p:nvPr/>
+        </p:nvGrpSpPr>
+        <p:grpSpPr>
+          <a:xfrm>
+            <a:off x="8261969" y="1926448"/>
+            <a:ext cx="2938240" cy="1651026"/>
+            <a:chOff x="1421066" y="2191301"/>
+            <a:chExt cx="7696301" cy="3849442"/>
+          </a:xfrm>
+        </p:grpSpPr>
+        <p:graphicFrame>
+          <p:nvGraphicFramePr>
+            <p:cNvPr id="5" name="Diagram 4">
+              <a:extLst>
+                <a:ext uri="{FF2B5EF4-FFF2-40B4-BE49-F238E27FC236}">
+                  <a16:creationId xmlns:a16="http://schemas.microsoft.com/office/drawing/2014/main" id="{6DB83427-51A5-4207-A293-FA9681903FD5}"/>
+                </a:ext>
+              </a:extLst>
+            </p:cNvPr>
+            <p:cNvGraphicFramePr/>
+            <p:nvPr>
+              <p:extLst>
+                <p:ext uri="{D42A27DB-BD31-4B8C-83A1-F6EECF244321}">
+                  <p14:modId xmlns:p14="http://schemas.microsoft.com/office/powerpoint/2010/main" val="451561760"/>
+                </p:ext>
+              </p:extLst>
+            </p:nvPr>
+          </p:nvGraphicFramePr>
+          <p:xfrm>
+            <a:off x="3352800" y="2789772"/>
+            <a:ext cx="5486400" cy="1554480"/>
+          </p:xfrm>
+          <a:graphic>
+            <a:graphicData uri="http://schemas.openxmlformats.org/drawingml/2006/diagram">
+              <dgm:relIds xmlns:dgm="http://schemas.openxmlformats.org/drawingml/2006/diagram" xmlns:r="http://schemas.openxmlformats.org/officeDocument/2006/relationships" r:dm="rId3" r:lo="rId4" r:qs="rId5" r:cs="rId6"/>
+            </a:graphicData>
+          </a:graphic>
+        </p:graphicFrame>
+        <p:pic>
+          <p:nvPicPr>
+            <p:cNvPr id="6" name="Picture 5" descr="A drawing of a cartoon character&#10;&#10;Description automatically generated">
+              <a:extLst>
+                <a:ext uri="{FF2B5EF4-FFF2-40B4-BE49-F238E27FC236}">
+                  <a16:creationId xmlns:a16="http://schemas.microsoft.com/office/drawing/2014/main" id="{8CF74B90-91AC-4DDA-9DA6-AF14E16B1982}"/>
+                </a:ext>
+              </a:extLst>
+            </p:cNvPr>
+            <p:cNvPicPr>
+              <a:picLocks noChangeAspect="1"/>
+            </p:cNvPicPr>
+            <p:nvPr/>
+          </p:nvPicPr>
+          <p:blipFill>
+            <a:blip r:embed="rId8">
+              <a:extLst>
+                <a:ext uri="{28A0092B-C50C-407E-A947-70E740481C1C}">
+                  <a14:useLocalDpi xmlns:a14="http://schemas.microsoft.com/office/drawing/2010/main" val="0"/>
+                </a:ext>
+              </a:extLst>
+            </a:blip>
+            <a:stretch>
+              <a:fillRect/>
+            </a:stretch>
+          </p:blipFill>
+          <p:spPr>
+            <a:xfrm>
+              <a:off x="1421066" y="2669281"/>
+              <a:ext cx="1101050" cy="1795462"/>
+            </a:xfrm>
+            <a:prstGeom prst="rect">
+              <a:avLst/>
+            </a:prstGeom>
+          </p:spPr>
+        </p:pic>
+        <p:pic>
+          <p:nvPicPr>
+            <p:cNvPr id="7" name="Picture 6" descr="A picture containing table&#10;&#10;Description automatically generated">
+              <a:extLst>
+                <a:ext uri="{FF2B5EF4-FFF2-40B4-BE49-F238E27FC236}">
+                  <a16:creationId xmlns:a16="http://schemas.microsoft.com/office/drawing/2014/main" id="{0401F46F-E9C8-4B06-B768-D38871851086}"/>
+                </a:ext>
+              </a:extLst>
+            </p:cNvPr>
+            <p:cNvPicPr>
+              <a:picLocks noChangeAspect="1"/>
+            </p:cNvPicPr>
+            <p:nvPr/>
+          </p:nvPicPr>
+          <p:blipFill>
+            <a:blip r:embed="rId9">
+              <a:extLst>
+                <a:ext uri="{28A0092B-C50C-407E-A947-70E740481C1C}">
+                  <a14:useLocalDpi xmlns:a14="http://schemas.microsoft.com/office/drawing/2010/main" val="0"/>
+                </a:ext>
+              </a:extLst>
+            </a:blip>
+            <a:stretch>
+              <a:fillRect/>
+            </a:stretch>
+          </p:blipFill>
+          <p:spPr>
+            <a:xfrm>
+              <a:off x="4286897" y="2191301"/>
+              <a:ext cx="1233642" cy="451009"/>
+            </a:xfrm>
+            <a:prstGeom prst="rect">
+              <a:avLst/>
+            </a:prstGeom>
+          </p:spPr>
+        </p:pic>
+        <p:pic>
+          <p:nvPicPr>
+            <p:cNvPr id="8" name="Picture 7" descr="A close up of a sign&#10;&#10;Description automatically generated">
+              <a:extLst>
+                <a:ext uri="{FF2B5EF4-FFF2-40B4-BE49-F238E27FC236}">
+                  <a16:creationId xmlns:a16="http://schemas.microsoft.com/office/drawing/2014/main" id="{6689522A-31B0-49A8-9EFC-89EDE5BE4BEE}"/>
+                </a:ext>
+              </a:extLst>
+            </p:cNvPr>
+            <p:cNvPicPr>
+              <a:picLocks noChangeAspect="1"/>
+            </p:cNvPicPr>
+            <p:nvPr/>
+          </p:nvPicPr>
+          <p:blipFill>
+            <a:blip r:embed="rId10">
+              <a:extLst>
+                <a:ext uri="{28A0092B-C50C-407E-A947-70E740481C1C}">
+                  <a14:useLocalDpi xmlns:a14="http://schemas.microsoft.com/office/drawing/2010/main" val="0"/>
+                </a:ext>
+              </a:extLst>
+            </a:blip>
+            <a:stretch>
+              <a:fillRect/>
+            </a:stretch>
+          </p:blipFill>
+          <p:spPr>
+            <a:xfrm>
+              <a:off x="7941810" y="4597118"/>
+              <a:ext cx="1175557" cy="1256817"/>
+            </a:xfrm>
+            <a:prstGeom prst="rect">
+              <a:avLst/>
+            </a:prstGeom>
+          </p:spPr>
+        </p:pic>
+        <p:sp>
+          <p:nvSpPr>
+            <p:cNvPr id="9" name="Arrow: Up 8">
+              <a:extLst>
+                <a:ext uri="{FF2B5EF4-FFF2-40B4-BE49-F238E27FC236}">
+                  <a16:creationId xmlns:a16="http://schemas.microsoft.com/office/drawing/2014/main" id="{F210CCC3-B2E6-4501-946E-6277F5DA06A0}"/>
+                </a:ext>
+              </a:extLst>
+            </p:cNvPr>
+            <p:cNvSpPr/>
+            <p:nvPr/>
+          </p:nvSpPr>
+          <p:spPr>
+            <a:xfrm>
+              <a:off x="3520363" y="4020586"/>
+              <a:ext cx="113006" cy="585237"/>
+            </a:xfrm>
+            <a:prstGeom prst="upArrow">
+              <a:avLst/>
+            </a:prstGeom>
+          </p:spPr>
+          <p:style>
+            <a:lnRef idx="2">
+              <a:schemeClr val="accent1">
+                <a:shade val="50000"/>
+              </a:schemeClr>
+            </a:lnRef>
+            <a:fillRef idx="1">
+              <a:schemeClr val="accent1"/>
+            </a:fillRef>
+            <a:effectRef idx="0">
+              <a:schemeClr val="accent1"/>
+            </a:effectRef>
+            <a:fontRef idx="minor">
+              <a:schemeClr val="lt1"/>
+            </a:fontRef>
+          </p:style>
+          <p:txBody>
+            <a:bodyPr rtlCol="0" anchor="ctr"/>
+            <a:lstStyle/>
+            <a:p>
+              <a:pPr algn="ctr"/>
+              <a:endParaRPr lang="en-GB"/>
+            </a:p>
+          </p:txBody>
+        </p:sp>
+        <p:sp>
+          <p:nvSpPr>
+            <p:cNvPr id="10" name="Arrow: Up 9">
+              <a:extLst>
+                <a:ext uri="{FF2B5EF4-FFF2-40B4-BE49-F238E27FC236}">
+                  <a16:creationId xmlns:a16="http://schemas.microsoft.com/office/drawing/2014/main" id="{A7896390-96B7-4F71-8B9D-4CAA4CC11454}"/>
+                </a:ext>
+              </a:extLst>
+            </p:cNvPr>
+            <p:cNvSpPr/>
+            <p:nvPr/>
+          </p:nvSpPr>
+          <p:spPr>
+            <a:xfrm>
+              <a:off x="4847215" y="2586538"/>
+              <a:ext cx="113006" cy="585237"/>
+            </a:xfrm>
+            <a:prstGeom prst="upArrow">
+              <a:avLst/>
+            </a:prstGeom>
+          </p:spPr>
+          <p:style>
+            <a:lnRef idx="2">
+              <a:schemeClr val="accent1">
+                <a:shade val="50000"/>
+              </a:schemeClr>
+            </a:lnRef>
+            <a:fillRef idx="1">
+              <a:schemeClr val="accent1"/>
+            </a:fillRef>
+            <a:effectRef idx="0">
+              <a:schemeClr val="accent1"/>
+            </a:effectRef>
+            <a:fontRef idx="minor">
+              <a:schemeClr val="lt1"/>
+            </a:fontRef>
+          </p:style>
+          <p:txBody>
+            <a:bodyPr rtlCol="0" anchor="ctr"/>
+            <a:lstStyle/>
+            <a:p>
+              <a:pPr algn="ctr"/>
+              <a:endParaRPr lang="en-GB"/>
+            </a:p>
+          </p:txBody>
+        </p:sp>
+        <p:sp>
+          <p:nvSpPr>
+            <p:cNvPr id="11" name="Arrow: Up 10">
+              <a:extLst>
+                <a:ext uri="{FF2B5EF4-FFF2-40B4-BE49-F238E27FC236}">
+                  <a16:creationId xmlns:a16="http://schemas.microsoft.com/office/drawing/2014/main" id="{826FC198-16F1-405F-84A6-8916254DBA6C}"/>
+                </a:ext>
+              </a:extLst>
+            </p:cNvPr>
+            <p:cNvSpPr/>
+            <p:nvPr/>
+          </p:nvSpPr>
+          <p:spPr>
+            <a:xfrm rot="10800000">
+              <a:off x="8471322" y="3964249"/>
+              <a:ext cx="113006" cy="585237"/>
+            </a:xfrm>
+            <a:prstGeom prst="upArrow">
+              <a:avLst/>
+            </a:prstGeom>
+          </p:spPr>
+          <p:style>
+            <a:lnRef idx="2">
+              <a:schemeClr val="accent1">
+                <a:shade val="50000"/>
+              </a:schemeClr>
+            </a:lnRef>
+            <a:fillRef idx="1">
+              <a:schemeClr val="accent1"/>
+            </a:fillRef>
+            <a:effectRef idx="0">
+              <a:schemeClr val="accent1"/>
+            </a:effectRef>
+            <a:fontRef idx="minor">
+              <a:schemeClr val="lt1"/>
+            </a:fontRef>
+          </p:style>
+          <p:txBody>
+            <a:bodyPr rtlCol="0" anchor="ctr"/>
+            <a:lstStyle/>
+            <a:p>
+              <a:pPr algn="ctr"/>
+              <a:endParaRPr lang="en-GB"/>
+            </a:p>
+          </p:txBody>
+        </p:sp>
+        <p:pic>
+          <p:nvPicPr>
+            <p:cNvPr id="12" name="Picture 11" descr="A picture containing window, drawing&#10;&#10;Description automatically generated">
+              <a:extLst>
+                <a:ext uri="{FF2B5EF4-FFF2-40B4-BE49-F238E27FC236}">
+                  <a16:creationId xmlns:a16="http://schemas.microsoft.com/office/drawing/2014/main" id="{48E5050F-C33F-48B6-A725-07F08D9EC3A5}"/>
+                </a:ext>
+              </a:extLst>
+            </p:cNvPr>
+            <p:cNvPicPr>
+              <a:picLocks noChangeAspect="1"/>
+            </p:cNvPicPr>
+            <p:nvPr/>
+          </p:nvPicPr>
+          <p:blipFill>
+            <a:blip r:embed="rId11">
+              <a:extLst>
+                <a:ext uri="{28A0092B-C50C-407E-A947-70E740481C1C}">
+                  <a14:useLocalDpi xmlns:a14="http://schemas.microsoft.com/office/drawing/2010/main" val="0"/>
+                </a:ext>
+              </a:extLst>
+            </a:blip>
+            <a:stretch>
+              <a:fillRect/>
+            </a:stretch>
+          </p:blipFill>
+          <p:spPr>
+            <a:xfrm>
+              <a:off x="3254825" y="5396664"/>
+              <a:ext cx="644079" cy="644079"/>
+            </a:xfrm>
+            <a:prstGeom prst="rect">
+              <a:avLst/>
+            </a:prstGeom>
+          </p:spPr>
+        </p:pic>
+        <p:pic>
+          <p:nvPicPr>
+            <p:cNvPr id="13" name="Picture 12" descr="A picture containing drawing, food&#10;&#10;Description automatically generated">
+              <a:extLst>
+                <a:ext uri="{FF2B5EF4-FFF2-40B4-BE49-F238E27FC236}">
+                  <a16:creationId xmlns:a16="http://schemas.microsoft.com/office/drawing/2014/main" id="{4BC14ECC-EF07-45C1-BA3D-B2047BE65556}"/>
+                </a:ext>
+              </a:extLst>
+            </p:cNvPr>
+            <p:cNvPicPr>
+              <a:picLocks noChangeAspect="1"/>
+            </p:cNvPicPr>
+            <p:nvPr/>
+          </p:nvPicPr>
+          <p:blipFill>
+            <a:blip r:embed="rId12">
+              <a:extLst>
+                <a:ext uri="{28A0092B-C50C-407E-A947-70E740481C1C}">
+                  <a14:useLocalDpi xmlns:a14="http://schemas.microsoft.com/office/drawing/2010/main" val="0"/>
+                </a:ext>
+              </a:extLst>
+            </a:blip>
+            <a:stretch>
+              <a:fillRect/>
+            </a:stretch>
+          </p:blipFill>
+          <p:spPr>
+            <a:xfrm>
+              <a:off x="2839099" y="4639294"/>
+              <a:ext cx="1447798" cy="723899"/>
+            </a:xfrm>
+            <a:prstGeom prst="rect">
+              <a:avLst/>
+            </a:prstGeom>
+          </p:spPr>
+        </p:pic>
+        <p:pic>
+          <p:nvPicPr>
+            <p:cNvPr id="14" name="Picture 13" descr="A close up of a sign&#10;&#10;Description automatically generated">
+              <a:extLst>
+                <a:ext uri="{FF2B5EF4-FFF2-40B4-BE49-F238E27FC236}">
+                  <a16:creationId xmlns:a16="http://schemas.microsoft.com/office/drawing/2014/main" id="{3E969089-16B9-4D42-A589-E6C05559B597}"/>
+                </a:ext>
+              </a:extLst>
+            </p:cNvPr>
+            <p:cNvPicPr>
+              <a:picLocks noChangeAspect="1"/>
+            </p:cNvPicPr>
+            <p:nvPr/>
+          </p:nvPicPr>
+          <p:blipFill>
+            <a:blip r:embed="rId10">
+              <a:extLst>
+                <a:ext uri="{28A0092B-C50C-407E-A947-70E740481C1C}">
+                  <a14:useLocalDpi xmlns:a14="http://schemas.microsoft.com/office/drawing/2010/main" val="0"/>
+                </a:ext>
+              </a:extLst>
+            </a:blip>
+            <a:stretch>
+              <a:fillRect/>
+            </a:stretch>
+          </p:blipFill>
+          <p:spPr>
+            <a:xfrm>
+              <a:off x="1592677" y="4639294"/>
+              <a:ext cx="757827" cy="810212"/>
+            </a:xfrm>
+            <a:prstGeom prst="rect">
+              <a:avLst/>
+            </a:prstGeom>
+          </p:spPr>
+        </p:pic>
+      </p:grpSp>
+      <p:pic>
+        <p:nvPicPr>
+          <p:cNvPr id="15" name="Picture 2">
+            <a:extLst>
+              <a:ext uri="{FF2B5EF4-FFF2-40B4-BE49-F238E27FC236}">
+                <a16:creationId xmlns:a16="http://schemas.microsoft.com/office/drawing/2014/main" id="{DE3AA62D-865B-4CE3-98F2-33420DF390D8}"/>
+              </a:ext>
+            </a:extLst>
+          </p:cNvPr>
+          <p:cNvPicPr>
+            <a:picLocks noChangeAspect="1" noChangeArrowheads="1"/>
+          </p:cNvPicPr>
+          <p:nvPr/>
+        </p:nvPicPr>
+        <p:blipFill>
+          <a:blip r:embed="rId13">
+            <a:extLst>
+              <a:ext uri="{28A0092B-C50C-407E-A947-70E740481C1C}">
+                <a14:useLocalDpi xmlns:a14="http://schemas.microsoft.com/office/drawing/2010/main" val="0"/>
+              </a:ext>
+            </a:extLst>
+          </a:blip>
+          <a:stretch>
+            <a:fillRect/>
+          </a:stretch>
+        </p:blipFill>
+        <p:spPr bwMode="auto">
+          <a:xfrm>
+            <a:off x="0" y="-11542"/>
+            <a:ext cx="1641902" cy="820951"/>
+          </a:xfrm>
+          <a:prstGeom prst="rect">
+            <a:avLst/>
+          </a:prstGeom>
+          <a:noFill/>
+          <a:extLst>
+            <a:ext uri="{909E8E84-426E-40DD-AFC4-6F175D3DCCD1}">
+              <a14:hiddenFill xmlns:a14="http://schemas.microsoft.com/office/drawing/2010/main">
+                <a:solidFill>
+                  <a:srgbClr val="FFFFFF"/>
+                </a:solidFill>
+              </a14:hiddenFill>
+            </a:ext>
+          </a:extLst>
+        </p:spPr>
+      </p:pic>
+    </p:spTree>
+    <p:extLst>
+      <p:ext uri="{BB962C8B-B14F-4D97-AF65-F5344CB8AC3E}">
+        <p14:creationId xmlns:p14="http://schemas.microsoft.com/office/powerpoint/2010/main" val="2372965946"/>
+      </p:ext>
+    </p:extLst>
+  </p:cSld>
+  <p:clrMapOvr>
+    <a:masterClrMapping/>
+  </p:clrMapOvr>
+</p:sld>
+</file>
+
+<file path=ppt/slides/slide18.xml><?xml version="1.0" encoding="utf-8"?>
 <p:sld xmlns:a="http://schemas.openxmlformats.org/drawingml/2006/main" xmlns:r="http://schemas.openxmlformats.org/officeDocument/2006/relationships" xmlns:p="http://schemas.openxmlformats.org/presentationml/2006/main">
   <p:cSld>
     <p:spTree>
@@ -27408,7 +31113,7 @@
         </p:blipFill>
         <p:spPr>
           <a:xfrm>
-            <a:off x="8386865" y="4916458"/>
+            <a:off x="8386865" y="5396663"/>
             <a:ext cx="644079" cy="644079"/>
           </a:xfrm>
           <a:prstGeom prst="rect">
@@ -27480,7 +31185,7 @@
         </p:blipFill>
         <p:spPr>
           <a:xfrm>
-            <a:off x="8322565" y="4021929"/>
+            <a:off x="8322563" y="4344252"/>
             <a:ext cx="772681" cy="772681"/>
           </a:xfrm>
           <a:prstGeom prst="rect">
@@ -27704,6 +31409,52 @@
           </a:prstGeom>
         </p:spPr>
       </p:pic>
+      <p:pic>
+        <p:nvPicPr>
+          <p:cNvPr id="25" name="Picture 2">
+            <a:extLst>
+              <a:ext uri="{FF2B5EF4-FFF2-40B4-BE49-F238E27FC236}">
+                <a16:creationId xmlns:a16="http://schemas.microsoft.com/office/drawing/2014/main" id="{59CD3C12-0779-4592-BEB4-C54E1DDC8873}"/>
+              </a:ext>
+            </a:extLst>
+          </p:cNvPr>
+          <p:cNvPicPr>
+            <a:picLocks noChangeAspect="1" noChangeArrowheads="1"/>
+          </p:cNvPicPr>
+          <p:nvPr/>
+        </p:nvPicPr>
+        <p:blipFill>
+          <a:blip r:embed="rId17">
+            <a:extLst>
+              <a:ext uri="{28A0092B-C50C-407E-A947-70E740481C1C}">
+                <a14:useLocalDpi xmlns:a14="http://schemas.microsoft.com/office/drawing/2010/main" val="0"/>
+              </a:ext>
+            </a:extLst>
+          </a:blip>
+          <a:stretch>
+            <a:fillRect/>
+          </a:stretch>
+        </p:blipFill>
+        <p:spPr bwMode="auto">
+          <a:xfrm>
+            <a:off x="0" y="-11542"/>
+            <a:ext cx="1641902" cy="820951"/>
+          </a:xfrm>
+          <a:prstGeom prst="rect">
+            <a:avLst/>
+          </a:prstGeom>
+          <a:noFill/>
+          <a:extLst>
+            <a:ext uri="{909E8E84-426E-40DD-AFC4-6F175D3DCCD1}">
+              <a14:hiddenFill xmlns:a14="http://schemas.microsoft.com/office/drawing/2010/main">
+                <a:solidFill>
+                  <a:srgbClr val="FFFFFF"/>
+                </a:solidFill>
+              </a14:hiddenFill>
+            </a:ext>
+          </a:extLst>
+        </p:spPr>
+      </p:pic>
     </p:spTree>
     <p:extLst>
       <p:ext uri="{BB962C8B-B14F-4D97-AF65-F5344CB8AC3E}">
@@ -27720,6 +31471,14 @@
 <file path=ppt/slides/slide2.xml><?xml version="1.0" encoding="utf-8"?>
 <p:sld xmlns:a="http://schemas.openxmlformats.org/drawingml/2006/main" xmlns:r="http://schemas.openxmlformats.org/officeDocument/2006/relationships" xmlns:p="http://schemas.openxmlformats.org/presentationml/2006/main">
   <p:cSld>
+    <p:bg>
+      <p:bgPr>
+        <a:solidFill>
+          <a:schemeClr val="bg1"/>
+        </a:solidFill>
+        <a:effectLst/>
+      </p:bgPr>
+    </p:bg>
     <p:spTree>
       <p:nvGrpSpPr>
         <p:cNvPr id="1" name=""/>
@@ -27750,13 +31509,20 @@
             <p:ph type="title"/>
           </p:nvPr>
         </p:nvSpPr>
-        <p:spPr/>
+        <p:spPr>
+          <a:xfrm>
+            <a:off x="6730000" y="639097"/>
+            <a:ext cx="4813072" cy="3686015"/>
+          </a:xfrm>
+        </p:spPr>
         <p:txBody>
-          <a:bodyPr/>
+          <a:bodyPr vert="horz" lIns="91440" tIns="45720" rIns="91440" bIns="45720" rtlCol="0" anchor="b">
+            <a:normAutofit/>
+          </a:bodyPr>
           <a:lstStyle/>
           <a:p>
             <a:r>
-              <a:rPr lang="en-GB" dirty="0"/>
+              <a:rPr lang="en-US" dirty="0"/>
               <a:t>DevOps</a:t>
             </a:r>
           </a:p>
@@ -27778,15 +31544,75 @@
             <p:ph type="body" idx="1"/>
           </p:nvPr>
         </p:nvSpPr>
-        <p:spPr/>
+        <p:spPr>
+          <a:xfrm>
+            <a:off x="6729999" y="4455621"/>
+            <a:ext cx="4829101" cy="1238616"/>
+          </a:xfrm>
+        </p:spPr>
         <p:txBody>
-          <a:bodyPr/>
+          <a:bodyPr vert="horz" lIns="91440" tIns="45720" rIns="91440" bIns="45720" rtlCol="0">
+            <a:normAutofit/>
+          </a:bodyPr>
           <a:lstStyle/>
           <a:p>
-            <a:endParaRPr lang="en-GB"/>
+            <a:endParaRPr lang="en-US">
+              <a:solidFill>
+                <a:schemeClr val="tx1">
+                  <a:lumMod val="85000"/>
+                  <a:lumOff val="15000"/>
+                </a:schemeClr>
+              </a:solidFill>
+            </a:endParaRPr>
           </a:p>
         </p:txBody>
       </p:sp>
+      <p:pic>
+        <p:nvPicPr>
+          <p:cNvPr id="24" name="Picture 2">
+            <a:extLst>
+              <a:ext uri="{FF2B5EF4-FFF2-40B4-BE49-F238E27FC236}">
+                <a16:creationId xmlns:a16="http://schemas.microsoft.com/office/drawing/2014/main" id="{8FDD7250-8BA3-4C0E-85DF-8443D8A1B666}"/>
+              </a:ext>
+            </a:extLst>
+          </p:cNvPr>
+          <p:cNvPicPr>
+            <a:picLocks noChangeAspect="1" noChangeArrowheads="1"/>
+          </p:cNvPicPr>
+          <p:nvPr/>
+        </p:nvPicPr>
+        <p:blipFill>
+          <a:blip r:embed="rId2">
+            <a:extLst>
+              <a:ext uri="{28A0092B-C50C-407E-A947-70E740481C1C}">
+                <a14:useLocalDpi xmlns:a14="http://schemas.microsoft.com/office/drawing/2010/main" val="0"/>
+              </a:ext>
+            </a:extLst>
+          </a:blip>
+          <a:stretch>
+            <a:fillRect/>
+          </a:stretch>
+        </p:blipFill>
+        <p:spPr bwMode="auto">
+          <a:xfrm>
+            <a:off x="633999" y="2163858"/>
+            <a:ext cx="4001315" cy="2000657"/>
+          </a:xfrm>
+          <a:prstGeom prst="rect">
+            <a:avLst/>
+          </a:prstGeom>
+          <a:noFill/>
+          <a:extLst>
+            <a:ext uri="{909E8E84-426E-40DD-AFC4-6F175D3DCCD1}">
+              <a14:hiddenFill xmlns:a14="http://schemas.microsoft.com/office/drawing/2010/main">
+                <a:solidFill>
+                  <a:srgbClr val="FFFFFF"/>
+                </a:solidFill>
+              </a14:hiddenFill>
+            </a:ext>
+          </a:extLst>
+        </p:spPr>
+      </p:pic>
     </p:spTree>
     <p:extLst>
       <p:ext uri="{BB962C8B-B14F-4D97-AF65-F5344CB8AC3E}">
@@ -28151,6 +31977,52 @@
           </a:ln>
         </p:spPr>
       </p:pic>
+      <p:pic>
+        <p:nvPicPr>
+          <p:cNvPr id="5" name="Picture 2">
+            <a:extLst>
+              <a:ext uri="{FF2B5EF4-FFF2-40B4-BE49-F238E27FC236}">
+                <a16:creationId xmlns:a16="http://schemas.microsoft.com/office/drawing/2014/main" id="{7C11DE5C-3EE4-45D5-9825-BDE019D9F169}"/>
+              </a:ext>
+            </a:extLst>
+          </p:cNvPr>
+          <p:cNvPicPr>
+            <a:picLocks noChangeAspect="1" noChangeArrowheads="1"/>
+          </p:cNvPicPr>
+          <p:nvPr/>
+        </p:nvPicPr>
+        <p:blipFill>
+          <a:blip r:embed="rId4">
+            <a:extLst>
+              <a:ext uri="{28A0092B-C50C-407E-A947-70E740481C1C}">
+                <a14:useLocalDpi xmlns:a14="http://schemas.microsoft.com/office/drawing/2010/main" val="0"/>
+              </a:ext>
+            </a:extLst>
+          </a:blip>
+          <a:stretch>
+            <a:fillRect/>
+          </a:stretch>
+        </p:blipFill>
+        <p:spPr bwMode="auto">
+          <a:xfrm>
+            <a:off x="0" y="-11542"/>
+            <a:ext cx="1641902" cy="820951"/>
+          </a:xfrm>
+          <a:prstGeom prst="rect">
+            <a:avLst/>
+          </a:prstGeom>
+          <a:noFill/>
+          <a:extLst>
+            <a:ext uri="{909E8E84-426E-40DD-AFC4-6F175D3DCCD1}">
+              <a14:hiddenFill xmlns:a14="http://schemas.microsoft.com/office/drawing/2010/main">
+                <a:solidFill>
+                  <a:srgbClr val="FFFFFF"/>
+                </a:solidFill>
+              </a14:hiddenFill>
+            </a:ext>
+          </a:extLst>
+        </p:spPr>
+      </p:pic>
     </p:spTree>
   </p:cSld>
   <p:clrMapOvr>
@@ -28501,6 +32373,52 @@
           <a:ln>
             <a:noFill/>
           </a:ln>
+        </p:spPr>
+      </p:pic>
+      <p:pic>
+        <p:nvPicPr>
+          <p:cNvPr id="9" name="Picture 2">
+            <a:extLst>
+              <a:ext uri="{FF2B5EF4-FFF2-40B4-BE49-F238E27FC236}">
+                <a16:creationId xmlns:a16="http://schemas.microsoft.com/office/drawing/2014/main" id="{2C0A4E88-9523-4F8F-ABD3-EFF35DA4E82C}"/>
+              </a:ext>
+            </a:extLst>
+          </p:cNvPr>
+          <p:cNvPicPr>
+            <a:picLocks noChangeAspect="1" noChangeArrowheads="1"/>
+          </p:cNvPicPr>
+          <p:nvPr/>
+        </p:nvPicPr>
+        <p:blipFill>
+          <a:blip r:embed="rId8">
+            <a:extLst>
+              <a:ext uri="{28A0092B-C50C-407E-A947-70E740481C1C}">
+                <a14:useLocalDpi xmlns:a14="http://schemas.microsoft.com/office/drawing/2010/main" val="0"/>
+              </a:ext>
+            </a:extLst>
+          </a:blip>
+          <a:stretch>
+            <a:fillRect/>
+          </a:stretch>
+        </p:blipFill>
+        <p:spPr bwMode="auto">
+          <a:xfrm>
+            <a:off x="0" y="-11542"/>
+            <a:ext cx="1641902" cy="820951"/>
+          </a:xfrm>
+          <a:prstGeom prst="rect">
+            <a:avLst/>
+          </a:prstGeom>
+          <a:noFill/>
+          <a:extLst>
+            <a:ext uri="{909E8E84-426E-40DD-AFC4-6F175D3DCCD1}">
+              <a14:hiddenFill xmlns:a14="http://schemas.microsoft.com/office/drawing/2010/main">
+                <a:solidFill>
+                  <a:srgbClr val="FFFFFF"/>
+                </a:solidFill>
+              </a14:hiddenFill>
+            </a:ext>
+          </a:extLst>
         </p:spPr>
       </p:pic>
     </p:spTree>
@@ -28881,6 +32799,52 @@
           </a:p>
         </p:txBody>
       </p:sp>
+      <p:pic>
+        <p:nvPicPr>
+          <p:cNvPr id="4" name="Picture 2">
+            <a:extLst>
+              <a:ext uri="{FF2B5EF4-FFF2-40B4-BE49-F238E27FC236}">
+                <a16:creationId xmlns:a16="http://schemas.microsoft.com/office/drawing/2014/main" id="{78BF0EAB-9946-4795-B22E-11FDAEEA4DD0}"/>
+              </a:ext>
+            </a:extLst>
+          </p:cNvPr>
+          <p:cNvPicPr>
+            <a:picLocks noChangeAspect="1" noChangeArrowheads="1"/>
+          </p:cNvPicPr>
+          <p:nvPr/>
+        </p:nvPicPr>
+        <p:blipFill>
+          <a:blip r:embed="rId3">
+            <a:extLst>
+              <a:ext uri="{28A0092B-C50C-407E-A947-70E740481C1C}">
+                <a14:useLocalDpi xmlns:a14="http://schemas.microsoft.com/office/drawing/2010/main" val="0"/>
+              </a:ext>
+            </a:extLst>
+          </a:blip>
+          <a:stretch>
+            <a:fillRect/>
+          </a:stretch>
+        </p:blipFill>
+        <p:spPr bwMode="auto">
+          <a:xfrm>
+            <a:off x="0" y="-11542"/>
+            <a:ext cx="1641902" cy="820951"/>
+          </a:xfrm>
+          <a:prstGeom prst="rect">
+            <a:avLst/>
+          </a:prstGeom>
+          <a:noFill/>
+          <a:extLst>
+            <a:ext uri="{909E8E84-426E-40DD-AFC4-6F175D3DCCD1}">
+              <a14:hiddenFill xmlns:a14="http://schemas.microsoft.com/office/drawing/2010/main">
+                <a:solidFill>
+                  <a:srgbClr val="FFFFFF"/>
+                </a:solidFill>
+              </a14:hiddenFill>
+            </a:ext>
+          </a:extLst>
+        </p:spPr>
+      </p:pic>
     </p:spTree>
   </p:cSld>
   <p:clrMapOvr>
@@ -29220,6 +33184,52 @@
           </a:p>
         </p:txBody>
       </p:sp>
+      <p:pic>
+        <p:nvPicPr>
+          <p:cNvPr id="4" name="Picture 2">
+            <a:extLst>
+              <a:ext uri="{FF2B5EF4-FFF2-40B4-BE49-F238E27FC236}">
+                <a16:creationId xmlns:a16="http://schemas.microsoft.com/office/drawing/2014/main" id="{2204C5B1-B343-4FA0-92F5-1CDFB99996AF}"/>
+              </a:ext>
+            </a:extLst>
+          </p:cNvPr>
+          <p:cNvPicPr>
+            <a:picLocks noChangeAspect="1" noChangeArrowheads="1"/>
+          </p:cNvPicPr>
+          <p:nvPr/>
+        </p:nvPicPr>
+        <p:blipFill>
+          <a:blip r:embed="rId3">
+            <a:extLst>
+              <a:ext uri="{28A0092B-C50C-407E-A947-70E740481C1C}">
+                <a14:useLocalDpi xmlns:a14="http://schemas.microsoft.com/office/drawing/2010/main" val="0"/>
+              </a:ext>
+            </a:extLst>
+          </a:blip>
+          <a:stretch>
+            <a:fillRect/>
+          </a:stretch>
+        </p:blipFill>
+        <p:spPr bwMode="auto">
+          <a:xfrm>
+            <a:off x="0" y="-11542"/>
+            <a:ext cx="1641902" cy="820951"/>
+          </a:xfrm>
+          <a:prstGeom prst="rect">
+            <a:avLst/>
+          </a:prstGeom>
+          <a:noFill/>
+          <a:extLst>
+            <a:ext uri="{909E8E84-426E-40DD-AFC4-6F175D3DCCD1}">
+              <a14:hiddenFill xmlns:a14="http://schemas.microsoft.com/office/drawing/2010/main">
+                <a:solidFill>
+                  <a:srgbClr val="FFFFFF"/>
+                </a:solidFill>
+              </a14:hiddenFill>
+            </a:ext>
+          </a:extLst>
+        </p:spPr>
+      </p:pic>
     </p:spTree>
     <p:extLst>
       <p:ext uri="{BB962C8B-B14F-4D97-AF65-F5344CB8AC3E}">
@@ -29236,6 +33246,14 @@
 <file path=ppt/slides/slide7.xml><?xml version="1.0" encoding="utf-8"?>
 <p:sld xmlns:a="http://schemas.openxmlformats.org/drawingml/2006/main" xmlns:r="http://schemas.openxmlformats.org/officeDocument/2006/relationships" xmlns:p="http://schemas.openxmlformats.org/presentationml/2006/main">
   <p:cSld>
+    <p:bg>
+      <p:bgPr>
+        <a:solidFill>
+          <a:schemeClr val="bg1"/>
+        </a:solidFill>
+        <a:effectLst/>
+      </p:bgPr>
+    </p:bg>
     <p:spTree>
       <p:nvGrpSpPr>
         <p:cNvPr id="1" name=""/>
@@ -29266,13 +33284,20 @@
             <p:ph type="title"/>
           </p:nvPr>
         </p:nvSpPr>
-        <p:spPr/>
+        <p:spPr>
+          <a:xfrm>
+            <a:off x="5289754" y="639097"/>
+            <a:ext cx="6253317" cy="3686015"/>
+          </a:xfrm>
+        </p:spPr>
         <p:txBody>
-          <a:bodyPr/>
+          <a:bodyPr vert="horz" lIns="91440" tIns="45720" rIns="91440" bIns="45720" rtlCol="0" anchor="b">
+            <a:normAutofit/>
+          </a:bodyPr>
           <a:lstStyle/>
           <a:p>
             <a:r>
-              <a:rPr lang="en-GB" dirty="0"/>
+              <a:rPr lang="en-US"/>
               <a:t>Stack-in-a-Box</a:t>
             </a:r>
           </a:p>
@@ -29294,15 +33319,75 @@
             <p:ph type="body" idx="1"/>
           </p:nvPr>
         </p:nvSpPr>
-        <p:spPr/>
+        <p:spPr>
+          <a:xfrm>
+            <a:off x="5289753" y="4455621"/>
+            <a:ext cx="6269347" cy="1238616"/>
+          </a:xfrm>
+        </p:spPr>
         <p:txBody>
-          <a:bodyPr/>
+          <a:bodyPr vert="horz" lIns="91440" tIns="45720" rIns="91440" bIns="45720" rtlCol="0">
+            <a:normAutofit/>
+          </a:bodyPr>
           <a:lstStyle/>
           <a:p>
-            <a:endParaRPr lang="en-GB"/>
+            <a:endParaRPr lang="en-US">
+              <a:solidFill>
+                <a:schemeClr val="tx1">
+                  <a:lumMod val="85000"/>
+                  <a:lumOff val="15000"/>
+                </a:schemeClr>
+              </a:solidFill>
+            </a:endParaRPr>
           </a:p>
         </p:txBody>
       </p:sp>
+      <p:pic>
+        <p:nvPicPr>
+          <p:cNvPr id="4" name="Picture 2">
+            <a:extLst>
+              <a:ext uri="{FF2B5EF4-FFF2-40B4-BE49-F238E27FC236}">
+                <a16:creationId xmlns:a16="http://schemas.microsoft.com/office/drawing/2014/main" id="{5359D2D5-AD4A-44C7-9AFC-BB49F7DA9457}"/>
+              </a:ext>
+            </a:extLst>
+          </p:cNvPr>
+          <p:cNvPicPr>
+            <a:picLocks noChangeAspect="1" noChangeArrowheads="1"/>
+          </p:cNvPicPr>
+          <p:nvPr/>
+        </p:nvPicPr>
+        <p:blipFill>
+          <a:blip r:embed="rId2">
+            <a:extLst>
+              <a:ext uri="{28A0092B-C50C-407E-A947-70E740481C1C}">
+                <a14:useLocalDpi xmlns:a14="http://schemas.microsoft.com/office/drawing/2010/main" val="0"/>
+              </a:ext>
+            </a:extLst>
+          </a:blip>
+          <a:stretch>
+            <a:fillRect/>
+          </a:stretch>
+        </p:blipFill>
+        <p:spPr bwMode="auto">
+          <a:xfrm>
+            <a:off x="633999" y="2163858"/>
+            <a:ext cx="4001315" cy="2000657"/>
+          </a:xfrm>
+          <a:prstGeom prst="rect">
+            <a:avLst/>
+          </a:prstGeom>
+          <a:noFill/>
+          <a:extLst>
+            <a:ext uri="{909E8E84-426E-40DD-AFC4-6F175D3DCCD1}">
+              <a14:hiddenFill xmlns:a14="http://schemas.microsoft.com/office/drawing/2010/main">
+                <a:solidFill>
+                  <a:srgbClr val="FFFFFF"/>
+                </a:solidFill>
+              </a14:hiddenFill>
+            </a:ext>
+          </a:extLst>
+        </p:spPr>
+      </p:pic>
     </p:spTree>
     <p:extLst>
       <p:ext uri="{BB962C8B-B14F-4D97-AF65-F5344CB8AC3E}">
@@ -29341,171 +33426,6 @@
           <a:chExt cx="0" cy="0"/>
         </a:xfrm>
       </p:grpSpPr>
-      <p:sp>
-        <p:nvSpPr>
-          <p:cNvPr id="10" name="Rectangle 9">
-            <a:extLst>
-              <a:ext uri="{FF2B5EF4-FFF2-40B4-BE49-F238E27FC236}">
-                <a16:creationId xmlns:a16="http://schemas.microsoft.com/office/drawing/2014/main" id="{7D379150-F6B4-45C8-BE10-6B278AD400EB}"/>
-              </a:ext>
-              <a:ext uri="{C183D7F6-B498-43B3-948B-1728B52AA6E4}">
-                <adec:decorative xmlns:adec="http://schemas.microsoft.com/office/drawing/2017/decorative" val="1"/>
-              </a:ext>
-            </a:extLst>
-          </p:cNvPr>
-          <p:cNvSpPr>
-            <a:spLocks noGrp="1" noRot="1" noChangeAspect="1" noMove="1" noResize="1" noEditPoints="1" noAdjustHandles="1" noChangeArrowheads="1" noChangeShapeType="1" noTextEdit="1"/>
-          </p:cNvSpPr>
-          <p:nvPr>
-            <p:extLst>
-              <p:ext uri="{386F3935-93C4-4BCD-93E2-E3B085C9AB24}">
-                <p16:designElem xmlns:p16="http://schemas.microsoft.com/office/powerpoint/2015/main" val="1"/>
-              </p:ext>
-            </p:extLst>
-          </p:nvPr>
-        </p:nvSpPr>
-        <p:spPr>
-          <a:xfrm>
-            <a:off x="1" y="6400800"/>
-            <a:ext cx="12192000" cy="457200"/>
-          </a:xfrm>
-          <a:prstGeom prst="rect">
-            <a:avLst/>
-          </a:prstGeom>
-          <a:solidFill>
-            <a:schemeClr val="accent2"/>
-          </a:solidFill>
-          <a:ln>
-            <a:noFill/>
-          </a:ln>
-        </p:spPr>
-        <p:style>
-          <a:lnRef idx="2">
-            <a:schemeClr val="accent1">
-              <a:shade val="50000"/>
-            </a:schemeClr>
-          </a:lnRef>
-          <a:fillRef idx="1">
-            <a:schemeClr val="accent1"/>
-          </a:fillRef>
-          <a:effectRef idx="0">
-            <a:schemeClr val="accent1"/>
-          </a:effectRef>
-          <a:fontRef idx="minor">
-            <a:schemeClr val="lt1"/>
-          </a:fontRef>
-        </p:style>
-      </p:sp>
-      <p:sp>
-        <p:nvSpPr>
-          <p:cNvPr id="12" name="Rectangle 11">
-            <a:extLst>
-              <a:ext uri="{FF2B5EF4-FFF2-40B4-BE49-F238E27FC236}">
-                <a16:creationId xmlns:a16="http://schemas.microsoft.com/office/drawing/2014/main" id="{5FFCF544-A370-4A5D-A95F-CA6E0E7191E6}"/>
-              </a:ext>
-              <a:ext uri="{C183D7F6-B498-43B3-948B-1728B52AA6E4}">
-                <adec:decorative xmlns:adec="http://schemas.microsoft.com/office/drawing/2017/decorative" val="1"/>
-              </a:ext>
-            </a:extLst>
-          </p:cNvPr>
-          <p:cNvSpPr>
-            <a:spLocks noGrp="1" noRot="1" noChangeAspect="1" noMove="1" noResize="1" noEditPoints="1" noAdjustHandles="1" noChangeArrowheads="1" noChangeShapeType="1" noTextEdit="1"/>
-          </p:cNvSpPr>
-          <p:nvPr>
-            <p:extLst>
-              <p:ext uri="{386F3935-93C4-4BCD-93E2-E3B085C9AB24}">
-                <p16:designElem xmlns:p16="http://schemas.microsoft.com/office/powerpoint/2015/main" val="1"/>
-              </p:ext>
-            </p:extLst>
-          </p:nvPr>
-        </p:nvSpPr>
-        <p:spPr>
-          <a:xfrm>
-            <a:off x="0" y="6334316"/>
-            <a:ext cx="12192001" cy="65998"/>
-          </a:xfrm>
-          <a:prstGeom prst="rect">
-            <a:avLst/>
-          </a:prstGeom>
-          <a:solidFill>
-            <a:schemeClr val="accent1"/>
-          </a:solidFill>
-          <a:ln>
-            <a:noFill/>
-          </a:ln>
-        </p:spPr>
-        <p:style>
-          <a:lnRef idx="2">
-            <a:schemeClr val="accent1">
-              <a:shade val="50000"/>
-            </a:schemeClr>
-          </a:lnRef>
-          <a:fillRef idx="1">
-            <a:schemeClr val="accent1"/>
-          </a:fillRef>
-          <a:effectRef idx="0">
-            <a:schemeClr val="accent1"/>
-          </a:effectRef>
-          <a:fontRef idx="minor">
-            <a:schemeClr val="lt1"/>
-          </a:fontRef>
-        </p:style>
-      </p:sp>
-      <p:cxnSp>
-        <p:nvCxnSpPr>
-          <p:cNvPr id="14" name="Straight Connector 13">
-            <a:extLst>
-              <a:ext uri="{FF2B5EF4-FFF2-40B4-BE49-F238E27FC236}">
-                <a16:creationId xmlns:a16="http://schemas.microsoft.com/office/drawing/2014/main" id="{6EEB3B97-A638-498B-8083-54191CE71E01}"/>
-              </a:ext>
-              <a:ext uri="{C183D7F6-B498-43B3-948B-1728B52AA6E4}">
-                <adec:decorative xmlns:adec="http://schemas.microsoft.com/office/drawing/2017/decorative" val="1"/>
-              </a:ext>
-            </a:extLst>
-          </p:cNvPr>
-          <p:cNvCxnSpPr>
-            <a:cxnSpLocks noGrp="1" noRot="1" noChangeAspect="1" noMove="1" noResize="1" noEditPoints="1" noAdjustHandles="1" noChangeArrowheads="1" noChangeShapeType="1"/>
-          </p:cNvCxnSpPr>
-          <p:nvPr>
-            <p:extLst>
-              <p:ext uri="{386F3935-93C4-4BCD-93E2-E3B085C9AB24}">
-                <p16:designElem xmlns:p16="http://schemas.microsoft.com/office/powerpoint/2015/main" val="1"/>
-              </p:ext>
-            </p:extLst>
-          </p:nvPr>
-        </p:nvCxnSpPr>
-        <p:spPr>
-          <a:xfrm>
-            <a:off x="1193532" y="1737845"/>
-            <a:ext cx="9966960" cy="0"/>
-          </a:xfrm>
-          <a:prstGeom prst="line">
-            <a:avLst/>
-          </a:prstGeom>
-          <a:ln w="6350">
-            <a:solidFill>
-              <a:schemeClr val="tx1">
-                <a:lumMod val="50000"/>
-                <a:lumOff val="50000"/>
-              </a:schemeClr>
-            </a:solidFill>
-          </a:ln>
-        </p:spPr>
-        <p:style>
-          <a:lnRef idx="1">
-            <a:schemeClr val="accent1"/>
-          </a:lnRef>
-          <a:fillRef idx="0">
-            <a:schemeClr val="accent1"/>
-          </a:fillRef>
-          <a:effectRef idx="0">
-            <a:schemeClr val="accent1"/>
-          </a:effectRef>
-          <a:fontRef idx="minor">
-            <a:schemeClr val="tx1"/>
-          </a:fontRef>
-        </p:style>
-      </p:cxnSp>
       <p:sp>
         <p:nvSpPr>
           <p:cNvPr id="2" name="Title 1">
@@ -29627,6 +33547,52 @@
           </a:prstGeom>
         </p:spPr>
       </p:pic>
+      <p:pic>
+        <p:nvPicPr>
+          <p:cNvPr id="8" name="Picture 2">
+            <a:extLst>
+              <a:ext uri="{FF2B5EF4-FFF2-40B4-BE49-F238E27FC236}">
+                <a16:creationId xmlns:a16="http://schemas.microsoft.com/office/drawing/2014/main" id="{62830D15-F20C-42C9-9D52-6790BD81C0CA}"/>
+              </a:ext>
+            </a:extLst>
+          </p:cNvPr>
+          <p:cNvPicPr>
+            <a:picLocks noChangeAspect="1" noChangeArrowheads="1"/>
+          </p:cNvPicPr>
+          <p:nvPr/>
+        </p:nvPicPr>
+        <p:blipFill>
+          <a:blip r:embed="rId3">
+            <a:extLst>
+              <a:ext uri="{28A0092B-C50C-407E-A947-70E740481C1C}">
+                <a14:useLocalDpi xmlns:a14="http://schemas.microsoft.com/office/drawing/2010/main" val="0"/>
+              </a:ext>
+            </a:extLst>
+          </a:blip>
+          <a:stretch>
+            <a:fillRect/>
+          </a:stretch>
+        </p:blipFill>
+        <p:spPr bwMode="auto">
+          <a:xfrm>
+            <a:off x="0" y="-11542"/>
+            <a:ext cx="1641902" cy="820951"/>
+          </a:xfrm>
+          <a:prstGeom prst="rect">
+            <a:avLst/>
+          </a:prstGeom>
+          <a:noFill/>
+          <a:extLst>
+            <a:ext uri="{909E8E84-426E-40DD-AFC4-6F175D3DCCD1}">
+              <a14:hiddenFill xmlns:a14="http://schemas.microsoft.com/office/drawing/2010/main">
+                <a:solidFill>
+                  <a:srgbClr val="FFFFFF"/>
+                </a:solidFill>
+              </a14:hiddenFill>
+            </a:ext>
+          </a:extLst>
+        </p:spPr>
+      </p:pic>
     </p:spTree>
     <p:extLst>
       <p:ext uri="{BB962C8B-B14F-4D97-AF65-F5344CB8AC3E}">
@@ -29665,171 +33631,6 @@
           <a:chExt cx="0" cy="0"/>
         </a:xfrm>
       </p:grpSpPr>
-      <p:sp>
-        <p:nvSpPr>
-          <p:cNvPr id="27" name="Rectangle 26">
-            <a:extLst>
-              <a:ext uri="{FF2B5EF4-FFF2-40B4-BE49-F238E27FC236}">
-                <a16:creationId xmlns:a16="http://schemas.microsoft.com/office/drawing/2014/main" id="{36D16D1E-4205-49F5-BD2A-DA769947C104}"/>
-              </a:ext>
-              <a:ext uri="{C183D7F6-B498-43B3-948B-1728B52AA6E4}">
-                <adec:decorative xmlns:adec="http://schemas.microsoft.com/office/drawing/2017/decorative" val="1"/>
-              </a:ext>
-            </a:extLst>
-          </p:cNvPr>
-          <p:cNvSpPr>
-            <a:spLocks noGrp="1" noRot="1" noChangeAspect="1" noMove="1" noResize="1" noEditPoints="1" noAdjustHandles="1" noChangeArrowheads="1" noChangeShapeType="1" noTextEdit="1"/>
-          </p:cNvSpPr>
-          <p:nvPr>
-            <p:extLst>
-              <p:ext uri="{386F3935-93C4-4BCD-93E2-E3B085C9AB24}">
-                <p16:designElem xmlns:p16="http://schemas.microsoft.com/office/powerpoint/2015/main" val="1"/>
-              </p:ext>
-            </p:extLst>
-          </p:nvPr>
-        </p:nvSpPr>
-        <p:spPr>
-          <a:xfrm>
-            <a:off x="1" y="6400800"/>
-            <a:ext cx="12192000" cy="457200"/>
-          </a:xfrm>
-          <a:prstGeom prst="rect">
-            <a:avLst/>
-          </a:prstGeom>
-          <a:solidFill>
-            <a:schemeClr val="accent2"/>
-          </a:solidFill>
-          <a:ln>
-            <a:noFill/>
-          </a:ln>
-        </p:spPr>
-        <p:style>
-          <a:lnRef idx="2">
-            <a:schemeClr val="accent1">
-              <a:shade val="50000"/>
-            </a:schemeClr>
-          </a:lnRef>
-          <a:fillRef idx="1">
-            <a:schemeClr val="accent1"/>
-          </a:fillRef>
-          <a:effectRef idx="0">
-            <a:schemeClr val="accent1"/>
-          </a:effectRef>
-          <a:fontRef idx="minor">
-            <a:schemeClr val="lt1"/>
-          </a:fontRef>
-        </p:style>
-      </p:sp>
-      <p:sp>
-        <p:nvSpPr>
-          <p:cNvPr id="29" name="Rectangle 28">
-            <a:extLst>
-              <a:ext uri="{FF2B5EF4-FFF2-40B4-BE49-F238E27FC236}">
-                <a16:creationId xmlns:a16="http://schemas.microsoft.com/office/drawing/2014/main" id="{012FD100-C039-4E03-B5E4-2EDFA7290AA6}"/>
-              </a:ext>
-              <a:ext uri="{C183D7F6-B498-43B3-948B-1728B52AA6E4}">
-                <adec:decorative xmlns:adec="http://schemas.microsoft.com/office/drawing/2017/decorative" val="1"/>
-              </a:ext>
-            </a:extLst>
-          </p:cNvPr>
-          <p:cNvSpPr>
-            <a:spLocks noGrp="1" noRot="1" noChangeAspect="1" noMove="1" noResize="1" noEditPoints="1" noAdjustHandles="1" noChangeArrowheads="1" noChangeShapeType="1" noTextEdit="1"/>
-          </p:cNvSpPr>
-          <p:nvPr>
-            <p:extLst>
-              <p:ext uri="{386F3935-93C4-4BCD-93E2-E3B085C9AB24}">
-                <p16:designElem xmlns:p16="http://schemas.microsoft.com/office/powerpoint/2015/main" val="1"/>
-              </p:ext>
-            </p:extLst>
-          </p:nvPr>
-        </p:nvSpPr>
-        <p:spPr>
-          <a:xfrm>
-            <a:off x="0" y="6341936"/>
-            <a:ext cx="12192001" cy="65998"/>
-          </a:xfrm>
-          <a:prstGeom prst="rect">
-            <a:avLst/>
-          </a:prstGeom>
-          <a:solidFill>
-            <a:schemeClr val="accent1"/>
-          </a:solidFill>
-          <a:ln>
-            <a:noFill/>
-          </a:ln>
-        </p:spPr>
-        <p:style>
-          <a:lnRef idx="2">
-            <a:schemeClr val="accent1">
-              <a:shade val="50000"/>
-            </a:schemeClr>
-          </a:lnRef>
-          <a:fillRef idx="1">
-            <a:schemeClr val="accent1"/>
-          </a:fillRef>
-          <a:effectRef idx="0">
-            <a:schemeClr val="accent1"/>
-          </a:effectRef>
-          <a:fontRef idx="minor">
-            <a:schemeClr val="lt1"/>
-          </a:fontRef>
-        </p:style>
-      </p:sp>
-      <p:cxnSp>
-        <p:nvCxnSpPr>
-          <p:cNvPr id="31" name="Straight Connector 30">
-            <a:extLst>
-              <a:ext uri="{FF2B5EF4-FFF2-40B4-BE49-F238E27FC236}">
-                <a16:creationId xmlns:a16="http://schemas.microsoft.com/office/drawing/2014/main" id="{4418FCD2-8448-4A81-8EB4-72250F7827B4}"/>
-              </a:ext>
-              <a:ext uri="{C183D7F6-B498-43B3-948B-1728B52AA6E4}">
-                <adec:decorative xmlns:adec="http://schemas.microsoft.com/office/drawing/2017/decorative" val="1"/>
-              </a:ext>
-            </a:extLst>
-          </p:cNvPr>
-          <p:cNvCxnSpPr>
-            <a:cxnSpLocks noGrp="1" noRot="1" noChangeAspect="1" noMove="1" noResize="1" noEditPoints="1" noAdjustHandles="1" noChangeArrowheads="1" noChangeShapeType="1"/>
-          </p:cNvCxnSpPr>
-          <p:nvPr>
-            <p:extLst>
-              <p:ext uri="{386F3935-93C4-4BCD-93E2-E3B085C9AB24}">
-                <p16:designElem xmlns:p16="http://schemas.microsoft.com/office/powerpoint/2015/main" val="1"/>
-              </p:ext>
-            </p:extLst>
-          </p:nvPr>
-        </p:nvCxnSpPr>
-        <p:spPr>
-          <a:xfrm>
-            <a:off x="1193532" y="1737845"/>
-            <a:ext cx="9966960" cy="0"/>
-          </a:xfrm>
-          <a:prstGeom prst="line">
-            <a:avLst/>
-          </a:prstGeom>
-          <a:ln w="6350">
-            <a:solidFill>
-              <a:schemeClr val="tx1">
-                <a:lumMod val="50000"/>
-                <a:lumOff val="50000"/>
-              </a:schemeClr>
-            </a:solidFill>
-          </a:ln>
-        </p:spPr>
-        <p:style>
-          <a:lnRef idx="1">
-            <a:schemeClr val="accent1"/>
-          </a:lnRef>
-          <a:fillRef idx="0">
-            <a:schemeClr val="accent1"/>
-          </a:fillRef>
-          <a:effectRef idx="0">
-            <a:schemeClr val="accent1"/>
-          </a:effectRef>
-          <a:fontRef idx="minor">
-            <a:schemeClr val="tx1"/>
-          </a:fontRef>
-        </p:style>
-      </p:cxnSp>
       <p:sp>
         <p:nvSpPr>
           <p:cNvPr id="2" name="Title 1">
@@ -29916,40 +33717,40 @@
   <a:themeElements>
     <a:clrScheme name="Retrospect">
       <a:dk1>
-        <a:srgbClr val="000000"/>
+        <a:sysClr val="windowText" lastClr="000000"/>
       </a:dk1>
       <a:lt1>
         <a:sysClr val="window" lastClr="FFFFFF"/>
       </a:lt1>
       <a:dk2>
-        <a:srgbClr val="637052"/>
+        <a:srgbClr val="344068"/>
       </a:dk2>
       <a:lt2>
-        <a:srgbClr val="CCDDEA"/>
+        <a:srgbClr val="D9E0E6"/>
       </a:lt2>
       <a:accent1>
-        <a:srgbClr val="E48312"/>
+        <a:srgbClr val="1CADE4"/>
       </a:accent1>
       <a:accent2>
-        <a:srgbClr val="BD582C"/>
+        <a:srgbClr val="2683C6"/>
       </a:accent2>
       <a:accent3>
-        <a:srgbClr val="865640"/>
+        <a:srgbClr val="28C4CC"/>
       </a:accent3>
       <a:accent4>
-        <a:srgbClr val="9B8357"/>
+        <a:srgbClr val="42BA97"/>
       </a:accent4>
       <a:accent5>
-        <a:srgbClr val="C2BC80"/>
+        <a:srgbClr val="3E8853"/>
       </a:accent5>
       <a:accent6>
-        <a:srgbClr val="94A088"/>
+        <a:srgbClr val="62A39F"/>
       </a:accent6>
       <a:hlink>
-        <a:srgbClr val="2998E3"/>
+        <a:srgbClr val="6EAC1C"/>
       </a:hlink>
       <a:folHlink>
-        <a:srgbClr val="8C8C8C"/>
+        <a:srgbClr val="B26B02"/>
       </a:folHlink>
     </a:clrScheme>
     <a:fontScheme name="Retrospect">
@@ -30188,7 +33989,7 @@
   <a:extraClrSchemeLst/>
   <a:extLst>
     <a:ext uri="{05A4C25C-085E-4340-85A3-A5531E510DB2}">
-      <thm15:themeFamily xmlns:thm15="http://schemas.microsoft.com/office/thememl/2012/main" name="Retrospect" id="{5F128B03-DCCA-4EEB-AB3B-CF2899314A46}" vid="{3F1AAB62-24C6-49D2-8E01-B56FAC9A3DCD}"/>
+      <thm15:themeFamily xmlns:thm15="http://schemas.microsoft.com/office/thememl/2012/main" name="Retrospect" id="{5F128B03-DCCA-4EEB-AB3B-CF2899314A46}" vid="{9CC26709-368C-4D72-9060-94E5B3FF3CD6}"/>
     </a:ext>
   </a:extLst>
 </a:theme>
